--- a/pics/2020-08-21-surface_integral/pics.pptx
+++ b/pics/2020-08-21-surface_integral/pics.pptx
@@ -7,6 +7,7 @@
   <p:sldIdLst>
     <p:sldId id="258" r:id="rId2"/>
     <p:sldId id="259" r:id="rId3"/>
+    <p:sldId id="260" r:id="rId4"/>
   </p:sldIdLst>
   <p:sldSz cx="12192000" cy="6858000"/>
   <p:notesSz cx="6858000" cy="9144000"/>
@@ -7077,6 +7078,2758 @@
 </p:sld>
 </file>
 
+<file path=ppt/slides/slide3.xml><?xml version="1.0" encoding="utf-8"?>
+<p:sld xmlns:a="http://schemas.openxmlformats.org/drawingml/2006/main" xmlns:r="http://schemas.openxmlformats.org/officeDocument/2006/relationships" xmlns:p="http://schemas.openxmlformats.org/presentationml/2006/main">
+  <p:cSld>
+    <p:spTree>
+      <p:nvGrpSpPr>
+        <p:cNvPr id="1" name=""/>
+        <p:cNvGrpSpPr/>
+        <p:nvPr/>
+      </p:nvGrpSpPr>
+      <p:grpSpPr>
+        <a:xfrm>
+          <a:off x="0" y="0"/>
+          <a:ext cx="0" cy="0"/>
+          <a:chOff x="0" y="0"/>
+          <a:chExt cx="0" cy="0"/>
+        </a:xfrm>
+      </p:grpSpPr>
+      <p:sp>
+        <p:nvSpPr>
+          <p:cNvPr id="4" name="자유형: 도형 3">
+            <a:extLst>
+              <a:ext uri="{FF2B5EF4-FFF2-40B4-BE49-F238E27FC236}">
+                <a16:creationId xmlns:a16="http://schemas.microsoft.com/office/drawing/2014/main" id="{027CF484-4C92-4F92-A054-8E9397B7B90E}"/>
+              </a:ext>
+            </a:extLst>
+          </p:cNvPr>
+          <p:cNvSpPr/>
+          <p:nvPr/>
+        </p:nvSpPr>
+        <p:spPr>
+          <a:xfrm>
+            <a:off x="1337406" y="2352146"/>
+            <a:ext cx="2151978" cy="2703426"/>
+          </a:xfrm>
+          <a:custGeom>
+            <a:avLst/>
+            <a:gdLst>
+              <a:gd name="connsiteX0" fmla="*/ 0 w 2529840"/>
+              <a:gd name="connsiteY0" fmla="*/ 0 h 3151632"/>
+              <a:gd name="connsiteX1" fmla="*/ 1548384 w 2529840"/>
+              <a:gd name="connsiteY1" fmla="*/ 3151632 h 3151632"/>
+              <a:gd name="connsiteX2" fmla="*/ 2529840 w 2529840"/>
+              <a:gd name="connsiteY2" fmla="*/ 3151632 h 3151632"/>
+              <a:gd name="connsiteX3" fmla="*/ 981456 w 2529840"/>
+              <a:gd name="connsiteY3" fmla="*/ 6096 h 3151632"/>
+            </a:gdLst>
+            <a:ahLst/>
+            <a:cxnLst>
+              <a:cxn ang="0">
+                <a:pos x="connsiteX0" y="connsiteY0"/>
+              </a:cxn>
+              <a:cxn ang="0">
+                <a:pos x="connsiteX1" y="connsiteY1"/>
+              </a:cxn>
+              <a:cxn ang="0">
+                <a:pos x="connsiteX2" y="connsiteY2"/>
+              </a:cxn>
+              <a:cxn ang="0">
+                <a:pos x="connsiteX3" y="connsiteY3"/>
+              </a:cxn>
+            </a:cxnLst>
+            <a:rect l="l" t="t" r="r" b="b"/>
+            <a:pathLst>
+              <a:path w="2529840" h="3151632">
+                <a:moveTo>
+                  <a:pt x="0" y="0"/>
+                </a:moveTo>
+                <a:lnTo>
+                  <a:pt x="1548384" y="3151632"/>
+                </a:lnTo>
+                <a:lnTo>
+                  <a:pt x="2529840" y="3151632"/>
+                </a:lnTo>
+                <a:lnTo>
+                  <a:pt x="981456" y="6096"/>
+                </a:lnTo>
+              </a:path>
+            </a:pathLst>
+          </a:custGeom>
+          <a:pattFill prst="ltHorz">
+            <a:fgClr>
+              <a:schemeClr val="accent1"/>
+            </a:fgClr>
+            <a:bgClr>
+              <a:schemeClr val="bg1"/>
+            </a:bgClr>
+          </a:pattFill>
+          <a:ln>
+            <a:noFill/>
+          </a:ln>
+        </p:spPr>
+        <p:style>
+          <a:lnRef idx="2">
+            <a:schemeClr val="accent1">
+              <a:shade val="50000"/>
+            </a:schemeClr>
+          </a:lnRef>
+          <a:fillRef idx="1">
+            <a:schemeClr val="accent1"/>
+          </a:fillRef>
+          <a:effectRef idx="0">
+            <a:schemeClr val="accent1"/>
+          </a:effectRef>
+          <a:fontRef idx="minor">
+            <a:schemeClr val="lt1"/>
+          </a:fontRef>
+        </p:style>
+        <p:txBody>
+          <a:bodyPr rtlCol="0" anchor="ctr"/>
+          <a:lstStyle/>
+          <a:p>
+            <a:pPr algn="ctr"/>
+            <a:endParaRPr lang="ko-KR" altLang="en-US" sz="1600"/>
+          </a:p>
+        </p:txBody>
+      </p:sp>
+      <p:cxnSp>
+        <p:nvCxnSpPr>
+          <p:cNvPr id="5" name="직선 화살표 연결선 4">
+            <a:extLst>
+              <a:ext uri="{FF2B5EF4-FFF2-40B4-BE49-F238E27FC236}">
+                <a16:creationId xmlns:a16="http://schemas.microsoft.com/office/drawing/2014/main" id="{0A5D85A1-2D76-4CD9-81CC-925F3A2C264F}"/>
+              </a:ext>
+            </a:extLst>
+          </p:cNvPr>
+          <p:cNvCxnSpPr/>
+          <p:nvPr/>
+        </p:nvCxnSpPr>
+        <p:spPr>
+          <a:xfrm>
+            <a:off x="1345385" y="2352092"/>
+            <a:ext cx="816704" cy="0"/>
+          </a:xfrm>
+          <a:prstGeom prst="straightConnector1">
+            <a:avLst/>
+          </a:prstGeom>
+          <a:ln w="57150">
+            <a:tailEnd type="triangle"/>
+          </a:ln>
+        </p:spPr>
+        <p:style>
+          <a:lnRef idx="1">
+            <a:schemeClr val="accent1"/>
+          </a:lnRef>
+          <a:fillRef idx="0">
+            <a:schemeClr val="accent1"/>
+          </a:fillRef>
+          <a:effectRef idx="0">
+            <a:schemeClr val="accent1"/>
+          </a:effectRef>
+          <a:fontRef idx="minor">
+            <a:schemeClr val="tx1"/>
+          </a:fontRef>
+        </p:style>
+      </p:cxnSp>
+      <p:cxnSp>
+        <p:nvCxnSpPr>
+          <p:cNvPr id="6" name="직선 화살표 연결선 5">
+            <a:extLst>
+              <a:ext uri="{FF2B5EF4-FFF2-40B4-BE49-F238E27FC236}">
+                <a16:creationId xmlns:a16="http://schemas.microsoft.com/office/drawing/2014/main" id="{CD6D0CA4-BD3D-490B-B7AB-1C135C12CFDC}"/>
+              </a:ext>
+            </a:extLst>
+          </p:cNvPr>
+          <p:cNvCxnSpPr/>
+          <p:nvPr/>
+        </p:nvCxnSpPr>
+        <p:spPr>
+          <a:xfrm>
+            <a:off x="2672680" y="5052876"/>
+            <a:ext cx="816704" cy="0"/>
+          </a:xfrm>
+          <a:prstGeom prst="straightConnector1">
+            <a:avLst/>
+          </a:prstGeom>
+          <a:ln w="57150">
+            <a:tailEnd type="triangle"/>
+          </a:ln>
+        </p:spPr>
+        <p:style>
+          <a:lnRef idx="1">
+            <a:schemeClr val="accent1"/>
+          </a:lnRef>
+          <a:fillRef idx="0">
+            <a:schemeClr val="accent1"/>
+          </a:fillRef>
+          <a:effectRef idx="0">
+            <a:schemeClr val="accent1"/>
+          </a:effectRef>
+          <a:fontRef idx="minor">
+            <a:schemeClr val="tx1"/>
+          </a:fontRef>
+        </p:style>
+      </p:cxnSp>
+      <p:cxnSp>
+        <p:nvCxnSpPr>
+          <p:cNvPr id="7" name="직선 연결선 6">
+            <a:extLst>
+              <a:ext uri="{FF2B5EF4-FFF2-40B4-BE49-F238E27FC236}">
+                <a16:creationId xmlns:a16="http://schemas.microsoft.com/office/drawing/2014/main" id="{99EBFD25-564F-4B65-AD8D-5FB52507A474}"/>
+              </a:ext>
+            </a:extLst>
+          </p:cNvPr>
+          <p:cNvCxnSpPr>
+            <a:cxnSpLocks/>
+          </p:cNvCxnSpPr>
+          <p:nvPr/>
+        </p:nvCxnSpPr>
+        <p:spPr>
+          <a:xfrm>
+            <a:off x="1127224" y="1929441"/>
+            <a:ext cx="1841598" cy="3754366"/>
+          </a:xfrm>
+          <a:prstGeom prst="line">
+            <a:avLst/>
+          </a:prstGeom>
+          <a:ln w="28575">
+            <a:solidFill>
+              <a:schemeClr val="tx1"/>
+            </a:solidFill>
+          </a:ln>
+        </p:spPr>
+        <p:style>
+          <a:lnRef idx="1">
+            <a:schemeClr val="accent1"/>
+          </a:lnRef>
+          <a:fillRef idx="0">
+            <a:schemeClr val="accent1"/>
+          </a:fillRef>
+          <a:effectRef idx="0">
+            <a:schemeClr val="accent1"/>
+          </a:effectRef>
+          <a:fontRef idx="minor">
+            <a:schemeClr val="tx1"/>
+          </a:fontRef>
+        </p:style>
+      </p:cxnSp>
+      <p:sp>
+        <p:nvSpPr>
+          <p:cNvPr id="8" name="자유형: 도형 7">
+            <a:extLst>
+              <a:ext uri="{FF2B5EF4-FFF2-40B4-BE49-F238E27FC236}">
+                <a16:creationId xmlns:a16="http://schemas.microsoft.com/office/drawing/2014/main" id="{B0A0BFC5-A034-46AE-82D0-84DB0B1EECF7}"/>
+              </a:ext>
+            </a:extLst>
+          </p:cNvPr>
+          <p:cNvSpPr/>
+          <p:nvPr/>
+        </p:nvSpPr>
+        <p:spPr>
+          <a:xfrm>
+            <a:off x="1323462" y="2362604"/>
+            <a:ext cx="222191" cy="1323484"/>
+          </a:xfrm>
+          <a:custGeom>
+            <a:avLst/>
+            <a:gdLst>
+              <a:gd name="connsiteX0" fmla="*/ 0 w 538480"/>
+              <a:gd name="connsiteY0" fmla="*/ 0 h 2783840"/>
+              <a:gd name="connsiteX1" fmla="*/ 152400 w 538480"/>
+              <a:gd name="connsiteY1" fmla="*/ 1666240 h 2783840"/>
+              <a:gd name="connsiteX2" fmla="*/ 538480 w 538480"/>
+              <a:gd name="connsiteY2" fmla="*/ 2783840 h 2783840"/>
+            </a:gdLst>
+            <a:ahLst/>
+            <a:cxnLst>
+              <a:cxn ang="0">
+                <a:pos x="connsiteX0" y="connsiteY0"/>
+              </a:cxn>
+              <a:cxn ang="0">
+                <a:pos x="connsiteX1" y="connsiteY1"/>
+              </a:cxn>
+              <a:cxn ang="0">
+                <a:pos x="connsiteX2" y="connsiteY2"/>
+              </a:cxn>
+            </a:cxnLst>
+            <a:rect l="l" t="t" r="r" b="b"/>
+            <a:pathLst>
+              <a:path w="538480" h="2783840">
+                <a:moveTo>
+                  <a:pt x="0" y="0"/>
+                </a:moveTo>
+                <a:cubicBezTo>
+                  <a:pt x="31326" y="601133"/>
+                  <a:pt x="62653" y="1202267"/>
+                  <a:pt x="152400" y="1666240"/>
+                </a:cubicBezTo>
+                <a:cubicBezTo>
+                  <a:pt x="242147" y="2130213"/>
+                  <a:pt x="390313" y="2457026"/>
+                  <a:pt x="538480" y="2783840"/>
+                </a:cubicBezTo>
+              </a:path>
+            </a:pathLst>
+          </a:custGeom>
+          <a:noFill/>
+          <a:ln>
+            <a:solidFill>
+              <a:schemeClr val="tx1"/>
+            </a:solidFill>
+            <a:prstDash val="dash"/>
+          </a:ln>
+        </p:spPr>
+        <p:style>
+          <a:lnRef idx="2">
+            <a:schemeClr val="accent1">
+              <a:shade val="50000"/>
+            </a:schemeClr>
+          </a:lnRef>
+          <a:fillRef idx="1">
+            <a:schemeClr val="accent1"/>
+          </a:fillRef>
+          <a:effectRef idx="0">
+            <a:schemeClr val="accent1"/>
+          </a:effectRef>
+          <a:fontRef idx="minor">
+            <a:schemeClr val="lt1"/>
+          </a:fontRef>
+        </p:style>
+        <p:txBody>
+          <a:bodyPr rtlCol="0" anchor="ctr"/>
+          <a:lstStyle/>
+          <a:p>
+            <a:pPr algn="ctr"/>
+            <a:endParaRPr lang="ko-KR" altLang="en-US" sz="1600"/>
+          </a:p>
+        </p:txBody>
+      </p:sp>
+      <p:sp>
+        <p:nvSpPr>
+          <p:cNvPr id="9" name="자유형: 도형 8">
+            <a:extLst>
+              <a:ext uri="{FF2B5EF4-FFF2-40B4-BE49-F238E27FC236}">
+                <a16:creationId xmlns:a16="http://schemas.microsoft.com/office/drawing/2014/main" id="{F52DED44-1F98-405B-970B-C29251C03BE2}"/>
+              </a:ext>
+            </a:extLst>
+          </p:cNvPr>
+          <p:cNvSpPr/>
+          <p:nvPr/>
+        </p:nvSpPr>
+        <p:spPr>
+          <a:xfrm rot="19509709">
+            <a:off x="2097392" y="3909036"/>
+            <a:ext cx="191334" cy="1326199"/>
+          </a:xfrm>
+          <a:custGeom>
+            <a:avLst/>
+            <a:gdLst>
+              <a:gd name="connsiteX0" fmla="*/ 0 w 538480"/>
+              <a:gd name="connsiteY0" fmla="*/ 0 h 2783840"/>
+              <a:gd name="connsiteX1" fmla="*/ 152400 w 538480"/>
+              <a:gd name="connsiteY1" fmla="*/ 1666240 h 2783840"/>
+              <a:gd name="connsiteX2" fmla="*/ 538480 w 538480"/>
+              <a:gd name="connsiteY2" fmla="*/ 2783840 h 2783840"/>
+            </a:gdLst>
+            <a:ahLst/>
+            <a:cxnLst>
+              <a:cxn ang="0">
+                <a:pos x="connsiteX0" y="connsiteY0"/>
+              </a:cxn>
+              <a:cxn ang="0">
+                <a:pos x="connsiteX1" y="connsiteY1"/>
+              </a:cxn>
+              <a:cxn ang="0">
+                <a:pos x="connsiteX2" y="connsiteY2"/>
+              </a:cxn>
+            </a:cxnLst>
+            <a:rect l="l" t="t" r="r" b="b"/>
+            <a:pathLst>
+              <a:path w="538480" h="2783840">
+                <a:moveTo>
+                  <a:pt x="0" y="0"/>
+                </a:moveTo>
+                <a:cubicBezTo>
+                  <a:pt x="31326" y="601133"/>
+                  <a:pt x="62653" y="1202267"/>
+                  <a:pt x="152400" y="1666240"/>
+                </a:cubicBezTo>
+                <a:cubicBezTo>
+                  <a:pt x="242147" y="2130213"/>
+                  <a:pt x="390313" y="2457026"/>
+                  <a:pt x="538480" y="2783840"/>
+                </a:cubicBezTo>
+              </a:path>
+            </a:pathLst>
+          </a:custGeom>
+          <a:noFill/>
+          <a:ln>
+            <a:solidFill>
+              <a:schemeClr val="tx1"/>
+            </a:solidFill>
+            <a:prstDash val="dash"/>
+          </a:ln>
+        </p:spPr>
+        <p:style>
+          <a:lnRef idx="2">
+            <a:schemeClr val="accent1">
+              <a:shade val="50000"/>
+            </a:schemeClr>
+          </a:lnRef>
+          <a:fillRef idx="1">
+            <a:schemeClr val="accent1"/>
+          </a:fillRef>
+          <a:effectRef idx="0">
+            <a:schemeClr val="accent1"/>
+          </a:effectRef>
+          <a:fontRef idx="minor">
+            <a:schemeClr val="lt1"/>
+          </a:fontRef>
+        </p:style>
+        <p:txBody>
+          <a:bodyPr rtlCol="0" anchor="ctr"/>
+          <a:lstStyle/>
+          <a:p>
+            <a:pPr algn="ctr"/>
+            <a:endParaRPr lang="ko-KR" altLang="en-US" sz="1600"/>
+          </a:p>
+        </p:txBody>
+      </p:sp>
+      <mc:AlternateContent xmlns:mc="http://schemas.openxmlformats.org/markup-compatibility/2006">
+        <mc:Choice xmlns:a14="http://schemas.microsoft.com/office/drawing/2010/main" Requires="a14">
+          <p:sp>
+            <p:nvSpPr>
+              <p:cNvPr id="10" name="TextBox 9">
+                <a:extLst>
+                  <a:ext uri="{FF2B5EF4-FFF2-40B4-BE49-F238E27FC236}">
+                    <a16:creationId xmlns:a16="http://schemas.microsoft.com/office/drawing/2014/main" id="{13AEBB2D-8B1C-4DEF-8A47-AF8EE531EC7A}"/>
+                  </a:ext>
+                </a:extLst>
+              </p:cNvPr>
+              <p:cNvSpPr txBox="1"/>
+              <p:nvPr/>
+            </p:nvSpPr>
+            <p:spPr>
+              <a:xfrm>
+                <a:off x="1439130" y="3686141"/>
+                <a:ext cx="474232" cy="338554"/>
+              </a:xfrm>
+              <a:prstGeom prst="rect">
+                <a:avLst/>
+              </a:prstGeom>
+              <a:noFill/>
+            </p:spPr>
+            <p:txBody>
+              <a:bodyPr wrap="none" rtlCol="0">
+                <a:spAutoFit/>
+              </a:bodyPr>
+              <a:lstStyle/>
+              <a:p>
+                <a:pPr/>
+                <a14:m>
+                  <m:oMathPara xmlns:m="http://schemas.openxmlformats.org/officeDocument/2006/math">
+                    <m:oMathParaPr>
+                      <m:jc m:val="centerGroup"/>
+                    </m:oMathParaPr>
+                    <m:oMath xmlns:m="http://schemas.openxmlformats.org/officeDocument/2006/math">
+                      <m:r>
+                        <a:rPr lang="en-US" altLang="ko-KR" sz="1600" b="0" i="1" smtClean="0">
+                          <a:latin typeface="Cambria Math" panose="02040503050406030204" pitchFamily="18" charset="0"/>
+                        </a:rPr>
+                        <m:t>𝑑</m:t>
+                      </m:r>
+                      <m:r>
+                        <a:rPr lang="en-US" altLang="ko-KR" sz="1600" b="0" i="1" smtClean="0">
+                          <a:latin typeface="Cambria Math" panose="02040503050406030204" pitchFamily="18" charset="0"/>
+                        </a:rPr>
+                        <m:t>𝑠</m:t>
+                      </m:r>
+                    </m:oMath>
+                  </m:oMathPara>
+                </a14:m>
+                <a:endParaRPr lang="ko-KR" altLang="en-US" sz="1600" dirty="0"/>
+              </a:p>
+            </p:txBody>
+          </p:sp>
+        </mc:Choice>
+        <mc:Fallback>
+          <p:sp>
+            <p:nvSpPr>
+              <p:cNvPr id="10" name="TextBox 9">
+                <a:extLst>
+                  <a:ext uri="{FF2B5EF4-FFF2-40B4-BE49-F238E27FC236}">
+                    <a16:creationId xmlns:a16="http://schemas.microsoft.com/office/drawing/2014/main" id="{13AEBB2D-8B1C-4DEF-8A47-AF8EE531EC7A}"/>
+                  </a:ext>
+                </a:extLst>
+              </p:cNvPr>
+              <p:cNvSpPr txBox="1">
+                <a:spLocks noRot="1" noChangeAspect="1" noMove="1" noResize="1" noEditPoints="1" noAdjustHandles="1" noChangeArrowheads="1" noChangeShapeType="1" noTextEdit="1"/>
+              </p:cNvSpPr>
+              <p:nvPr/>
+            </p:nvSpPr>
+            <p:spPr>
+              <a:xfrm>
+                <a:off x="1439130" y="3686141"/>
+                <a:ext cx="474232" cy="338554"/>
+              </a:xfrm>
+              <a:prstGeom prst="rect">
+                <a:avLst/>
+              </a:prstGeom>
+              <a:blipFill>
+                <a:blip r:embed="rId2"/>
+                <a:stretch>
+                  <a:fillRect/>
+                </a:stretch>
+              </a:blipFill>
+            </p:spPr>
+            <p:txBody>
+              <a:bodyPr/>
+              <a:lstStyle/>
+              <a:p>
+                <a:r>
+                  <a:rPr lang="ko-KR" altLang="en-US">
+                    <a:noFill/>
+                  </a:rPr>
+                  <a:t> </a:t>
+                </a:r>
+              </a:p>
+            </p:txBody>
+          </p:sp>
+        </mc:Fallback>
+      </mc:AlternateContent>
+      <mc:AlternateContent xmlns:mc="http://schemas.openxmlformats.org/markup-compatibility/2006">
+        <mc:Choice xmlns:a14="http://schemas.microsoft.com/office/drawing/2010/main" Requires="a14">
+          <p:sp>
+            <p:nvSpPr>
+              <p:cNvPr id="11" name="TextBox 10">
+                <a:extLst>
+                  <a:ext uri="{FF2B5EF4-FFF2-40B4-BE49-F238E27FC236}">
+                    <a16:creationId xmlns:a16="http://schemas.microsoft.com/office/drawing/2014/main" id="{20ACC800-4143-4199-BBAD-18F3D52E31F7}"/>
+                  </a:ext>
+                </a:extLst>
+              </p:cNvPr>
+              <p:cNvSpPr txBox="1"/>
+              <p:nvPr/>
+            </p:nvSpPr>
+            <p:spPr>
+              <a:xfrm>
+                <a:off x="1467840" y="2017777"/>
+                <a:ext cx="583621" cy="338554"/>
+              </a:xfrm>
+              <a:prstGeom prst="rect">
+                <a:avLst/>
+              </a:prstGeom>
+              <a:noFill/>
+            </p:spPr>
+            <p:txBody>
+              <a:bodyPr wrap="none" rtlCol="0">
+                <a:spAutoFit/>
+              </a:bodyPr>
+              <a:lstStyle/>
+              <a:p>
+                <a:pPr/>
+                <a14:m>
+                  <m:oMathPara xmlns:m="http://schemas.openxmlformats.org/officeDocument/2006/math">
+                    <m:oMathParaPr>
+                      <m:jc m:val="centerGroup"/>
+                    </m:oMathParaPr>
+                    <m:oMath xmlns:m="http://schemas.openxmlformats.org/officeDocument/2006/math">
+                      <m:acc>
+                        <m:accPr>
+                          <m:chr m:val="⃗"/>
+                          <m:ctrlPr>
+                            <a:rPr lang="en-US" altLang="ko-KR" sz="1600" b="0" i="1" smtClean="0">
+                              <a:solidFill>
+                                <a:schemeClr val="accent1"/>
+                              </a:solidFill>
+                              <a:latin typeface="Cambria Math" panose="02040503050406030204" pitchFamily="18" charset="0"/>
+                            </a:rPr>
+                          </m:ctrlPr>
+                        </m:accPr>
+                        <m:e>
+                          <m:r>
+                            <a:rPr lang="en-US" altLang="ko-KR" sz="1600" b="0" i="1" smtClean="0">
+                              <a:solidFill>
+                                <a:schemeClr val="accent1"/>
+                              </a:solidFill>
+                              <a:latin typeface="Cambria Math" panose="02040503050406030204" pitchFamily="18" charset="0"/>
+                            </a:rPr>
+                            <m:t>𝑣</m:t>
+                          </m:r>
+                        </m:e>
+                      </m:acc>
+                      <m:r>
+                        <m:rPr>
+                          <m:sty m:val="p"/>
+                        </m:rPr>
+                        <a:rPr lang="en-US" altLang="ko-KR" sz="1600" b="0" i="0" smtClean="0">
+                          <a:solidFill>
+                            <a:schemeClr val="accent1"/>
+                          </a:solidFill>
+                          <a:latin typeface="Cambria Math" panose="02040503050406030204" pitchFamily="18" charset="0"/>
+                        </a:rPr>
+                        <m:t>Δ</m:t>
+                      </m:r>
+                      <m:r>
+                        <a:rPr lang="en-US" altLang="ko-KR" sz="1600" b="0" i="1" smtClean="0">
+                          <a:solidFill>
+                            <a:schemeClr val="accent1"/>
+                          </a:solidFill>
+                          <a:latin typeface="Cambria Math" panose="02040503050406030204" pitchFamily="18" charset="0"/>
+                        </a:rPr>
+                        <m:t>𝑡</m:t>
+                      </m:r>
+                    </m:oMath>
+                  </m:oMathPara>
+                </a14:m>
+                <a:endParaRPr lang="ko-KR" altLang="en-US" sz="1600" dirty="0">
+                  <a:solidFill>
+                    <a:schemeClr val="accent1"/>
+                  </a:solidFill>
+                </a:endParaRPr>
+              </a:p>
+            </p:txBody>
+          </p:sp>
+        </mc:Choice>
+        <mc:Fallback>
+          <p:sp>
+            <p:nvSpPr>
+              <p:cNvPr id="11" name="TextBox 10">
+                <a:extLst>
+                  <a:ext uri="{FF2B5EF4-FFF2-40B4-BE49-F238E27FC236}">
+                    <a16:creationId xmlns:a16="http://schemas.microsoft.com/office/drawing/2014/main" id="{20ACC800-4143-4199-BBAD-18F3D52E31F7}"/>
+                  </a:ext>
+                </a:extLst>
+              </p:cNvPr>
+              <p:cNvSpPr txBox="1">
+                <a:spLocks noRot="1" noChangeAspect="1" noMove="1" noResize="1" noEditPoints="1" noAdjustHandles="1" noChangeArrowheads="1" noChangeShapeType="1" noTextEdit="1"/>
+              </p:cNvSpPr>
+              <p:nvPr/>
+            </p:nvSpPr>
+            <p:spPr>
+              <a:xfrm>
+                <a:off x="1467840" y="2017777"/>
+                <a:ext cx="583621" cy="338554"/>
+              </a:xfrm>
+              <a:prstGeom prst="rect">
+                <a:avLst/>
+              </a:prstGeom>
+              <a:blipFill>
+                <a:blip r:embed="rId3"/>
+                <a:stretch>
+                  <a:fillRect t="-10714"/>
+                </a:stretch>
+              </a:blipFill>
+            </p:spPr>
+            <p:txBody>
+              <a:bodyPr/>
+              <a:lstStyle/>
+              <a:p>
+                <a:r>
+                  <a:rPr lang="ko-KR" altLang="en-US">
+                    <a:noFill/>
+                  </a:rPr>
+                  <a:t> </a:t>
+                </a:r>
+              </a:p>
+            </p:txBody>
+          </p:sp>
+        </mc:Fallback>
+      </mc:AlternateContent>
+      <p:sp>
+        <p:nvSpPr>
+          <p:cNvPr id="12" name="TextBox 11">
+            <a:extLst>
+              <a:ext uri="{FF2B5EF4-FFF2-40B4-BE49-F238E27FC236}">
+                <a16:creationId xmlns:a16="http://schemas.microsoft.com/office/drawing/2014/main" id="{584EAD6E-95DA-427A-8AF6-50D039BBACDD}"/>
+              </a:ext>
+            </a:extLst>
+          </p:cNvPr>
+          <p:cNvSpPr txBox="1"/>
+          <p:nvPr/>
+        </p:nvSpPr>
+        <p:spPr>
+          <a:xfrm>
+            <a:off x="2782190" y="3156157"/>
+            <a:ext cx="2053767" cy="584775"/>
+          </a:xfrm>
+          <a:prstGeom prst="rect">
+            <a:avLst/>
+          </a:prstGeom>
+          <a:noFill/>
+        </p:spPr>
+        <p:txBody>
+          <a:bodyPr wrap="none" rtlCol="0">
+            <a:spAutoFit/>
+          </a:bodyPr>
+          <a:lstStyle/>
+          <a:p>
+            <a:pPr algn="ctr"/>
+            <a:r>
+              <a:rPr lang="ko-KR" altLang="en-US" sz="1600" dirty="0"/>
+              <a:t>미소 경로의 유량 </a:t>
+            </a:r>
+            <a:r>
+              <a:rPr lang="en-US" altLang="ko-KR" sz="1600" dirty="0"/>
+              <a:t>= </a:t>
+            </a:r>
+          </a:p>
+          <a:p>
+            <a:pPr algn="ctr"/>
+            <a:r>
+              <a:rPr lang="ko-KR" altLang="en-US" sz="1600" dirty="0"/>
+              <a:t>평행사변형의 넓이</a:t>
+            </a:r>
+          </a:p>
+        </p:txBody>
+      </p:sp>
+      <p:sp>
+        <p:nvSpPr>
+          <p:cNvPr id="13" name="TextBox 12">
+            <a:extLst>
+              <a:ext uri="{FF2B5EF4-FFF2-40B4-BE49-F238E27FC236}">
+                <a16:creationId xmlns:a16="http://schemas.microsoft.com/office/drawing/2014/main" id="{75ECF9A5-5524-4921-A118-68645F664EF4}"/>
+              </a:ext>
+            </a:extLst>
+          </p:cNvPr>
+          <p:cNvSpPr txBox="1"/>
+          <p:nvPr/>
+        </p:nvSpPr>
+        <p:spPr>
+          <a:xfrm>
+            <a:off x="1709503" y="1174194"/>
+            <a:ext cx="2518638" cy="400110"/>
+          </a:xfrm>
+          <a:prstGeom prst="rect">
+            <a:avLst/>
+          </a:prstGeom>
+          <a:noFill/>
+        </p:spPr>
+        <p:txBody>
+          <a:bodyPr wrap="none" rtlCol="0">
+            <a:spAutoFit/>
+          </a:bodyPr>
+          <a:lstStyle/>
+          <a:p>
+            <a:r>
+              <a:rPr lang="en-US" altLang="ko-KR" sz="2000" dirty="0"/>
+              <a:t>&lt;</a:t>
+            </a:r>
+            <a:r>
+              <a:rPr lang="ko-KR" altLang="en-US" sz="2000" dirty="0"/>
+              <a:t>미소 경로의 유량</a:t>
+            </a:r>
+            <a:r>
+              <a:rPr lang="en-US" altLang="ko-KR" sz="2000" dirty="0"/>
+              <a:t>&gt;</a:t>
+            </a:r>
+            <a:endParaRPr lang="ko-KR" altLang="en-US" sz="2000" dirty="0"/>
+          </a:p>
+        </p:txBody>
+      </p:sp>
+      <p:cxnSp>
+        <p:nvCxnSpPr>
+          <p:cNvPr id="14" name="직선 연결선 13">
+            <a:extLst>
+              <a:ext uri="{FF2B5EF4-FFF2-40B4-BE49-F238E27FC236}">
+                <a16:creationId xmlns:a16="http://schemas.microsoft.com/office/drawing/2014/main" id="{D783362A-9B85-4545-A0D1-D966E9A7A2CC}"/>
+              </a:ext>
+            </a:extLst>
+          </p:cNvPr>
+          <p:cNvCxnSpPr>
+            <a:cxnSpLocks/>
+          </p:cNvCxnSpPr>
+          <p:nvPr/>
+        </p:nvCxnSpPr>
+        <p:spPr>
+          <a:xfrm flipV="1">
+            <a:off x="1525913" y="2187971"/>
+            <a:ext cx="1073447" cy="526549"/>
+          </a:xfrm>
+          <a:prstGeom prst="line">
+            <a:avLst/>
+          </a:prstGeom>
+          <a:ln w="57150">
+            <a:solidFill>
+              <a:srgbClr val="FF0000"/>
+            </a:solidFill>
+            <a:headEnd type="none" w="med" len="med"/>
+            <a:tailEnd type="arrow" w="med" len="med"/>
+          </a:ln>
+        </p:spPr>
+        <p:style>
+          <a:lnRef idx="1">
+            <a:schemeClr val="accent1"/>
+          </a:lnRef>
+          <a:fillRef idx="0">
+            <a:schemeClr val="accent1"/>
+          </a:fillRef>
+          <a:effectRef idx="0">
+            <a:schemeClr val="accent1"/>
+          </a:effectRef>
+          <a:fontRef idx="minor">
+            <a:schemeClr val="tx1"/>
+          </a:fontRef>
+        </p:style>
+      </p:cxnSp>
+      <p:cxnSp>
+        <p:nvCxnSpPr>
+          <p:cNvPr id="15" name="직선 연결선 14">
+            <a:extLst>
+              <a:ext uri="{FF2B5EF4-FFF2-40B4-BE49-F238E27FC236}">
+                <a16:creationId xmlns:a16="http://schemas.microsoft.com/office/drawing/2014/main" id="{B00E85BD-8B8C-4DEF-99BA-485D64952518}"/>
+              </a:ext>
+            </a:extLst>
+          </p:cNvPr>
+          <p:cNvCxnSpPr>
+            <a:cxnSpLocks/>
+          </p:cNvCxnSpPr>
+          <p:nvPr/>
+        </p:nvCxnSpPr>
+        <p:spPr>
+          <a:xfrm flipV="1">
+            <a:off x="2848677" y="4882136"/>
+            <a:ext cx="1073447" cy="526549"/>
+          </a:xfrm>
+          <a:prstGeom prst="line">
+            <a:avLst/>
+          </a:prstGeom>
+          <a:ln w="57150">
+            <a:solidFill>
+              <a:srgbClr val="FF0000"/>
+            </a:solidFill>
+            <a:headEnd type="none" w="med" len="med"/>
+            <a:tailEnd type="arrow" w="med" len="med"/>
+          </a:ln>
+        </p:spPr>
+        <p:style>
+          <a:lnRef idx="1">
+            <a:schemeClr val="accent1"/>
+          </a:lnRef>
+          <a:fillRef idx="0">
+            <a:schemeClr val="accent1"/>
+          </a:fillRef>
+          <a:effectRef idx="0">
+            <a:schemeClr val="accent1"/>
+          </a:effectRef>
+          <a:fontRef idx="minor">
+            <a:schemeClr val="tx1"/>
+          </a:fontRef>
+        </p:style>
+      </p:cxnSp>
+      <mc:AlternateContent xmlns:mc="http://schemas.openxmlformats.org/markup-compatibility/2006">
+        <mc:Choice xmlns:a14="http://schemas.microsoft.com/office/drawing/2010/main" Requires="a14">
+          <p:sp>
+            <p:nvSpPr>
+              <p:cNvPr id="16" name="TextBox 15">
+                <a:extLst>
+                  <a:ext uri="{FF2B5EF4-FFF2-40B4-BE49-F238E27FC236}">
+                    <a16:creationId xmlns:a16="http://schemas.microsoft.com/office/drawing/2014/main" id="{7672DF21-C67F-4E9B-BBE7-DB41BB8F31B5}"/>
+                  </a:ext>
+                </a:extLst>
+              </p:cNvPr>
+              <p:cNvSpPr txBox="1"/>
+              <p:nvPr/>
+            </p:nvSpPr>
+            <p:spPr>
+              <a:xfrm>
+                <a:off x="2315791" y="1860059"/>
+                <a:ext cx="2295565" cy="338554"/>
+              </a:xfrm>
+              <a:prstGeom prst="rect">
+                <a:avLst/>
+              </a:prstGeom>
+              <a:noFill/>
+            </p:spPr>
+            <p:txBody>
+              <a:bodyPr wrap="none" rtlCol="0">
+                <a:spAutoFit/>
+              </a:bodyPr>
+              <a:lstStyle/>
+              <a:p>
+                <a14:m>
+                  <m:oMath xmlns:m="http://schemas.openxmlformats.org/officeDocument/2006/math">
+                    <m:acc>
+                      <m:accPr>
+                        <m:chr m:val="̂"/>
+                        <m:ctrlPr>
+                          <a:rPr lang="en-US" altLang="ko-KR" sz="1600" b="0" i="1" smtClean="0">
+                            <a:solidFill>
+                              <a:srgbClr val="FF0000"/>
+                            </a:solidFill>
+                            <a:latin typeface="Cambria Math" panose="02040503050406030204" pitchFamily="18" charset="0"/>
+                          </a:rPr>
+                        </m:ctrlPr>
+                      </m:accPr>
+                      <m:e>
+                        <m:r>
+                          <a:rPr lang="en-US" altLang="ko-KR" sz="1600" b="0" i="1" smtClean="0">
+                            <a:solidFill>
+                              <a:srgbClr val="FF0000"/>
+                            </a:solidFill>
+                            <a:latin typeface="Cambria Math" panose="02040503050406030204" pitchFamily="18" charset="0"/>
+                          </a:rPr>
+                          <m:t>𝑛</m:t>
+                        </m:r>
+                      </m:e>
+                    </m:acc>
+                  </m:oMath>
+                </a14:m>
+                <a:r>
+                  <a:rPr lang="en-US" altLang="ko-KR" sz="1600" dirty="0">
+                    <a:solidFill>
+                      <a:srgbClr val="FF0000"/>
+                    </a:solidFill>
+                  </a:rPr>
+                  <a:t>: </a:t>
+                </a:r>
+                <a14:m>
+                  <m:oMath xmlns:m="http://schemas.openxmlformats.org/officeDocument/2006/math">
+                    <m:r>
+                      <m:rPr>
+                        <m:sty m:val="p"/>
+                      </m:rPr>
+                      <a:rPr lang="en-US" altLang="ko-KR" sz="1600" b="0" i="0" smtClean="0">
+                        <a:solidFill>
+                          <a:srgbClr val="FF0000"/>
+                        </a:solidFill>
+                        <a:latin typeface="Cambria Math" panose="02040503050406030204" pitchFamily="18" charset="0"/>
+                      </a:rPr>
+                      <m:t>d</m:t>
+                    </m:r>
+                    <m:r>
+                      <a:rPr lang="en-US" altLang="ko-KR" sz="1600" b="0" i="1" smtClean="0">
+                        <a:solidFill>
+                          <a:srgbClr val="FF0000"/>
+                        </a:solidFill>
+                        <a:latin typeface="Cambria Math" panose="02040503050406030204" pitchFamily="18" charset="0"/>
+                      </a:rPr>
+                      <m:t>𝑠</m:t>
+                    </m:r>
+                  </m:oMath>
+                </a14:m>
+                <a:r>
+                  <a:rPr lang="ko-KR" altLang="en-US" sz="1600" dirty="0">
+                    <a:solidFill>
+                      <a:srgbClr val="FF0000"/>
+                    </a:solidFill>
+                  </a:rPr>
+                  <a:t>에 대한 법선 벡터</a:t>
+                </a:r>
+              </a:p>
+            </p:txBody>
+          </p:sp>
+        </mc:Choice>
+        <mc:Fallback>
+          <p:sp>
+            <p:nvSpPr>
+              <p:cNvPr id="16" name="TextBox 15">
+                <a:extLst>
+                  <a:ext uri="{FF2B5EF4-FFF2-40B4-BE49-F238E27FC236}">
+                    <a16:creationId xmlns:a16="http://schemas.microsoft.com/office/drawing/2014/main" id="{7672DF21-C67F-4E9B-BBE7-DB41BB8F31B5}"/>
+                  </a:ext>
+                </a:extLst>
+              </p:cNvPr>
+              <p:cNvSpPr txBox="1">
+                <a:spLocks noRot="1" noChangeAspect="1" noMove="1" noResize="1" noEditPoints="1" noAdjustHandles="1" noChangeArrowheads="1" noChangeShapeType="1" noTextEdit="1"/>
+              </p:cNvSpPr>
+              <p:nvPr/>
+            </p:nvSpPr>
+            <p:spPr>
+              <a:xfrm>
+                <a:off x="2315791" y="1860059"/>
+                <a:ext cx="2295565" cy="338554"/>
+              </a:xfrm>
+              <a:prstGeom prst="rect">
+                <a:avLst/>
+              </a:prstGeom>
+              <a:blipFill>
+                <a:blip r:embed="rId4"/>
+                <a:stretch>
+                  <a:fillRect t="-5357" r="-266" b="-21429"/>
+                </a:stretch>
+              </a:blipFill>
+            </p:spPr>
+            <p:txBody>
+              <a:bodyPr/>
+              <a:lstStyle/>
+              <a:p>
+                <a:r>
+                  <a:rPr lang="ko-KR" altLang="en-US">
+                    <a:noFill/>
+                  </a:rPr>
+                  <a:t> </a:t>
+                </a:r>
+              </a:p>
+            </p:txBody>
+          </p:sp>
+        </mc:Fallback>
+      </mc:AlternateContent>
+      <mc:AlternateContent xmlns:mc="http://schemas.openxmlformats.org/markup-compatibility/2006">
+        <mc:Choice xmlns:a14="http://schemas.microsoft.com/office/drawing/2010/main" Requires="a14">
+          <p:sp>
+            <p:nvSpPr>
+              <p:cNvPr id="17" name="TextBox 16">
+                <a:extLst>
+                  <a:ext uri="{FF2B5EF4-FFF2-40B4-BE49-F238E27FC236}">
+                    <a16:creationId xmlns:a16="http://schemas.microsoft.com/office/drawing/2014/main" id="{D8038EAC-E0C5-47D9-9618-8672E90D8C5A}"/>
+                  </a:ext>
+                </a:extLst>
+              </p:cNvPr>
+              <p:cNvSpPr txBox="1"/>
+              <p:nvPr/>
+            </p:nvSpPr>
+            <p:spPr>
+              <a:xfrm>
+                <a:off x="3503329" y="4531456"/>
+                <a:ext cx="2295565" cy="338554"/>
+              </a:xfrm>
+              <a:prstGeom prst="rect">
+                <a:avLst/>
+              </a:prstGeom>
+              <a:noFill/>
+            </p:spPr>
+            <p:txBody>
+              <a:bodyPr wrap="none" rtlCol="0">
+                <a:spAutoFit/>
+              </a:bodyPr>
+              <a:lstStyle/>
+              <a:p>
+                <a14:m>
+                  <m:oMath xmlns:m="http://schemas.openxmlformats.org/officeDocument/2006/math">
+                    <m:acc>
+                      <m:accPr>
+                        <m:chr m:val="̂"/>
+                        <m:ctrlPr>
+                          <a:rPr lang="en-US" altLang="ko-KR" sz="1600" b="0" i="1" smtClean="0">
+                            <a:solidFill>
+                              <a:srgbClr val="FF0000"/>
+                            </a:solidFill>
+                            <a:latin typeface="Cambria Math" panose="02040503050406030204" pitchFamily="18" charset="0"/>
+                          </a:rPr>
+                        </m:ctrlPr>
+                      </m:accPr>
+                      <m:e>
+                        <m:r>
+                          <a:rPr lang="en-US" altLang="ko-KR" sz="1600" b="0" i="1" smtClean="0">
+                            <a:solidFill>
+                              <a:srgbClr val="FF0000"/>
+                            </a:solidFill>
+                            <a:latin typeface="Cambria Math" panose="02040503050406030204" pitchFamily="18" charset="0"/>
+                          </a:rPr>
+                          <m:t>𝑛</m:t>
+                        </m:r>
+                      </m:e>
+                    </m:acc>
+                  </m:oMath>
+                </a14:m>
+                <a:r>
+                  <a:rPr lang="en-US" altLang="ko-KR" sz="1600" dirty="0">
+                    <a:solidFill>
+                      <a:srgbClr val="FF0000"/>
+                    </a:solidFill>
+                  </a:rPr>
+                  <a:t>: </a:t>
+                </a:r>
+                <a14:m>
+                  <m:oMath xmlns:m="http://schemas.openxmlformats.org/officeDocument/2006/math">
+                    <m:r>
+                      <m:rPr>
+                        <m:sty m:val="p"/>
+                      </m:rPr>
+                      <a:rPr lang="en-US" altLang="ko-KR" sz="1600" b="0" i="0" smtClean="0">
+                        <a:solidFill>
+                          <a:srgbClr val="FF0000"/>
+                        </a:solidFill>
+                        <a:latin typeface="Cambria Math" panose="02040503050406030204" pitchFamily="18" charset="0"/>
+                      </a:rPr>
+                      <m:t>d</m:t>
+                    </m:r>
+                    <m:r>
+                      <a:rPr lang="en-US" altLang="ko-KR" sz="1600" b="0" i="1" smtClean="0">
+                        <a:solidFill>
+                          <a:srgbClr val="FF0000"/>
+                        </a:solidFill>
+                        <a:latin typeface="Cambria Math" panose="02040503050406030204" pitchFamily="18" charset="0"/>
+                      </a:rPr>
+                      <m:t>𝑠</m:t>
+                    </m:r>
+                  </m:oMath>
+                </a14:m>
+                <a:r>
+                  <a:rPr lang="ko-KR" altLang="en-US" sz="1600" dirty="0">
+                    <a:solidFill>
+                      <a:srgbClr val="FF0000"/>
+                    </a:solidFill>
+                  </a:rPr>
+                  <a:t>에 대한 법선 벡터</a:t>
+                </a:r>
+              </a:p>
+            </p:txBody>
+          </p:sp>
+        </mc:Choice>
+        <mc:Fallback>
+          <p:sp>
+            <p:nvSpPr>
+              <p:cNvPr id="17" name="TextBox 16">
+                <a:extLst>
+                  <a:ext uri="{FF2B5EF4-FFF2-40B4-BE49-F238E27FC236}">
+                    <a16:creationId xmlns:a16="http://schemas.microsoft.com/office/drawing/2014/main" id="{D8038EAC-E0C5-47D9-9618-8672E90D8C5A}"/>
+                  </a:ext>
+                </a:extLst>
+              </p:cNvPr>
+              <p:cNvSpPr txBox="1">
+                <a:spLocks noRot="1" noChangeAspect="1" noMove="1" noResize="1" noEditPoints="1" noAdjustHandles="1" noChangeArrowheads="1" noChangeShapeType="1" noTextEdit="1"/>
+              </p:cNvSpPr>
+              <p:nvPr/>
+            </p:nvSpPr>
+            <p:spPr>
+              <a:xfrm>
+                <a:off x="3503329" y="4531456"/>
+                <a:ext cx="2295565" cy="338554"/>
+              </a:xfrm>
+              <a:prstGeom prst="rect">
+                <a:avLst/>
+              </a:prstGeom>
+              <a:blipFill>
+                <a:blip r:embed="rId5"/>
+                <a:stretch>
+                  <a:fillRect t="-5357" r="-266" b="-21429"/>
+                </a:stretch>
+              </a:blipFill>
+            </p:spPr>
+            <p:txBody>
+              <a:bodyPr/>
+              <a:lstStyle/>
+              <a:p>
+                <a:r>
+                  <a:rPr lang="ko-KR" altLang="en-US">
+                    <a:noFill/>
+                  </a:rPr>
+                  <a:t> </a:t>
+                </a:r>
+              </a:p>
+            </p:txBody>
+          </p:sp>
+        </mc:Fallback>
+      </mc:AlternateContent>
+      <p:cxnSp>
+        <p:nvCxnSpPr>
+          <p:cNvPr id="48" name="직선 화살표 연결선 47">
+            <a:extLst>
+              <a:ext uri="{FF2B5EF4-FFF2-40B4-BE49-F238E27FC236}">
+                <a16:creationId xmlns:a16="http://schemas.microsoft.com/office/drawing/2014/main" id="{F7038F0C-A26E-4A38-A3D4-08DBC68014F4}"/>
+              </a:ext>
+            </a:extLst>
+          </p:cNvPr>
+          <p:cNvCxnSpPr>
+            <a:cxnSpLocks/>
+          </p:cNvCxnSpPr>
+          <p:nvPr/>
+        </p:nvCxnSpPr>
+        <p:spPr>
+          <a:xfrm flipV="1">
+            <a:off x="9922620" y="2918620"/>
+            <a:ext cx="778217" cy="1857363"/>
+          </a:xfrm>
+          <a:prstGeom prst="straightConnector1">
+            <a:avLst/>
+          </a:prstGeom>
+          <a:ln w="57150">
+            <a:solidFill>
+              <a:schemeClr val="accent1"/>
+            </a:solidFill>
+            <a:tailEnd type="triangle"/>
+          </a:ln>
+        </p:spPr>
+        <p:style>
+          <a:lnRef idx="1">
+            <a:schemeClr val="accent1"/>
+          </a:lnRef>
+          <a:fillRef idx="0">
+            <a:schemeClr val="accent1"/>
+          </a:fillRef>
+          <a:effectRef idx="0">
+            <a:schemeClr val="accent1"/>
+          </a:effectRef>
+          <a:fontRef idx="minor">
+            <a:schemeClr val="tx1"/>
+          </a:fontRef>
+        </p:style>
+      </p:cxnSp>
+      <p:cxnSp>
+        <p:nvCxnSpPr>
+          <p:cNvPr id="49" name="직선 화살표 연결선 48">
+            <a:extLst>
+              <a:ext uri="{FF2B5EF4-FFF2-40B4-BE49-F238E27FC236}">
+                <a16:creationId xmlns:a16="http://schemas.microsoft.com/office/drawing/2014/main" id="{815C3E79-ADE4-466B-8A35-DC9015FF2DA5}"/>
+              </a:ext>
+            </a:extLst>
+          </p:cNvPr>
+          <p:cNvCxnSpPr>
+            <a:cxnSpLocks/>
+          </p:cNvCxnSpPr>
+          <p:nvPr/>
+        </p:nvCxnSpPr>
+        <p:spPr>
+          <a:xfrm flipV="1">
+            <a:off x="7748630" y="2918620"/>
+            <a:ext cx="778217" cy="1857363"/>
+          </a:xfrm>
+          <a:prstGeom prst="straightConnector1">
+            <a:avLst/>
+          </a:prstGeom>
+          <a:ln w="57150">
+            <a:solidFill>
+              <a:schemeClr val="accent1"/>
+            </a:solidFill>
+            <a:prstDash val="dash"/>
+            <a:tailEnd type="triangle"/>
+          </a:ln>
+        </p:spPr>
+        <p:style>
+          <a:lnRef idx="1">
+            <a:schemeClr val="accent1"/>
+          </a:lnRef>
+          <a:fillRef idx="0">
+            <a:schemeClr val="accent1"/>
+          </a:fillRef>
+          <a:effectRef idx="0">
+            <a:schemeClr val="accent1"/>
+          </a:effectRef>
+          <a:fontRef idx="minor">
+            <a:schemeClr val="tx1"/>
+          </a:fontRef>
+        </p:style>
+      </p:cxnSp>
+      <mc:AlternateContent xmlns:mc="http://schemas.openxmlformats.org/markup-compatibility/2006">
+        <mc:Choice xmlns:a14="http://schemas.microsoft.com/office/drawing/2010/main" Requires="a14">
+          <p:sp>
+            <p:nvSpPr>
+              <p:cNvPr id="66" name="TextBox 65">
+                <a:extLst>
+                  <a:ext uri="{FF2B5EF4-FFF2-40B4-BE49-F238E27FC236}">
+                    <a16:creationId xmlns:a16="http://schemas.microsoft.com/office/drawing/2014/main" id="{33366BBC-17E3-4CD1-AC7A-9FAB3B3C243D}"/>
+                  </a:ext>
+                </a:extLst>
+              </p:cNvPr>
+              <p:cNvSpPr txBox="1"/>
+              <p:nvPr/>
+            </p:nvSpPr>
+            <p:spPr>
+              <a:xfrm>
+                <a:off x="10259428" y="3672243"/>
+                <a:ext cx="805349" cy="506421"/>
+              </a:xfrm>
+              <a:prstGeom prst="rect">
+                <a:avLst/>
+              </a:prstGeom>
+              <a:noFill/>
+            </p:spPr>
+            <p:txBody>
+              <a:bodyPr wrap="none" rtlCol="0">
+                <a:spAutoFit/>
+              </a:bodyPr>
+              <a:lstStyle/>
+              <a:p>
+                <a:pPr/>
+                <a14:m>
+                  <m:oMathPara xmlns:m="http://schemas.openxmlformats.org/officeDocument/2006/math">
+                    <m:oMathParaPr>
+                      <m:jc m:val="centerGroup"/>
+                    </m:oMathParaPr>
+                    <m:oMath xmlns:m="http://schemas.openxmlformats.org/officeDocument/2006/math">
+                      <m:acc>
+                        <m:accPr>
+                          <m:chr m:val="⃗"/>
+                          <m:ctrlPr>
+                            <a:rPr lang="en-US" altLang="ko-KR" sz="2400" b="0" i="1" smtClean="0">
+                              <a:solidFill>
+                                <a:schemeClr val="accent1"/>
+                              </a:solidFill>
+                              <a:latin typeface="Cambria Math" panose="02040503050406030204" pitchFamily="18" charset="0"/>
+                            </a:rPr>
+                          </m:ctrlPr>
+                        </m:accPr>
+                        <m:e>
+                          <m:r>
+                            <a:rPr lang="en-US" altLang="ko-KR" sz="2400" b="0" i="1" smtClean="0">
+                              <a:solidFill>
+                                <a:schemeClr val="accent1"/>
+                              </a:solidFill>
+                              <a:latin typeface="Cambria Math" panose="02040503050406030204" pitchFamily="18" charset="0"/>
+                            </a:rPr>
+                            <m:t>𝐹</m:t>
+                          </m:r>
+                        </m:e>
+                      </m:acc>
+                      <m:r>
+                        <m:rPr>
+                          <m:sty m:val="p"/>
+                        </m:rPr>
+                        <a:rPr lang="en-US" altLang="ko-KR" sz="2400" b="0" i="0" smtClean="0">
+                          <a:solidFill>
+                            <a:schemeClr val="accent1"/>
+                          </a:solidFill>
+                          <a:latin typeface="Cambria Math" panose="02040503050406030204" pitchFamily="18" charset="0"/>
+                        </a:rPr>
+                        <m:t>Δ</m:t>
+                      </m:r>
+                      <m:r>
+                        <a:rPr lang="en-US" altLang="ko-KR" sz="2400" b="0" i="1" smtClean="0">
+                          <a:solidFill>
+                            <a:schemeClr val="accent1"/>
+                          </a:solidFill>
+                          <a:latin typeface="Cambria Math" panose="02040503050406030204" pitchFamily="18" charset="0"/>
+                        </a:rPr>
+                        <m:t>𝑡</m:t>
+                      </m:r>
+                    </m:oMath>
+                  </m:oMathPara>
+                </a14:m>
+                <a:endParaRPr lang="ko-KR" altLang="en-US" sz="2400" dirty="0">
+                  <a:solidFill>
+                    <a:schemeClr val="accent1"/>
+                  </a:solidFill>
+                </a:endParaRPr>
+              </a:p>
+            </p:txBody>
+          </p:sp>
+        </mc:Choice>
+        <mc:Fallback>
+          <p:sp>
+            <p:nvSpPr>
+              <p:cNvPr id="66" name="TextBox 65">
+                <a:extLst>
+                  <a:ext uri="{FF2B5EF4-FFF2-40B4-BE49-F238E27FC236}">
+                    <a16:creationId xmlns:a16="http://schemas.microsoft.com/office/drawing/2014/main" id="{33366BBC-17E3-4CD1-AC7A-9FAB3B3C243D}"/>
+                  </a:ext>
+                </a:extLst>
+              </p:cNvPr>
+              <p:cNvSpPr txBox="1">
+                <a:spLocks noRot="1" noChangeAspect="1" noMove="1" noResize="1" noEditPoints="1" noAdjustHandles="1" noChangeArrowheads="1" noChangeShapeType="1" noTextEdit="1"/>
+              </p:cNvSpPr>
+              <p:nvPr/>
+            </p:nvSpPr>
+            <p:spPr>
+              <a:xfrm>
+                <a:off x="10259428" y="3672243"/>
+                <a:ext cx="805349" cy="506421"/>
+              </a:xfrm>
+              <a:prstGeom prst="rect">
+                <a:avLst/>
+              </a:prstGeom>
+              <a:blipFill>
+                <a:blip r:embed="rId6"/>
+                <a:stretch>
+                  <a:fillRect/>
+                </a:stretch>
+              </a:blipFill>
+            </p:spPr>
+            <p:txBody>
+              <a:bodyPr/>
+              <a:lstStyle/>
+              <a:p>
+                <a:r>
+                  <a:rPr lang="ko-KR" altLang="en-US">
+                    <a:noFill/>
+                  </a:rPr>
+                  <a:t> </a:t>
+                </a:r>
+              </a:p>
+            </p:txBody>
+          </p:sp>
+        </mc:Fallback>
+      </mc:AlternateContent>
+      <p:sp>
+        <p:nvSpPr>
+          <p:cNvPr id="18" name="직사각형 17">
+            <a:extLst>
+              <a:ext uri="{FF2B5EF4-FFF2-40B4-BE49-F238E27FC236}">
+                <a16:creationId xmlns:a16="http://schemas.microsoft.com/office/drawing/2014/main" id="{3F283EE8-3791-4197-A013-EEE57A5F23B9}"/>
+              </a:ext>
+            </a:extLst>
+          </p:cNvPr>
+          <p:cNvSpPr/>
+          <p:nvPr/>
+        </p:nvSpPr>
+        <p:spPr>
+          <a:xfrm>
+            <a:off x="6948093" y="4769056"/>
+            <a:ext cx="2983065" cy="482454"/>
+          </a:xfrm>
+          <a:custGeom>
+            <a:avLst/>
+            <a:gdLst>
+              <a:gd name="connsiteX0" fmla="*/ 0 w 3661492"/>
+              <a:gd name="connsiteY0" fmla="*/ 0 h 1467397"/>
+              <a:gd name="connsiteX1" fmla="*/ 3661492 w 3661492"/>
+              <a:gd name="connsiteY1" fmla="*/ 0 h 1467397"/>
+              <a:gd name="connsiteX2" fmla="*/ 3661492 w 3661492"/>
+              <a:gd name="connsiteY2" fmla="*/ 1467397 h 1467397"/>
+              <a:gd name="connsiteX3" fmla="*/ 0 w 3661492"/>
+              <a:gd name="connsiteY3" fmla="*/ 1467397 h 1467397"/>
+              <a:gd name="connsiteX4" fmla="*/ 0 w 3661492"/>
+              <a:gd name="connsiteY4" fmla="*/ 0 h 1467397"/>
+              <a:gd name="connsiteX0" fmla="*/ 729575 w 3661492"/>
+              <a:gd name="connsiteY0" fmla="*/ 19455 h 1467397"/>
+              <a:gd name="connsiteX1" fmla="*/ 3661492 w 3661492"/>
+              <a:gd name="connsiteY1" fmla="*/ 0 h 1467397"/>
+              <a:gd name="connsiteX2" fmla="*/ 3661492 w 3661492"/>
+              <a:gd name="connsiteY2" fmla="*/ 1467397 h 1467397"/>
+              <a:gd name="connsiteX3" fmla="*/ 0 w 3661492"/>
+              <a:gd name="connsiteY3" fmla="*/ 1467397 h 1467397"/>
+              <a:gd name="connsiteX4" fmla="*/ 729575 w 3661492"/>
+              <a:gd name="connsiteY4" fmla="*/ 19455 h 1467397"/>
+              <a:gd name="connsiteX0" fmla="*/ 729575 w 4284062"/>
+              <a:gd name="connsiteY0" fmla="*/ 0 h 1447942"/>
+              <a:gd name="connsiteX1" fmla="*/ 4284062 w 4284062"/>
+              <a:gd name="connsiteY1" fmla="*/ 1 h 1447942"/>
+              <a:gd name="connsiteX2" fmla="*/ 3661492 w 4284062"/>
+              <a:gd name="connsiteY2" fmla="*/ 1447942 h 1447942"/>
+              <a:gd name="connsiteX3" fmla="*/ 0 w 4284062"/>
+              <a:gd name="connsiteY3" fmla="*/ 1447942 h 1447942"/>
+              <a:gd name="connsiteX4" fmla="*/ 729575 w 4284062"/>
+              <a:gd name="connsiteY4" fmla="*/ 0 h 1447942"/>
+              <a:gd name="connsiteX0" fmla="*/ 1176272 w 4284062"/>
+              <a:gd name="connsiteY0" fmla="*/ 12072 h 1447941"/>
+              <a:gd name="connsiteX1" fmla="*/ 4284062 w 4284062"/>
+              <a:gd name="connsiteY1" fmla="*/ 0 h 1447941"/>
+              <a:gd name="connsiteX2" fmla="*/ 3661492 w 4284062"/>
+              <a:gd name="connsiteY2" fmla="*/ 1447941 h 1447941"/>
+              <a:gd name="connsiteX3" fmla="*/ 0 w 4284062"/>
+              <a:gd name="connsiteY3" fmla="*/ 1447941 h 1447941"/>
+              <a:gd name="connsiteX4" fmla="*/ 1176272 w 4284062"/>
+              <a:gd name="connsiteY4" fmla="*/ 12072 h 1447941"/>
+              <a:gd name="connsiteX0" fmla="*/ 1176272 w 4416865"/>
+              <a:gd name="connsiteY0" fmla="*/ 0 h 1435869"/>
+              <a:gd name="connsiteX1" fmla="*/ 4416865 w 4416865"/>
+              <a:gd name="connsiteY1" fmla="*/ 1 h 1435869"/>
+              <a:gd name="connsiteX2" fmla="*/ 3661492 w 4416865"/>
+              <a:gd name="connsiteY2" fmla="*/ 1435869 h 1435869"/>
+              <a:gd name="connsiteX3" fmla="*/ 0 w 4416865"/>
+              <a:gd name="connsiteY3" fmla="*/ 1435869 h 1435869"/>
+              <a:gd name="connsiteX4" fmla="*/ 1176272 w 4416865"/>
+              <a:gd name="connsiteY4" fmla="*/ 0 h 1435869"/>
+              <a:gd name="connsiteX0" fmla="*/ 1176272 w 4634178"/>
+              <a:gd name="connsiteY0" fmla="*/ 0 h 1435869"/>
+              <a:gd name="connsiteX1" fmla="*/ 4634178 w 4634178"/>
+              <a:gd name="connsiteY1" fmla="*/ 12075 h 1435869"/>
+              <a:gd name="connsiteX2" fmla="*/ 3661492 w 4634178"/>
+              <a:gd name="connsiteY2" fmla="*/ 1435869 h 1435869"/>
+              <a:gd name="connsiteX3" fmla="*/ 0 w 4634178"/>
+              <a:gd name="connsiteY3" fmla="*/ 1435869 h 1435869"/>
+              <a:gd name="connsiteX4" fmla="*/ 1176272 w 4634178"/>
+              <a:gd name="connsiteY4" fmla="*/ 0 h 1435869"/>
+              <a:gd name="connsiteX0" fmla="*/ 1176272 w 4268503"/>
+              <a:gd name="connsiteY0" fmla="*/ 0 h 1435869"/>
+              <a:gd name="connsiteX1" fmla="*/ 4268503 w 4268503"/>
+              <a:gd name="connsiteY1" fmla="*/ 12075 h 1435869"/>
+              <a:gd name="connsiteX2" fmla="*/ 3661492 w 4268503"/>
+              <a:gd name="connsiteY2" fmla="*/ 1435869 h 1435869"/>
+              <a:gd name="connsiteX3" fmla="*/ 0 w 4268503"/>
+              <a:gd name="connsiteY3" fmla="*/ 1435869 h 1435869"/>
+              <a:gd name="connsiteX4" fmla="*/ 1176272 w 4268503"/>
+              <a:gd name="connsiteY4" fmla="*/ 0 h 1435869"/>
+              <a:gd name="connsiteX0" fmla="*/ 1176272 w 3902828"/>
+              <a:gd name="connsiteY0" fmla="*/ 0 h 1435869"/>
+              <a:gd name="connsiteX1" fmla="*/ 3902828 w 3902828"/>
+              <a:gd name="connsiteY1" fmla="*/ 12075 h 1435869"/>
+              <a:gd name="connsiteX2" fmla="*/ 3661492 w 3902828"/>
+              <a:gd name="connsiteY2" fmla="*/ 1435869 h 1435869"/>
+              <a:gd name="connsiteX3" fmla="*/ 0 w 3902828"/>
+              <a:gd name="connsiteY3" fmla="*/ 1435869 h 1435869"/>
+              <a:gd name="connsiteX4" fmla="*/ 1176272 w 3902828"/>
+              <a:gd name="connsiteY4" fmla="*/ 0 h 1435869"/>
+              <a:gd name="connsiteX0" fmla="*/ 1176272 w 3719990"/>
+              <a:gd name="connsiteY0" fmla="*/ 0 h 1435869"/>
+              <a:gd name="connsiteX1" fmla="*/ 3719990 w 3719990"/>
+              <a:gd name="connsiteY1" fmla="*/ 18379 h 1435869"/>
+              <a:gd name="connsiteX2" fmla="*/ 3661492 w 3719990"/>
+              <a:gd name="connsiteY2" fmla="*/ 1435869 h 1435869"/>
+              <a:gd name="connsiteX3" fmla="*/ 0 w 3719990"/>
+              <a:gd name="connsiteY3" fmla="*/ 1435869 h 1435869"/>
+              <a:gd name="connsiteX4" fmla="*/ 1176272 w 3719990"/>
+              <a:gd name="connsiteY4" fmla="*/ 0 h 1435869"/>
+              <a:gd name="connsiteX0" fmla="*/ 1176272 w 3719990"/>
+              <a:gd name="connsiteY0" fmla="*/ 0 h 1435869"/>
+              <a:gd name="connsiteX1" fmla="*/ 3719990 w 3719990"/>
+              <a:gd name="connsiteY1" fmla="*/ 18379 h 1435869"/>
+              <a:gd name="connsiteX2" fmla="*/ 2841875 w 3719990"/>
+              <a:gd name="connsiteY2" fmla="*/ 1435869 h 1435869"/>
+              <a:gd name="connsiteX3" fmla="*/ 0 w 3719990"/>
+              <a:gd name="connsiteY3" fmla="*/ 1435869 h 1435869"/>
+              <a:gd name="connsiteX4" fmla="*/ 1176272 w 3719990"/>
+              <a:gd name="connsiteY4" fmla="*/ 0 h 1435869"/>
+              <a:gd name="connsiteX0" fmla="*/ 1176272 w 3712424"/>
+              <a:gd name="connsiteY0" fmla="*/ 0 h 1435869"/>
+              <a:gd name="connsiteX1" fmla="*/ 3712424 w 3712424"/>
+              <a:gd name="connsiteY1" fmla="*/ 3248 h 1435869"/>
+              <a:gd name="connsiteX2" fmla="*/ 2841875 w 3712424"/>
+              <a:gd name="connsiteY2" fmla="*/ 1435869 h 1435869"/>
+              <a:gd name="connsiteX3" fmla="*/ 0 w 3712424"/>
+              <a:gd name="connsiteY3" fmla="*/ 1435869 h 1435869"/>
+              <a:gd name="connsiteX4" fmla="*/ 1176272 w 3712424"/>
+              <a:gd name="connsiteY4" fmla="*/ 0 h 1435869"/>
+              <a:gd name="connsiteX0" fmla="*/ 1176272 w 3894001"/>
+              <a:gd name="connsiteY0" fmla="*/ 34581 h 1470450"/>
+              <a:gd name="connsiteX1" fmla="*/ 3894001 w 3894001"/>
+              <a:gd name="connsiteY1" fmla="*/ 0 h 1470450"/>
+              <a:gd name="connsiteX2" fmla="*/ 2841875 w 3894001"/>
+              <a:gd name="connsiteY2" fmla="*/ 1470450 h 1470450"/>
+              <a:gd name="connsiteX3" fmla="*/ 0 w 3894001"/>
+              <a:gd name="connsiteY3" fmla="*/ 1470450 h 1470450"/>
+              <a:gd name="connsiteX4" fmla="*/ 1176272 w 3894001"/>
+              <a:gd name="connsiteY4" fmla="*/ 34581 h 1470450"/>
+              <a:gd name="connsiteX0" fmla="*/ 1176272 w 3924264"/>
+              <a:gd name="connsiteY0" fmla="*/ 19450 h 1455319"/>
+              <a:gd name="connsiteX1" fmla="*/ 3924264 w 3924264"/>
+              <a:gd name="connsiteY1" fmla="*/ 0 h 1455319"/>
+              <a:gd name="connsiteX2" fmla="*/ 2841875 w 3924264"/>
+              <a:gd name="connsiteY2" fmla="*/ 1455319 h 1455319"/>
+              <a:gd name="connsiteX3" fmla="*/ 0 w 3924264"/>
+              <a:gd name="connsiteY3" fmla="*/ 1455319 h 1455319"/>
+              <a:gd name="connsiteX4" fmla="*/ 1176272 w 3924264"/>
+              <a:gd name="connsiteY4" fmla="*/ 19450 h 1455319"/>
+              <a:gd name="connsiteX0" fmla="*/ 1176272 w 4022618"/>
+              <a:gd name="connsiteY0" fmla="*/ 4319 h 1440188"/>
+              <a:gd name="connsiteX1" fmla="*/ 4022618 w 4022618"/>
+              <a:gd name="connsiteY1" fmla="*/ 0 h 1440188"/>
+              <a:gd name="connsiteX2" fmla="*/ 2841875 w 4022618"/>
+              <a:gd name="connsiteY2" fmla="*/ 1440188 h 1440188"/>
+              <a:gd name="connsiteX3" fmla="*/ 0 w 4022618"/>
+              <a:gd name="connsiteY3" fmla="*/ 1440188 h 1440188"/>
+              <a:gd name="connsiteX4" fmla="*/ 1176272 w 4022618"/>
+              <a:gd name="connsiteY4" fmla="*/ 4319 h 1440188"/>
+              <a:gd name="connsiteX0" fmla="*/ 542645 w 4022618"/>
+              <a:gd name="connsiteY0" fmla="*/ 1115532 h 1440188"/>
+              <a:gd name="connsiteX1" fmla="*/ 4022618 w 4022618"/>
+              <a:gd name="connsiteY1" fmla="*/ 0 h 1440188"/>
+              <a:gd name="connsiteX2" fmla="*/ 2841875 w 4022618"/>
+              <a:gd name="connsiteY2" fmla="*/ 1440188 h 1440188"/>
+              <a:gd name="connsiteX3" fmla="*/ 0 w 4022618"/>
+              <a:gd name="connsiteY3" fmla="*/ 1440188 h 1440188"/>
+              <a:gd name="connsiteX4" fmla="*/ 542645 w 4022618"/>
+              <a:gd name="connsiteY4" fmla="*/ 1115532 h 1440188"/>
+              <a:gd name="connsiteX0" fmla="*/ 542645 w 2841875"/>
+              <a:gd name="connsiteY0" fmla="*/ 0 h 324656"/>
+              <a:gd name="connsiteX1" fmla="*/ 2036622 w 2841875"/>
+              <a:gd name="connsiteY1" fmla="*/ 409 h 324656"/>
+              <a:gd name="connsiteX2" fmla="*/ 2841875 w 2841875"/>
+              <a:gd name="connsiteY2" fmla="*/ 324656 h 324656"/>
+              <a:gd name="connsiteX3" fmla="*/ 0 w 2841875"/>
+              <a:gd name="connsiteY3" fmla="*/ 324656 h 324656"/>
+              <a:gd name="connsiteX4" fmla="*/ 542645 w 2841875"/>
+              <a:gd name="connsiteY4" fmla="*/ 0 h 324656"/>
+              <a:gd name="connsiteX0" fmla="*/ 542645 w 2036622"/>
+              <a:gd name="connsiteY0" fmla="*/ 0 h 329385"/>
+              <a:gd name="connsiteX1" fmla="*/ 2036622 w 2036622"/>
+              <a:gd name="connsiteY1" fmla="*/ 409 h 329385"/>
+              <a:gd name="connsiteX2" fmla="*/ 1446950 w 2036622"/>
+              <a:gd name="connsiteY2" fmla="*/ 329385 h 329385"/>
+              <a:gd name="connsiteX3" fmla="*/ 0 w 2036622"/>
+              <a:gd name="connsiteY3" fmla="*/ 324656 h 329385"/>
+              <a:gd name="connsiteX4" fmla="*/ 542645 w 2036622"/>
+              <a:gd name="connsiteY4" fmla="*/ 0 h 329385"/>
+            </a:gdLst>
+            <a:ahLst/>
+            <a:cxnLst>
+              <a:cxn ang="0">
+                <a:pos x="connsiteX0" y="connsiteY0"/>
+              </a:cxn>
+              <a:cxn ang="0">
+                <a:pos x="connsiteX1" y="connsiteY1"/>
+              </a:cxn>
+              <a:cxn ang="0">
+                <a:pos x="connsiteX2" y="connsiteY2"/>
+              </a:cxn>
+              <a:cxn ang="0">
+                <a:pos x="connsiteX3" y="connsiteY3"/>
+              </a:cxn>
+              <a:cxn ang="0">
+                <a:pos x="connsiteX4" y="connsiteY4"/>
+              </a:cxn>
+            </a:cxnLst>
+            <a:rect l="l" t="t" r="r" b="b"/>
+            <a:pathLst>
+              <a:path w="2036622" h="329385">
+                <a:moveTo>
+                  <a:pt x="542645" y="0"/>
+                </a:moveTo>
+                <a:lnTo>
+                  <a:pt x="2036622" y="409"/>
+                </a:lnTo>
+                <a:lnTo>
+                  <a:pt x="1446950" y="329385"/>
+                </a:lnTo>
+                <a:lnTo>
+                  <a:pt x="0" y="324656"/>
+                </a:lnTo>
+                <a:lnTo>
+                  <a:pt x="542645" y="0"/>
+                </a:lnTo>
+                <a:close/>
+              </a:path>
+            </a:pathLst>
+          </a:custGeom>
+          <a:solidFill>
+            <a:schemeClr val="bg2"/>
+          </a:solidFill>
+          <a:ln>
+            <a:noFill/>
+          </a:ln>
+        </p:spPr>
+        <p:style>
+          <a:lnRef idx="2">
+            <a:schemeClr val="accent1">
+              <a:shade val="50000"/>
+            </a:schemeClr>
+          </a:lnRef>
+          <a:fillRef idx="1">
+            <a:schemeClr val="accent1"/>
+          </a:fillRef>
+          <a:effectRef idx="0">
+            <a:schemeClr val="accent1"/>
+          </a:effectRef>
+          <a:fontRef idx="minor">
+            <a:schemeClr val="lt1"/>
+          </a:fontRef>
+        </p:style>
+        <p:txBody>
+          <a:bodyPr rtlCol="0" anchor="ctr"/>
+          <a:lstStyle/>
+          <a:p>
+            <a:pPr algn="ctr"/>
+            <a:endParaRPr lang="ko-KR" altLang="en-US" sz="2800" dirty="0">
+              <a:solidFill>
+                <a:schemeClr val="tx1"/>
+              </a:solidFill>
+            </a:endParaRPr>
+          </a:p>
+        </p:txBody>
+      </p:sp>
+      <p:cxnSp>
+        <p:nvCxnSpPr>
+          <p:cNvPr id="47" name="직선 화살표 연결선 46">
+            <a:extLst>
+              <a:ext uri="{FF2B5EF4-FFF2-40B4-BE49-F238E27FC236}">
+                <a16:creationId xmlns:a16="http://schemas.microsoft.com/office/drawing/2014/main" id="{70C76C92-ADCC-4741-90F8-64D607804E1E}"/>
+              </a:ext>
+            </a:extLst>
+          </p:cNvPr>
+          <p:cNvCxnSpPr>
+            <a:cxnSpLocks/>
+          </p:cNvCxnSpPr>
+          <p:nvPr/>
+        </p:nvCxnSpPr>
+        <p:spPr>
+          <a:xfrm flipV="1">
+            <a:off x="9084729" y="3394149"/>
+            <a:ext cx="778217" cy="1857363"/>
+          </a:xfrm>
+          <a:prstGeom prst="straightConnector1">
+            <a:avLst/>
+          </a:prstGeom>
+          <a:ln w="57150">
+            <a:solidFill>
+              <a:schemeClr val="accent1"/>
+            </a:solidFill>
+            <a:tailEnd type="triangle"/>
+          </a:ln>
+        </p:spPr>
+        <p:style>
+          <a:lnRef idx="1">
+            <a:schemeClr val="accent1"/>
+          </a:lnRef>
+          <a:fillRef idx="0">
+            <a:schemeClr val="accent1"/>
+          </a:fillRef>
+          <a:effectRef idx="0">
+            <a:schemeClr val="accent1"/>
+          </a:effectRef>
+          <a:fontRef idx="minor">
+            <a:schemeClr val="tx1"/>
+          </a:fontRef>
+        </p:style>
+      </p:cxnSp>
+      <p:sp>
+        <p:nvSpPr>
+          <p:cNvPr id="44" name="직사각형 17">
+            <a:extLst>
+              <a:ext uri="{FF2B5EF4-FFF2-40B4-BE49-F238E27FC236}">
+                <a16:creationId xmlns:a16="http://schemas.microsoft.com/office/drawing/2014/main" id="{1C448D8A-E6E6-49A6-803D-C5BF1483ED36}"/>
+              </a:ext>
+            </a:extLst>
+          </p:cNvPr>
+          <p:cNvSpPr/>
+          <p:nvPr/>
+        </p:nvSpPr>
+        <p:spPr>
+          <a:xfrm>
+            <a:off x="7726310" y="2918622"/>
+            <a:ext cx="2983065" cy="482454"/>
+          </a:xfrm>
+          <a:custGeom>
+            <a:avLst/>
+            <a:gdLst>
+              <a:gd name="connsiteX0" fmla="*/ 0 w 3661492"/>
+              <a:gd name="connsiteY0" fmla="*/ 0 h 1467397"/>
+              <a:gd name="connsiteX1" fmla="*/ 3661492 w 3661492"/>
+              <a:gd name="connsiteY1" fmla="*/ 0 h 1467397"/>
+              <a:gd name="connsiteX2" fmla="*/ 3661492 w 3661492"/>
+              <a:gd name="connsiteY2" fmla="*/ 1467397 h 1467397"/>
+              <a:gd name="connsiteX3" fmla="*/ 0 w 3661492"/>
+              <a:gd name="connsiteY3" fmla="*/ 1467397 h 1467397"/>
+              <a:gd name="connsiteX4" fmla="*/ 0 w 3661492"/>
+              <a:gd name="connsiteY4" fmla="*/ 0 h 1467397"/>
+              <a:gd name="connsiteX0" fmla="*/ 729575 w 3661492"/>
+              <a:gd name="connsiteY0" fmla="*/ 19455 h 1467397"/>
+              <a:gd name="connsiteX1" fmla="*/ 3661492 w 3661492"/>
+              <a:gd name="connsiteY1" fmla="*/ 0 h 1467397"/>
+              <a:gd name="connsiteX2" fmla="*/ 3661492 w 3661492"/>
+              <a:gd name="connsiteY2" fmla="*/ 1467397 h 1467397"/>
+              <a:gd name="connsiteX3" fmla="*/ 0 w 3661492"/>
+              <a:gd name="connsiteY3" fmla="*/ 1467397 h 1467397"/>
+              <a:gd name="connsiteX4" fmla="*/ 729575 w 3661492"/>
+              <a:gd name="connsiteY4" fmla="*/ 19455 h 1467397"/>
+              <a:gd name="connsiteX0" fmla="*/ 729575 w 4284062"/>
+              <a:gd name="connsiteY0" fmla="*/ 0 h 1447942"/>
+              <a:gd name="connsiteX1" fmla="*/ 4284062 w 4284062"/>
+              <a:gd name="connsiteY1" fmla="*/ 1 h 1447942"/>
+              <a:gd name="connsiteX2" fmla="*/ 3661492 w 4284062"/>
+              <a:gd name="connsiteY2" fmla="*/ 1447942 h 1447942"/>
+              <a:gd name="connsiteX3" fmla="*/ 0 w 4284062"/>
+              <a:gd name="connsiteY3" fmla="*/ 1447942 h 1447942"/>
+              <a:gd name="connsiteX4" fmla="*/ 729575 w 4284062"/>
+              <a:gd name="connsiteY4" fmla="*/ 0 h 1447942"/>
+              <a:gd name="connsiteX0" fmla="*/ 1176272 w 4284062"/>
+              <a:gd name="connsiteY0" fmla="*/ 12072 h 1447941"/>
+              <a:gd name="connsiteX1" fmla="*/ 4284062 w 4284062"/>
+              <a:gd name="connsiteY1" fmla="*/ 0 h 1447941"/>
+              <a:gd name="connsiteX2" fmla="*/ 3661492 w 4284062"/>
+              <a:gd name="connsiteY2" fmla="*/ 1447941 h 1447941"/>
+              <a:gd name="connsiteX3" fmla="*/ 0 w 4284062"/>
+              <a:gd name="connsiteY3" fmla="*/ 1447941 h 1447941"/>
+              <a:gd name="connsiteX4" fmla="*/ 1176272 w 4284062"/>
+              <a:gd name="connsiteY4" fmla="*/ 12072 h 1447941"/>
+              <a:gd name="connsiteX0" fmla="*/ 1176272 w 4416865"/>
+              <a:gd name="connsiteY0" fmla="*/ 0 h 1435869"/>
+              <a:gd name="connsiteX1" fmla="*/ 4416865 w 4416865"/>
+              <a:gd name="connsiteY1" fmla="*/ 1 h 1435869"/>
+              <a:gd name="connsiteX2" fmla="*/ 3661492 w 4416865"/>
+              <a:gd name="connsiteY2" fmla="*/ 1435869 h 1435869"/>
+              <a:gd name="connsiteX3" fmla="*/ 0 w 4416865"/>
+              <a:gd name="connsiteY3" fmla="*/ 1435869 h 1435869"/>
+              <a:gd name="connsiteX4" fmla="*/ 1176272 w 4416865"/>
+              <a:gd name="connsiteY4" fmla="*/ 0 h 1435869"/>
+              <a:gd name="connsiteX0" fmla="*/ 1176272 w 4634178"/>
+              <a:gd name="connsiteY0" fmla="*/ 0 h 1435869"/>
+              <a:gd name="connsiteX1" fmla="*/ 4634178 w 4634178"/>
+              <a:gd name="connsiteY1" fmla="*/ 12075 h 1435869"/>
+              <a:gd name="connsiteX2" fmla="*/ 3661492 w 4634178"/>
+              <a:gd name="connsiteY2" fmla="*/ 1435869 h 1435869"/>
+              <a:gd name="connsiteX3" fmla="*/ 0 w 4634178"/>
+              <a:gd name="connsiteY3" fmla="*/ 1435869 h 1435869"/>
+              <a:gd name="connsiteX4" fmla="*/ 1176272 w 4634178"/>
+              <a:gd name="connsiteY4" fmla="*/ 0 h 1435869"/>
+              <a:gd name="connsiteX0" fmla="*/ 1176272 w 4268503"/>
+              <a:gd name="connsiteY0" fmla="*/ 0 h 1435869"/>
+              <a:gd name="connsiteX1" fmla="*/ 4268503 w 4268503"/>
+              <a:gd name="connsiteY1" fmla="*/ 12075 h 1435869"/>
+              <a:gd name="connsiteX2" fmla="*/ 3661492 w 4268503"/>
+              <a:gd name="connsiteY2" fmla="*/ 1435869 h 1435869"/>
+              <a:gd name="connsiteX3" fmla="*/ 0 w 4268503"/>
+              <a:gd name="connsiteY3" fmla="*/ 1435869 h 1435869"/>
+              <a:gd name="connsiteX4" fmla="*/ 1176272 w 4268503"/>
+              <a:gd name="connsiteY4" fmla="*/ 0 h 1435869"/>
+              <a:gd name="connsiteX0" fmla="*/ 1176272 w 3902828"/>
+              <a:gd name="connsiteY0" fmla="*/ 0 h 1435869"/>
+              <a:gd name="connsiteX1" fmla="*/ 3902828 w 3902828"/>
+              <a:gd name="connsiteY1" fmla="*/ 12075 h 1435869"/>
+              <a:gd name="connsiteX2" fmla="*/ 3661492 w 3902828"/>
+              <a:gd name="connsiteY2" fmla="*/ 1435869 h 1435869"/>
+              <a:gd name="connsiteX3" fmla="*/ 0 w 3902828"/>
+              <a:gd name="connsiteY3" fmla="*/ 1435869 h 1435869"/>
+              <a:gd name="connsiteX4" fmla="*/ 1176272 w 3902828"/>
+              <a:gd name="connsiteY4" fmla="*/ 0 h 1435869"/>
+              <a:gd name="connsiteX0" fmla="*/ 1176272 w 3719990"/>
+              <a:gd name="connsiteY0" fmla="*/ 0 h 1435869"/>
+              <a:gd name="connsiteX1" fmla="*/ 3719990 w 3719990"/>
+              <a:gd name="connsiteY1" fmla="*/ 18379 h 1435869"/>
+              <a:gd name="connsiteX2" fmla="*/ 3661492 w 3719990"/>
+              <a:gd name="connsiteY2" fmla="*/ 1435869 h 1435869"/>
+              <a:gd name="connsiteX3" fmla="*/ 0 w 3719990"/>
+              <a:gd name="connsiteY3" fmla="*/ 1435869 h 1435869"/>
+              <a:gd name="connsiteX4" fmla="*/ 1176272 w 3719990"/>
+              <a:gd name="connsiteY4" fmla="*/ 0 h 1435869"/>
+              <a:gd name="connsiteX0" fmla="*/ 1176272 w 3719990"/>
+              <a:gd name="connsiteY0" fmla="*/ 0 h 1435869"/>
+              <a:gd name="connsiteX1" fmla="*/ 3719990 w 3719990"/>
+              <a:gd name="connsiteY1" fmla="*/ 18379 h 1435869"/>
+              <a:gd name="connsiteX2" fmla="*/ 2841875 w 3719990"/>
+              <a:gd name="connsiteY2" fmla="*/ 1435869 h 1435869"/>
+              <a:gd name="connsiteX3" fmla="*/ 0 w 3719990"/>
+              <a:gd name="connsiteY3" fmla="*/ 1435869 h 1435869"/>
+              <a:gd name="connsiteX4" fmla="*/ 1176272 w 3719990"/>
+              <a:gd name="connsiteY4" fmla="*/ 0 h 1435869"/>
+              <a:gd name="connsiteX0" fmla="*/ 1176272 w 3712424"/>
+              <a:gd name="connsiteY0" fmla="*/ 0 h 1435869"/>
+              <a:gd name="connsiteX1" fmla="*/ 3712424 w 3712424"/>
+              <a:gd name="connsiteY1" fmla="*/ 3248 h 1435869"/>
+              <a:gd name="connsiteX2" fmla="*/ 2841875 w 3712424"/>
+              <a:gd name="connsiteY2" fmla="*/ 1435869 h 1435869"/>
+              <a:gd name="connsiteX3" fmla="*/ 0 w 3712424"/>
+              <a:gd name="connsiteY3" fmla="*/ 1435869 h 1435869"/>
+              <a:gd name="connsiteX4" fmla="*/ 1176272 w 3712424"/>
+              <a:gd name="connsiteY4" fmla="*/ 0 h 1435869"/>
+              <a:gd name="connsiteX0" fmla="*/ 1176272 w 3894001"/>
+              <a:gd name="connsiteY0" fmla="*/ 34581 h 1470450"/>
+              <a:gd name="connsiteX1" fmla="*/ 3894001 w 3894001"/>
+              <a:gd name="connsiteY1" fmla="*/ 0 h 1470450"/>
+              <a:gd name="connsiteX2" fmla="*/ 2841875 w 3894001"/>
+              <a:gd name="connsiteY2" fmla="*/ 1470450 h 1470450"/>
+              <a:gd name="connsiteX3" fmla="*/ 0 w 3894001"/>
+              <a:gd name="connsiteY3" fmla="*/ 1470450 h 1470450"/>
+              <a:gd name="connsiteX4" fmla="*/ 1176272 w 3894001"/>
+              <a:gd name="connsiteY4" fmla="*/ 34581 h 1470450"/>
+              <a:gd name="connsiteX0" fmla="*/ 1176272 w 3924264"/>
+              <a:gd name="connsiteY0" fmla="*/ 19450 h 1455319"/>
+              <a:gd name="connsiteX1" fmla="*/ 3924264 w 3924264"/>
+              <a:gd name="connsiteY1" fmla="*/ 0 h 1455319"/>
+              <a:gd name="connsiteX2" fmla="*/ 2841875 w 3924264"/>
+              <a:gd name="connsiteY2" fmla="*/ 1455319 h 1455319"/>
+              <a:gd name="connsiteX3" fmla="*/ 0 w 3924264"/>
+              <a:gd name="connsiteY3" fmla="*/ 1455319 h 1455319"/>
+              <a:gd name="connsiteX4" fmla="*/ 1176272 w 3924264"/>
+              <a:gd name="connsiteY4" fmla="*/ 19450 h 1455319"/>
+              <a:gd name="connsiteX0" fmla="*/ 1176272 w 4022618"/>
+              <a:gd name="connsiteY0" fmla="*/ 4319 h 1440188"/>
+              <a:gd name="connsiteX1" fmla="*/ 4022618 w 4022618"/>
+              <a:gd name="connsiteY1" fmla="*/ 0 h 1440188"/>
+              <a:gd name="connsiteX2" fmla="*/ 2841875 w 4022618"/>
+              <a:gd name="connsiteY2" fmla="*/ 1440188 h 1440188"/>
+              <a:gd name="connsiteX3" fmla="*/ 0 w 4022618"/>
+              <a:gd name="connsiteY3" fmla="*/ 1440188 h 1440188"/>
+              <a:gd name="connsiteX4" fmla="*/ 1176272 w 4022618"/>
+              <a:gd name="connsiteY4" fmla="*/ 4319 h 1440188"/>
+              <a:gd name="connsiteX0" fmla="*/ 542645 w 4022618"/>
+              <a:gd name="connsiteY0" fmla="*/ 1115532 h 1440188"/>
+              <a:gd name="connsiteX1" fmla="*/ 4022618 w 4022618"/>
+              <a:gd name="connsiteY1" fmla="*/ 0 h 1440188"/>
+              <a:gd name="connsiteX2" fmla="*/ 2841875 w 4022618"/>
+              <a:gd name="connsiteY2" fmla="*/ 1440188 h 1440188"/>
+              <a:gd name="connsiteX3" fmla="*/ 0 w 4022618"/>
+              <a:gd name="connsiteY3" fmla="*/ 1440188 h 1440188"/>
+              <a:gd name="connsiteX4" fmla="*/ 542645 w 4022618"/>
+              <a:gd name="connsiteY4" fmla="*/ 1115532 h 1440188"/>
+              <a:gd name="connsiteX0" fmla="*/ 542645 w 2841875"/>
+              <a:gd name="connsiteY0" fmla="*/ 0 h 324656"/>
+              <a:gd name="connsiteX1" fmla="*/ 2036622 w 2841875"/>
+              <a:gd name="connsiteY1" fmla="*/ 409 h 324656"/>
+              <a:gd name="connsiteX2" fmla="*/ 2841875 w 2841875"/>
+              <a:gd name="connsiteY2" fmla="*/ 324656 h 324656"/>
+              <a:gd name="connsiteX3" fmla="*/ 0 w 2841875"/>
+              <a:gd name="connsiteY3" fmla="*/ 324656 h 324656"/>
+              <a:gd name="connsiteX4" fmla="*/ 542645 w 2841875"/>
+              <a:gd name="connsiteY4" fmla="*/ 0 h 324656"/>
+              <a:gd name="connsiteX0" fmla="*/ 542645 w 2036622"/>
+              <a:gd name="connsiteY0" fmla="*/ 0 h 329385"/>
+              <a:gd name="connsiteX1" fmla="*/ 2036622 w 2036622"/>
+              <a:gd name="connsiteY1" fmla="*/ 409 h 329385"/>
+              <a:gd name="connsiteX2" fmla="*/ 1446950 w 2036622"/>
+              <a:gd name="connsiteY2" fmla="*/ 329385 h 329385"/>
+              <a:gd name="connsiteX3" fmla="*/ 0 w 2036622"/>
+              <a:gd name="connsiteY3" fmla="*/ 324656 h 329385"/>
+              <a:gd name="connsiteX4" fmla="*/ 542645 w 2036622"/>
+              <a:gd name="connsiteY4" fmla="*/ 0 h 329385"/>
+            </a:gdLst>
+            <a:ahLst/>
+            <a:cxnLst>
+              <a:cxn ang="0">
+                <a:pos x="connsiteX0" y="connsiteY0"/>
+              </a:cxn>
+              <a:cxn ang="0">
+                <a:pos x="connsiteX1" y="connsiteY1"/>
+              </a:cxn>
+              <a:cxn ang="0">
+                <a:pos x="connsiteX2" y="connsiteY2"/>
+              </a:cxn>
+              <a:cxn ang="0">
+                <a:pos x="connsiteX3" y="connsiteY3"/>
+              </a:cxn>
+              <a:cxn ang="0">
+                <a:pos x="connsiteX4" y="connsiteY4"/>
+              </a:cxn>
+            </a:cxnLst>
+            <a:rect l="l" t="t" r="r" b="b"/>
+            <a:pathLst>
+              <a:path w="2036622" h="329385">
+                <a:moveTo>
+                  <a:pt x="542645" y="0"/>
+                </a:moveTo>
+                <a:lnTo>
+                  <a:pt x="2036622" y="409"/>
+                </a:lnTo>
+                <a:lnTo>
+                  <a:pt x="1446950" y="329385"/>
+                </a:lnTo>
+                <a:lnTo>
+                  <a:pt x="0" y="324656"/>
+                </a:lnTo>
+                <a:lnTo>
+                  <a:pt x="542645" y="0"/>
+                </a:lnTo>
+                <a:close/>
+              </a:path>
+            </a:pathLst>
+          </a:custGeom>
+          <a:noFill/>
+          <a:ln w="19050">
+            <a:solidFill>
+              <a:schemeClr val="tx1"/>
+            </a:solidFill>
+            <a:prstDash val="solid"/>
+          </a:ln>
+        </p:spPr>
+        <p:style>
+          <a:lnRef idx="2">
+            <a:schemeClr val="accent1">
+              <a:shade val="50000"/>
+            </a:schemeClr>
+          </a:lnRef>
+          <a:fillRef idx="1">
+            <a:schemeClr val="accent1"/>
+          </a:fillRef>
+          <a:effectRef idx="0">
+            <a:schemeClr val="accent1"/>
+          </a:effectRef>
+          <a:fontRef idx="minor">
+            <a:schemeClr val="lt1"/>
+          </a:fontRef>
+        </p:style>
+        <p:txBody>
+          <a:bodyPr rtlCol="0" anchor="ctr"/>
+          <a:lstStyle/>
+          <a:p>
+            <a:pPr algn="ctr"/>
+            <a:endParaRPr lang="ko-KR" altLang="en-US" sz="2800" dirty="0">
+              <a:solidFill>
+                <a:schemeClr val="tx1"/>
+              </a:solidFill>
+            </a:endParaRPr>
+          </a:p>
+        </p:txBody>
+      </p:sp>
+      <mc:AlternateContent xmlns:mc="http://schemas.openxmlformats.org/markup-compatibility/2006">
+        <mc:Choice xmlns:a14="http://schemas.microsoft.com/office/drawing/2010/main" Requires="a14">
+          <p:sp>
+            <p:nvSpPr>
+              <p:cNvPr id="20" name="직사각형 19">
+                <a:extLst>
+                  <a:ext uri="{FF2B5EF4-FFF2-40B4-BE49-F238E27FC236}">
+                    <a16:creationId xmlns:a16="http://schemas.microsoft.com/office/drawing/2014/main" id="{43E13334-DC58-414E-B718-6E285E11D7DB}"/>
+                  </a:ext>
+                </a:extLst>
+              </p:cNvPr>
+              <p:cNvSpPr/>
+              <p:nvPr/>
+            </p:nvSpPr>
+            <p:spPr>
+              <a:xfrm>
+                <a:off x="7925110" y="4696312"/>
+                <a:ext cx="923464" cy="523220"/>
+              </a:xfrm>
+              <a:prstGeom prst="rect">
+                <a:avLst/>
+              </a:prstGeom>
+            </p:spPr>
+            <p:txBody>
+              <a:bodyPr wrap="square">
+                <a:spAutoFit/>
+              </a:bodyPr>
+              <a:lstStyle/>
+              <a:p>
+                <a:pPr algn="ctr"/>
+                <a14:m>
+                  <m:oMathPara xmlns:m="http://schemas.openxmlformats.org/officeDocument/2006/math">
+                    <m:oMathParaPr>
+                      <m:jc m:val="center"/>
+                    </m:oMathParaPr>
+                    <m:oMath xmlns:m="http://schemas.openxmlformats.org/officeDocument/2006/math">
+                      <m:r>
+                        <a:rPr lang="en-US" altLang="ko-KR" sz="2800" i="1" dirty="0" smtClean="0">
+                          <a:solidFill>
+                            <a:schemeClr val="tx1">
+                              <a:lumMod val="50000"/>
+                              <a:lumOff val="50000"/>
+                            </a:schemeClr>
+                          </a:solidFill>
+                          <a:latin typeface="Cambria Math" panose="02040503050406030204" pitchFamily="18" charset="0"/>
+                        </a:rPr>
+                        <m:t>𝑑𝑆</m:t>
+                      </m:r>
+                    </m:oMath>
+                  </m:oMathPara>
+                </a14:m>
+                <a:endParaRPr lang="ko-KR" altLang="en-US" sz="2800" dirty="0">
+                  <a:solidFill>
+                    <a:schemeClr val="tx1">
+                      <a:lumMod val="50000"/>
+                      <a:lumOff val="50000"/>
+                    </a:schemeClr>
+                  </a:solidFill>
+                </a:endParaRPr>
+              </a:p>
+            </p:txBody>
+          </p:sp>
+        </mc:Choice>
+        <mc:Fallback>
+          <p:sp>
+            <p:nvSpPr>
+              <p:cNvPr id="20" name="직사각형 19">
+                <a:extLst>
+                  <a:ext uri="{FF2B5EF4-FFF2-40B4-BE49-F238E27FC236}">
+                    <a16:creationId xmlns:a16="http://schemas.microsoft.com/office/drawing/2014/main" id="{43E13334-DC58-414E-B718-6E285E11D7DB}"/>
+                  </a:ext>
+                </a:extLst>
+              </p:cNvPr>
+              <p:cNvSpPr>
+                <a:spLocks noRot="1" noChangeAspect="1" noMove="1" noResize="1" noEditPoints="1" noAdjustHandles="1" noChangeArrowheads="1" noChangeShapeType="1" noTextEdit="1"/>
+              </p:cNvSpPr>
+              <p:nvPr/>
+            </p:nvSpPr>
+            <p:spPr>
+              <a:xfrm>
+                <a:off x="7925110" y="4696312"/>
+                <a:ext cx="923464" cy="523220"/>
+              </a:xfrm>
+              <a:prstGeom prst="rect">
+                <a:avLst/>
+              </a:prstGeom>
+              <a:blipFill>
+                <a:blip r:embed="rId7"/>
+                <a:stretch>
+                  <a:fillRect/>
+                </a:stretch>
+              </a:blipFill>
+            </p:spPr>
+            <p:txBody>
+              <a:bodyPr/>
+              <a:lstStyle/>
+              <a:p>
+                <a:r>
+                  <a:rPr lang="ko-KR" altLang="en-US">
+                    <a:noFill/>
+                  </a:rPr>
+                  <a:t> </a:t>
+                </a:r>
+              </a:p>
+            </p:txBody>
+          </p:sp>
+        </mc:Fallback>
+      </mc:AlternateContent>
+      <p:cxnSp>
+        <p:nvCxnSpPr>
+          <p:cNvPr id="51" name="직선 연결선 50">
+            <a:extLst>
+              <a:ext uri="{FF2B5EF4-FFF2-40B4-BE49-F238E27FC236}">
+                <a16:creationId xmlns:a16="http://schemas.microsoft.com/office/drawing/2014/main" id="{3FC469D4-1E06-4CBD-A55B-E8306B78DF1F}"/>
+              </a:ext>
+            </a:extLst>
+          </p:cNvPr>
+          <p:cNvCxnSpPr>
+            <a:cxnSpLocks/>
+            <a:stCxn id="18" idx="3"/>
+            <a:endCxn id="18" idx="0"/>
+          </p:cNvCxnSpPr>
+          <p:nvPr/>
+        </p:nvCxnSpPr>
+        <p:spPr>
+          <a:xfrm flipV="1">
+            <a:off x="6948093" y="4769056"/>
+            <a:ext cx="794819" cy="475527"/>
+          </a:xfrm>
+          <a:prstGeom prst="line">
+            <a:avLst/>
+          </a:prstGeom>
+          <a:ln w="19050">
+            <a:solidFill>
+              <a:schemeClr val="tx1"/>
+            </a:solidFill>
+            <a:prstDash val="dash"/>
+          </a:ln>
+        </p:spPr>
+        <p:style>
+          <a:lnRef idx="1">
+            <a:schemeClr val="accent1"/>
+          </a:lnRef>
+          <a:fillRef idx="0">
+            <a:schemeClr val="accent1"/>
+          </a:fillRef>
+          <a:effectRef idx="0">
+            <a:schemeClr val="accent1"/>
+          </a:effectRef>
+          <a:fontRef idx="minor">
+            <a:schemeClr val="tx1"/>
+          </a:fontRef>
+        </p:style>
+      </p:cxnSp>
+      <p:cxnSp>
+        <p:nvCxnSpPr>
+          <p:cNvPr id="53" name="직선 연결선 52">
+            <a:extLst>
+              <a:ext uri="{FF2B5EF4-FFF2-40B4-BE49-F238E27FC236}">
+                <a16:creationId xmlns:a16="http://schemas.microsoft.com/office/drawing/2014/main" id="{8B663E89-4E62-47AC-900B-0B496734EA8F}"/>
+              </a:ext>
+            </a:extLst>
+          </p:cNvPr>
+          <p:cNvCxnSpPr>
+            <a:cxnSpLocks/>
+            <a:stCxn id="18" idx="3"/>
+            <a:endCxn id="18" idx="2"/>
+          </p:cNvCxnSpPr>
+          <p:nvPr/>
+        </p:nvCxnSpPr>
+        <p:spPr>
+          <a:xfrm>
+            <a:off x="6948093" y="5244584"/>
+            <a:ext cx="2119366" cy="6927"/>
+          </a:xfrm>
+          <a:prstGeom prst="line">
+            <a:avLst/>
+          </a:prstGeom>
+          <a:ln w="19050">
+            <a:solidFill>
+              <a:schemeClr val="tx1"/>
+            </a:solidFill>
+          </a:ln>
+        </p:spPr>
+        <p:style>
+          <a:lnRef idx="1">
+            <a:schemeClr val="accent1"/>
+          </a:lnRef>
+          <a:fillRef idx="0">
+            <a:schemeClr val="accent1"/>
+          </a:fillRef>
+          <a:effectRef idx="0">
+            <a:schemeClr val="accent1"/>
+          </a:effectRef>
+          <a:fontRef idx="minor">
+            <a:schemeClr val="tx1"/>
+          </a:fontRef>
+        </p:style>
+      </p:cxnSp>
+      <p:cxnSp>
+        <p:nvCxnSpPr>
+          <p:cNvPr id="55" name="직선 연결선 54">
+            <a:extLst>
+              <a:ext uri="{FF2B5EF4-FFF2-40B4-BE49-F238E27FC236}">
+                <a16:creationId xmlns:a16="http://schemas.microsoft.com/office/drawing/2014/main" id="{F3CDED1D-5329-44B5-B441-70DBF85F173C}"/>
+              </a:ext>
+            </a:extLst>
+          </p:cNvPr>
+          <p:cNvCxnSpPr>
+            <a:cxnSpLocks/>
+            <a:stCxn id="18" idx="2"/>
+            <a:endCxn id="18" idx="1"/>
+          </p:cNvCxnSpPr>
+          <p:nvPr/>
+        </p:nvCxnSpPr>
+        <p:spPr>
+          <a:xfrm flipV="1">
+            <a:off x="9067459" y="4769655"/>
+            <a:ext cx="863699" cy="481855"/>
+          </a:xfrm>
+          <a:prstGeom prst="line">
+            <a:avLst/>
+          </a:prstGeom>
+          <a:ln w="19050">
+            <a:solidFill>
+              <a:schemeClr val="tx1"/>
+            </a:solidFill>
+          </a:ln>
+        </p:spPr>
+        <p:style>
+          <a:lnRef idx="1">
+            <a:schemeClr val="accent1"/>
+          </a:lnRef>
+          <a:fillRef idx="0">
+            <a:schemeClr val="accent1"/>
+          </a:fillRef>
+          <a:effectRef idx="0">
+            <a:schemeClr val="accent1"/>
+          </a:effectRef>
+          <a:fontRef idx="minor">
+            <a:schemeClr val="tx1"/>
+          </a:fontRef>
+        </p:style>
+      </p:cxnSp>
+      <p:cxnSp>
+        <p:nvCxnSpPr>
+          <p:cNvPr id="57" name="직선 연결선 56">
+            <a:extLst>
+              <a:ext uri="{FF2B5EF4-FFF2-40B4-BE49-F238E27FC236}">
+                <a16:creationId xmlns:a16="http://schemas.microsoft.com/office/drawing/2014/main" id="{D9BA2E99-BDD0-459E-9566-3CE0BF524482}"/>
+              </a:ext>
+            </a:extLst>
+          </p:cNvPr>
+          <p:cNvCxnSpPr>
+            <a:cxnSpLocks/>
+            <a:stCxn id="18" idx="0"/>
+            <a:endCxn id="18" idx="1"/>
+          </p:cNvCxnSpPr>
+          <p:nvPr/>
+        </p:nvCxnSpPr>
+        <p:spPr>
+          <a:xfrm>
+            <a:off x="7742912" y="4769056"/>
+            <a:ext cx="2188246" cy="599"/>
+          </a:xfrm>
+          <a:prstGeom prst="line">
+            <a:avLst/>
+          </a:prstGeom>
+          <a:ln w="19050">
+            <a:solidFill>
+              <a:schemeClr val="tx1"/>
+            </a:solidFill>
+            <a:prstDash val="dash"/>
+          </a:ln>
+        </p:spPr>
+        <p:style>
+          <a:lnRef idx="1">
+            <a:schemeClr val="accent1"/>
+          </a:lnRef>
+          <a:fillRef idx="0">
+            <a:schemeClr val="accent1"/>
+          </a:fillRef>
+          <a:effectRef idx="0">
+            <a:schemeClr val="accent1"/>
+          </a:effectRef>
+          <a:fontRef idx="minor">
+            <a:schemeClr val="tx1"/>
+          </a:fontRef>
+        </p:style>
+      </p:cxnSp>
+      <p:cxnSp>
+        <p:nvCxnSpPr>
+          <p:cNvPr id="59" name="직선 화살표 연결선 58">
+            <a:extLst>
+              <a:ext uri="{FF2B5EF4-FFF2-40B4-BE49-F238E27FC236}">
+                <a16:creationId xmlns:a16="http://schemas.microsoft.com/office/drawing/2014/main" id="{A6F067D2-4637-4E63-952C-798DCC3293E4}"/>
+              </a:ext>
+            </a:extLst>
+          </p:cNvPr>
+          <p:cNvCxnSpPr>
+            <a:stCxn id="18" idx="3"/>
+          </p:cNvCxnSpPr>
+          <p:nvPr/>
+        </p:nvCxnSpPr>
+        <p:spPr>
+          <a:xfrm flipV="1">
+            <a:off x="6948093" y="2305790"/>
+            <a:ext cx="0" cy="2938794"/>
+          </a:xfrm>
+          <a:prstGeom prst="straightConnector1">
+            <a:avLst/>
+          </a:prstGeom>
+          <a:ln w="57150">
+            <a:solidFill>
+              <a:srgbClr val="FF0000"/>
+            </a:solidFill>
+            <a:tailEnd type="triangle"/>
+          </a:ln>
+        </p:spPr>
+        <p:style>
+          <a:lnRef idx="1">
+            <a:schemeClr val="accent1"/>
+          </a:lnRef>
+          <a:fillRef idx="0">
+            <a:schemeClr val="accent1"/>
+          </a:fillRef>
+          <a:effectRef idx="0">
+            <a:schemeClr val="accent1"/>
+          </a:effectRef>
+          <a:fontRef idx="minor">
+            <a:schemeClr val="tx1"/>
+          </a:fontRef>
+        </p:style>
+      </p:cxnSp>
+      <mc:AlternateContent xmlns:mc="http://schemas.openxmlformats.org/markup-compatibility/2006">
+        <mc:Choice xmlns:a14="http://schemas.microsoft.com/office/drawing/2010/main" Requires="a14">
+          <p:sp>
+            <p:nvSpPr>
+              <p:cNvPr id="61" name="TextBox 60">
+                <a:extLst>
+                  <a:ext uri="{FF2B5EF4-FFF2-40B4-BE49-F238E27FC236}">
+                    <a16:creationId xmlns:a16="http://schemas.microsoft.com/office/drawing/2014/main" id="{DA96630D-6EEC-4DFB-92A5-471CF40F4B17}"/>
+                  </a:ext>
+                </a:extLst>
+              </p:cNvPr>
+              <p:cNvSpPr txBox="1"/>
+              <p:nvPr/>
+            </p:nvSpPr>
+            <p:spPr>
+              <a:xfrm>
+                <a:off x="5668173" y="1916134"/>
+                <a:ext cx="2575192" cy="369332"/>
+              </a:xfrm>
+              <a:prstGeom prst="rect">
+                <a:avLst/>
+              </a:prstGeom>
+              <a:noFill/>
+            </p:spPr>
+            <p:txBody>
+              <a:bodyPr wrap="none" rtlCol="0">
+                <a:spAutoFit/>
+              </a:bodyPr>
+              <a:lstStyle/>
+              <a:p>
+                <a:pPr algn="ctr"/>
+                <a14:m>
+                  <m:oMath xmlns:m="http://schemas.openxmlformats.org/officeDocument/2006/math">
+                    <m:acc>
+                      <m:accPr>
+                        <m:chr m:val="̂"/>
+                        <m:ctrlPr>
+                          <a:rPr lang="en-US" altLang="ko-KR" b="0" i="1" smtClean="0">
+                            <a:solidFill>
+                              <a:srgbClr val="FF0000"/>
+                            </a:solidFill>
+                            <a:latin typeface="Cambria Math" panose="02040503050406030204" pitchFamily="18" charset="0"/>
+                          </a:rPr>
+                        </m:ctrlPr>
+                      </m:accPr>
+                      <m:e>
+                        <m:r>
+                          <a:rPr lang="en-US" altLang="ko-KR" b="0" i="1" smtClean="0">
+                            <a:solidFill>
+                              <a:srgbClr val="FF0000"/>
+                            </a:solidFill>
+                            <a:latin typeface="Cambria Math" panose="02040503050406030204" pitchFamily="18" charset="0"/>
+                          </a:rPr>
+                          <m:t>𝑛</m:t>
+                        </m:r>
+                      </m:e>
+                    </m:acc>
+                  </m:oMath>
+                </a14:m>
+                <a:r>
+                  <a:rPr lang="en-US" altLang="ko-KR" dirty="0">
+                    <a:solidFill>
+                      <a:srgbClr val="FF0000"/>
+                    </a:solidFill>
+                  </a:rPr>
+                  <a:t>: </a:t>
+                </a:r>
+                <a14:m>
+                  <m:oMath xmlns:m="http://schemas.openxmlformats.org/officeDocument/2006/math">
+                    <m:r>
+                      <a:rPr lang="en-US" altLang="ko-KR" b="0" i="1" smtClean="0">
+                        <a:solidFill>
+                          <a:srgbClr val="FF0000"/>
+                        </a:solidFill>
+                        <a:latin typeface="Cambria Math" panose="02040503050406030204" pitchFamily="18" charset="0"/>
+                      </a:rPr>
+                      <m:t>𝑑𝑆</m:t>
+                    </m:r>
+                  </m:oMath>
+                </a14:m>
+                <a:r>
+                  <a:rPr lang="ko-KR" altLang="en-US" dirty="0">
+                    <a:solidFill>
+                      <a:srgbClr val="FF0000"/>
+                    </a:solidFill>
+                  </a:rPr>
+                  <a:t>에 대한 법선 벡터</a:t>
+                </a:r>
+              </a:p>
+            </p:txBody>
+          </p:sp>
+        </mc:Choice>
+        <mc:Fallback>
+          <p:sp>
+            <p:nvSpPr>
+              <p:cNvPr id="61" name="TextBox 60">
+                <a:extLst>
+                  <a:ext uri="{FF2B5EF4-FFF2-40B4-BE49-F238E27FC236}">
+                    <a16:creationId xmlns:a16="http://schemas.microsoft.com/office/drawing/2014/main" id="{DA96630D-6EEC-4DFB-92A5-471CF40F4B17}"/>
+                  </a:ext>
+                </a:extLst>
+              </p:cNvPr>
+              <p:cNvSpPr txBox="1">
+                <a:spLocks noRot="1" noChangeAspect="1" noMove="1" noResize="1" noEditPoints="1" noAdjustHandles="1" noChangeArrowheads="1" noChangeShapeType="1" noTextEdit="1"/>
+              </p:cNvSpPr>
+              <p:nvPr/>
+            </p:nvSpPr>
+            <p:spPr>
+              <a:xfrm>
+                <a:off x="5668173" y="1916134"/>
+                <a:ext cx="2575192" cy="369332"/>
+              </a:xfrm>
+              <a:prstGeom prst="rect">
+                <a:avLst/>
+              </a:prstGeom>
+              <a:blipFill>
+                <a:blip r:embed="rId8"/>
+                <a:stretch>
+                  <a:fillRect t="-8197" r="-1422" b="-24590"/>
+                </a:stretch>
+              </a:blipFill>
+            </p:spPr>
+            <p:txBody>
+              <a:bodyPr/>
+              <a:lstStyle/>
+              <a:p>
+                <a:r>
+                  <a:rPr lang="ko-KR" altLang="en-US">
+                    <a:noFill/>
+                  </a:rPr>
+                  <a:t> </a:t>
+                </a:r>
+              </a:p>
+            </p:txBody>
+          </p:sp>
+        </mc:Fallback>
+      </mc:AlternateContent>
+      <p:sp>
+        <p:nvSpPr>
+          <p:cNvPr id="62" name="자유형: 도형 61">
+            <a:extLst>
+              <a:ext uri="{FF2B5EF4-FFF2-40B4-BE49-F238E27FC236}">
+                <a16:creationId xmlns:a16="http://schemas.microsoft.com/office/drawing/2014/main" id="{22F854B9-CAC7-48AB-9894-BBACEC456286}"/>
+              </a:ext>
+            </a:extLst>
+          </p:cNvPr>
+          <p:cNvSpPr/>
+          <p:nvPr/>
+        </p:nvSpPr>
+        <p:spPr>
+          <a:xfrm>
+            <a:off x="6974200" y="2907003"/>
+            <a:ext cx="3759812" cy="2329869"/>
+          </a:xfrm>
+          <a:custGeom>
+            <a:avLst/>
+            <a:gdLst>
+              <a:gd name="connsiteX0" fmla="*/ 847344 w 4151376"/>
+              <a:gd name="connsiteY0" fmla="*/ 530352 h 2572512"/>
+              <a:gd name="connsiteX1" fmla="*/ 0 w 4151376"/>
+              <a:gd name="connsiteY1" fmla="*/ 2572512 h 2572512"/>
+              <a:gd name="connsiteX2" fmla="*/ 2353056 w 4151376"/>
+              <a:gd name="connsiteY2" fmla="*/ 2572512 h 2572512"/>
+              <a:gd name="connsiteX3" fmla="*/ 3285744 w 4151376"/>
+              <a:gd name="connsiteY3" fmla="*/ 2048256 h 2572512"/>
+              <a:gd name="connsiteX4" fmla="*/ 4151376 w 4151376"/>
+              <a:gd name="connsiteY4" fmla="*/ 0 h 2572512"/>
+              <a:gd name="connsiteX5" fmla="*/ 1725168 w 4151376"/>
+              <a:gd name="connsiteY5" fmla="*/ 0 h 2572512"/>
+              <a:gd name="connsiteX6" fmla="*/ 847344 w 4151376"/>
+              <a:gd name="connsiteY6" fmla="*/ 530352 h 2572512"/>
+            </a:gdLst>
+            <a:ahLst/>
+            <a:cxnLst>
+              <a:cxn ang="0">
+                <a:pos x="connsiteX0" y="connsiteY0"/>
+              </a:cxn>
+              <a:cxn ang="0">
+                <a:pos x="connsiteX1" y="connsiteY1"/>
+              </a:cxn>
+              <a:cxn ang="0">
+                <a:pos x="connsiteX2" y="connsiteY2"/>
+              </a:cxn>
+              <a:cxn ang="0">
+                <a:pos x="connsiteX3" y="connsiteY3"/>
+              </a:cxn>
+              <a:cxn ang="0">
+                <a:pos x="connsiteX4" y="connsiteY4"/>
+              </a:cxn>
+              <a:cxn ang="0">
+                <a:pos x="connsiteX5" y="connsiteY5"/>
+              </a:cxn>
+              <a:cxn ang="0">
+                <a:pos x="connsiteX6" y="connsiteY6"/>
+              </a:cxn>
+            </a:cxnLst>
+            <a:rect l="l" t="t" r="r" b="b"/>
+            <a:pathLst>
+              <a:path w="4151376" h="2572512">
+                <a:moveTo>
+                  <a:pt x="847344" y="530352"/>
+                </a:moveTo>
+                <a:lnTo>
+                  <a:pt x="0" y="2572512"/>
+                </a:lnTo>
+                <a:lnTo>
+                  <a:pt x="2353056" y="2572512"/>
+                </a:lnTo>
+                <a:lnTo>
+                  <a:pt x="3285744" y="2048256"/>
+                </a:lnTo>
+                <a:lnTo>
+                  <a:pt x="4151376" y="0"/>
+                </a:lnTo>
+                <a:lnTo>
+                  <a:pt x="1725168" y="0"/>
+                </a:lnTo>
+                <a:lnTo>
+                  <a:pt x="847344" y="530352"/>
+                </a:lnTo>
+                <a:close/>
+              </a:path>
+            </a:pathLst>
+          </a:custGeom>
+          <a:solidFill>
+            <a:schemeClr val="accent1">
+              <a:lumMod val="60000"/>
+              <a:lumOff val="40000"/>
+              <a:alpha val="23000"/>
+            </a:schemeClr>
+          </a:solidFill>
+          <a:ln>
+            <a:noFill/>
+          </a:ln>
+        </p:spPr>
+        <p:style>
+          <a:lnRef idx="2">
+            <a:schemeClr val="accent1">
+              <a:shade val="50000"/>
+            </a:schemeClr>
+          </a:lnRef>
+          <a:fillRef idx="1">
+            <a:schemeClr val="accent1"/>
+          </a:fillRef>
+          <a:effectRef idx="0">
+            <a:schemeClr val="accent1"/>
+          </a:effectRef>
+          <a:fontRef idx="minor">
+            <a:schemeClr val="lt1"/>
+          </a:fontRef>
+        </p:style>
+        <p:txBody>
+          <a:bodyPr rtlCol="0" anchor="ctr"/>
+          <a:lstStyle/>
+          <a:p>
+            <a:pPr algn="ctr"/>
+            <a:endParaRPr lang="ko-KR" altLang="en-US" sz="1400"/>
+          </a:p>
+        </p:txBody>
+      </p:sp>
+      <mc:AlternateContent xmlns:mc="http://schemas.openxmlformats.org/markup-compatibility/2006">
+        <mc:Choice xmlns:a14="http://schemas.microsoft.com/office/drawing/2010/main" Requires="a14">
+          <p:sp>
+            <p:nvSpPr>
+              <p:cNvPr id="1024" name="직사각형 1023">
+                <a:extLst>
+                  <a:ext uri="{FF2B5EF4-FFF2-40B4-BE49-F238E27FC236}">
+                    <a16:creationId xmlns:a16="http://schemas.microsoft.com/office/drawing/2014/main" id="{CD680B31-D025-4135-9BFB-AB4BD082E276}"/>
+                  </a:ext>
+                </a:extLst>
+              </p:cNvPr>
+              <p:cNvSpPr/>
+              <p:nvPr/>
+            </p:nvSpPr>
+            <p:spPr>
+              <a:xfrm>
+                <a:off x="6452159" y="3574469"/>
+                <a:ext cx="500388" cy="523220"/>
+              </a:xfrm>
+              <a:prstGeom prst="rect">
+                <a:avLst/>
+              </a:prstGeom>
+            </p:spPr>
+            <p:txBody>
+              <a:bodyPr wrap="square">
+                <a:spAutoFit/>
+              </a:bodyPr>
+              <a:lstStyle/>
+              <a:p>
+                <a14:m>
+                  <m:oMathPara xmlns:m="http://schemas.openxmlformats.org/officeDocument/2006/math">
+                    <m:oMathParaPr>
+                      <m:jc m:val="centerGroup"/>
+                    </m:oMathParaPr>
+                    <m:oMath xmlns:m="http://schemas.openxmlformats.org/officeDocument/2006/math">
+                      <m:acc>
+                        <m:accPr>
+                          <m:chr m:val="̂"/>
+                          <m:ctrlPr>
+                            <a:rPr lang="en-US" altLang="ko-KR" sz="2800" i="1">
+                              <a:solidFill>
+                                <a:srgbClr val="FF0000"/>
+                              </a:solidFill>
+                              <a:latin typeface="Cambria Math" panose="02040503050406030204" pitchFamily="18" charset="0"/>
+                            </a:rPr>
+                          </m:ctrlPr>
+                        </m:accPr>
+                        <m:e>
+                          <m:r>
+                            <a:rPr lang="en-US" altLang="ko-KR" sz="2800" i="1">
+                              <a:solidFill>
+                                <a:srgbClr val="FF0000"/>
+                              </a:solidFill>
+                              <a:latin typeface="Cambria Math" panose="02040503050406030204" pitchFamily="18" charset="0"/>
+                            </a:rPr>
+                            <m:t>𝑛</m:t>
+                          </m:r>
+                        </m:e>
+                      </m:acc>
+                    </m:oMath>
+                  </m:oMathPara>
+                </a14:m>
+                <a:endParaRPr lang="ko-KR" altLang="en-US" sz="2800" dirty="0"/>
+              </a:p>
+            </p:txBody>
+          </p:sp>
+        </mc:Choice>
+        <mc:Fallback>
+          <p:sp>
+            <p:nvSpPr>
+              <p:cNvPr id="1024" name="직사각형 1023">
+                <a:extLst>
+                  <a:ext uri="{FF2B5EF4-FFF2-40B4-BE49-F238E27FC236}">
+                    <a16:creationId xmlns:a16="http://schemas.microsoft.com/office/drawing/2014/main" id="{CD680B31-D025-4135-9BFB-AB4BD082E276}"/>
+                  </a:ext>
+                </a:extLst>
+              </p:cNvPr>
+              <p:cNvSpPr>
+                <a:spLocks noRot="1" noChangeAspect="1" noMove="1" noResize="1" noEditPoints="1" noAdjustHandles="1" noChangeArrowheads="1" noChangeShapeType="1" noTextEdit="1"/>
+              </p:cNvSpPr>
+              <p:nvPr/>
+            </p:nvSpPr>
+            <p:spPr>
+              <a:xfrm>
+                <a:off x="6452159" y="3574469"/>
+                <a:ext cx="500388" cy="523220"/>
+              </a:xfrm>
+              <a:prstGeom prst="rect">
+                <a:avLst/>
+              </a:prstGeom>
+              <a:blipFill>
+                <a:blip r:embed="rId9"/>
+                <a:stretch>
+                  <a:fillRect/>
+                </a:stretch>
+              </a:blipFill>
+            </p:spPr>
+            <p:txBody>
+              <a:bodyPr/>
+              <a:lstStyle/>
+              <a:p>
+                <a:r>
+                  <a:rPr lang="ko-KR" altLang="en-US">
+                    <a:noFill/>
+                  </a:rPr>
+                  <a:t> </a:t>
+                </a:r>
+              </a:p>
+            </p:txBody>
+          </p:sp>
+        </mc:Fallback>
+      </mc:AlternateContent>
+      <p:cxnSp>
+        <p:nvCxnSpPr>
+          <p:cNvPr id="34" name="직선 화살표 연결선 33">
+            <a:extLst>
+              <a:ext uri="{FF2B5EF4-FFF2-40B4-BE49-F238E27FC236}">
+                <a16:creationId xmlns:a16="http://schemas.microsoft.com/office/drawing/2014/main" id="{19081227-5262-442F-AC4E-A748A4F9A72B}"/>
+              </a:ext>
+            </a:extLst>
+          </p:cNvPr>
+          <p:cNvCxnSpPr>
+            <a:cxnSpLocks/>
+            <a:endCxn id="44" idx="3"/>
+          </p:cNvCxnSpPr>
+          <p:nvPr/>
+        </p:nvCxnSpPr>
+        <p:spPr>
+          <a:xfrm flipV="1">
+            <a:off x="6948093" y="3394149"/>
+            <a:ext cx="778217" cy="1857363"/>
+          </a:xfrm>
+          <a:prstGeom prst="straightConnector1">
+            <a:avLst/>
+          </a:prstGeom>
+          <a:ln w="57150">
+            <a:solidFill>
+              <a:schemeClr val="accent1"/>
+            </a:solidFill>
+            <a:tailEnd type="triangle"/>
+          </a:ln>
+        </p:spPr>
+        <p:style>
+          <a:lnRef idx="1">
+            <a:schemeClr val="accent1"/>
+          </a:lnRef>
+          <a:fillRef idx="0">
+            <a:schemeClr val="accent1"/>
+          </a:fillRef>
+          <a:effectRef idx="0">
+            <a:schemeClr val="accent1"/>
+          </a:effectRef>
+          <a:fontRef idx="minor">
+            <a:schemeClr val="tx1"/>
+          </a:fontRef>
+        </p:style>
+      </p:cxnSp>
+      <p:sp>
+        <p:nvSpPr>
+          <p:cNvPr id="69" name="TextBox 68">
+            <a:extLst>
+              <a:ext uri="{FF2B5EF4-FFF2-40B4-BE49-F238E27FC236}">
+                <a16:creationId xmlns:a16="http://schemas.microsoft.com/office/drawing/2014/main" id="{2AC63C91-337E-491F-BEB9-AD44AFDBFB9D}"/>
+              </a:ext>
+            </a:extLst>
+          </p:cNvPr>
+          <p:cNvSpPr txBox="1"/>
+          <p:nvPr/>
+        </p:nvSpPr>
+        <p:spPr>
+          <a:xfrm>
+            <a:off x="7412520" y="1174194"/>
+            <a:ext cx="2518638" cy="400110"/>
+          </a:xfrm>
+          <a:prstGeom prst="rect">
+            <a:avLst/>
+          </a:prstGeom>
+          <a:noFill/>
+        </p:spPr>
+        <p:txBody>
+          <a:bodyPr wrap="none" rtlCol="0">
+            <a:spAutoFit/>
+          </a:bodyPr>
+          <a:lstStyle/>
+          <a:p>
+            <a:r>
+              <a:rPr lang="en-US" altLang="ko-KR" sz="2000" dirty="0"/>
+              <a:t>&lt;</a:t>
+            </a:r>
+            <a:r>
+              <a:rPr lang="ko-KR" altLang="en-US" sz="2000" dirty="0"/>
+              <a:t>미소 곡면의 유량</a:t>
+            </a:r>
+            <a:r>
+              <a:rPr lang="en-US" altLang="ko-KR" sz="2000" dirty="0"/>
+              <a:t>&gt;</a:t>
+            </a:r>
+            <a:endParaRPr lang="ko-KR" altLang="en-US" sz="2000" dirty="0"/>
+          </a:p>
+        </p:txBody>
+      </p:sp>
+    </p:spTree>
+    <p:extLst>
+      <p:ext uri="{BB962C8B-B14F-4D97-AF65-F5344CB8AC3E}">
+        <p14:creationId xmlns:p14="http://schemas.microsoft.com/office/powerpoint/2010/main" val="334735936"/>
+      </p:ext>
+    </p:extLst>
+  </p:cSld>
+  <p:clrMapOvr>
+    <a:masterClrMapping/>
+  </p:clrMapOvr>
+</p:sld>
+</file>
+
 <file path=ppt/theme/theme1.xml><?xml version="1.0" encoding="utf-8"?>
 <a:theme xmlns:a="http://schemas.openxmlformats.org/drawingml/2006/main" name="Office 테마">
   <a:themeElements>

--- a/pics/2020-08-21-surface_integral/pics.pptx
+++ b/pics/2020-08-21-surface_integral/pics.pptx
@@ -7,7 +7,9 @@
   <p:sldIdLst>
     <p:sldId id="258" r:id="rId2"/>
     <p:sldId id="259" r:id="rId3"/>
-    <p:sldId id="260" r:id="rId4"/>
+    <p:sldId id="261" r:id="rId4"/>
+    <p:sldId id="260" r:id="rId5"/>
+    <p:sldId id="262" r:id="rId6"/>
   </p:sldIdLst>
   <p:sldSz cx="12192000" cy="6858000"/>
   <p:notesSz cx="6858000" cy="9144000"/>
@@ -261,7 +263,7 @@
           <a:p>
             <a:fld id="{A73E19DC-0A57-4D88-9168-1A8C8EF358CA}" type="datetimeFigureOut">
               <a:rPr lang="ko-KR" altLang="en-US" smtClean="0"/>
-              <a:t>2020-08-27</a:t>
+              <a:t>2023-04-28</a:t>
             </a:fld>
             <a:endParaRPr lang="ko-KR" altLang="en-US"/>
           </a:p>
@@ -459,7 +461,7 @@
           <a:p>
             <a:fld id="{A73E19DC-0A57-4D88-9168-1A8C8EF358CA}" type="datetimeFigureOut">
               <a:rPr lang="ko-KR" altLang="en-US" smtClean="0"/>
-              <a:t>2020-08-27</a:t>
+              <a:t>2023-04-28</a:t>
             </a:fld>
             <a:endParaRPr lang="ko-KR" altLang="en-US"/>
           </a:p>
@@ -667,7 +669,7 @@
           <a:p>
             <a:fld id="{A73E19DC-0A57-4D88-9168-1A8C8EF358CA}" type="datetimeFigureOut">
               <a:rPr lang="ko-KR" altLang="en-US" smtClean="0"/>
-              <a:t>2020-08-27</a:t>
+              <a:t>2023-04-28</a:t>
             </a:fld>
             <a:endParaRPr lang="ko-KR" altLang="en-US"/>
           </a:p>
@@ -865,7 +867,7 @@
           <a:p>
             <a:fld id="{A73E19DC-0A57-4D88-9168-1A8C8EF358CA}" type="datetimeFigureOut">
               <a:rPr lang="ko-KR" altLang="en-US" smtClean="0"/>
-              <a:t>2020-08-27</a:t>
+              <a:t>2023-04-28</a:t>
             </a:fld>
             <a:endParaRPr lang="ko-KR" altLang="en-US"/>
           </a:p>
@@ -1140,7 +1142,7 @@
           <a:p>
             <a:fld id="{A73E19DC-0A57-4D88-9168-1A8C8EF358CA}" type="datetimeFigureOut">
               <a:rPr lang="ko-KR" altLang="en-US" smtClean="0"/>
-              <a:t>2020-08-27</a:t>
+              <a:t>2023-04-28</a:t>
             </a:fld>
             <a:endParaRPr lang="ko-KR" altLang="en-US"/>
           </a:p>
@@ -1405,7 +1407,7 @@
           <a:p>
             <a:fld id="{A73E19DC-0A57-4D88-9168-1A8C8EF358CA}" type="datetimeFigureOut">
               <a:rPr lang="ko-KR" altLang="en-US" smtClean="0"/>
-              <a:t>2020-08-27</a:t>
+              <a:t>2023-04-28</a:t>
             </a:fld>
             <a:endParaRPr lang="ko-KR" altLang="en-US"/>
           </a:p>
@@ -1817,7 +1819,7 @@
           <a:p>
             <a:fld id="{A73E19DC-0A57-4D88-9168-1A8C8EF358CA}" type="datetimeFigureOut">
               <a:rPr lang="ko-KR" altLang="en-US" smtClean="0"/>
-              <a:t>2020-08-27</a:t>
+              <a:t>2023-04-28</a:t>
             </a:fld>
             <a:endParaRPr lang="ko-KR" altLang="en-US"/>
           </a:p>
@@ -1958,7 +1960,7 @@
           <a:p>
             <a:fld id="{A73E19DC-0A57-4D88-9168-1A8C8EF358CA}" type="datetimeFigureOut">
               <a:rPr lang="ko-KR" altLang="en-US" smtClean="0"/>
-              <a:t>2020-08-27</a:t>
+              <a:t>2023-04-28</a:t>
             </a:fld>
             <a:endParaRPr lang="ko-KR" altLang="en-US"/>
           </a:p>
@@ -2071,7 +2073,7 @@
           <a:p>
             <a:fld id="{A73E19DC-0A57-4D88-9168-1A8C8EF358CA}" type="datetimeFigureOut">
               <a:rPr lang="ko-KR" altLang="en-US" smtClean="0"/>
-              <a:t>2020-08-27</a:t>
+              <a:t>2023-04-28</a:t>
             </a:fld>
             <a:endParaRPr lang="ko-KR" altLang="en-US"/>
           </a:p>
@@ -2382,7 +2384,7 @@
           <a:p>
             <a:fld id="{A73E19DC-0A57-4D88-9168-1A8C8EF358CA}" type="datetimeFigureOut">
               <a:rPr lang="ko-KR" altLang="en-US" smtClean="0"/>
-              <a:t>2020-08-27</a:t>
+              <a:t>2023-04-28</a:t>
             </a:fld>
             <a:endParaRPr lang="ko-KR" altLang="en-US"/>
           </a:p>
@@ -2670,7 +2672,7 @@
           <a:p>
             <a:fld id="{A73E19DC-0A57-4D88-9168-1A8C8EF358CA}" type="datetimeFigureOut">
               <a:rPr lang="ko-KR" altLang="en-US" smtClean="0"/>
-              <a:t>2020-08-27</a:t>
+              <a:t>2023-04-28</a:t>
             </a:fld>
             <a:endParaRPr lang="ko-KR" altLang="en-US"/>
           </a:p>
@@ -2911,7 +2913,7 @@
           <a:p>
             <a:fld id="{A73E19DC-0A57-4D88-9168-1A8C8EF358CA}" type="datetimeFigureOut">
               <a:rPr lang="ko-KR" altLang="en-US" smtClean="0"/>
-              <a:t>2020-08-27</a:t>
+              <a:t>2023-04-28</a:t>
             </a:fld>
             <a:endParaRPr lang="ko-KR" altLang="en-US"/>
           </a:p>
@@ -4125,8 +4127,8 @@
           </mc:Fallback>
         </mc:AlternateContent>
       </p:grpSp>
-      <mc:AlternateContent xmlns:mc="http://schemas.openxmlformats.org/markup-compatibility/2006">
-        <mc:Choice xmlns:a14="http://schemas.microsoft.com/office/drawing/2010/main" Requires="a14">
+      <mc:AlternateContent xmlns:mc="http://schemas.openxmlformats.org/markup-compatibility/2006" xmlns:a14="http://schemas.microsoft.com/office/drawing/2010/main">
+        <mc:Choice Requires="a14">
           <p:sp>
             <p:nvSpPr>
               <p:cNvPr id="19" name="TextBox 18">
@@ -4238,7 +4240,7 @@
             </p:txBody>
           </p:sp>
         </mc:Choice>
-        <mc:Fallback>
+        <mc:Fallback xmlns="">
           <p:sp>
             <p:nvSpPr>
               <p:cNvPr id="19" name="TextBox 18">
@@ -4286,8 +4288,8 @@
           </p:sp>
         </mc:Fallback>
       </mc:AlternateContent>
-      <mc:AlternateContent xmlns:mc="http://schemas.openxmlformats.org/markup-compatibility/2006">
-        <mc:Choice xmlns:a14="http://schemas.microsoft.com/office/drawing/2010/main" Requires="a14">
+      <mc:AlternateContent xmlns:mc="http://schemas.openxmlformats.org/markup-compatibility/2006" xmlns:a14="http://schemas.microsoft.com/office/drawing/2010/main">
+        <mc:Choice Requires="a14">
           <p:sp>
             <p:nvSpPr>
               <p:cNvPr id="20" name="TextBox 19">
@@ -4399,7 +4401,7 @@
             </p:txBody>
           </p:sp>
         </mc:Choice>
-        <mc:Fallback>
+        <mc:Fallback xmlns="">
           <p:sp>
             <p:nvSpPr>
               <p:cNvPr id="20" name="TextBox 19">
@@ -5517,8 +5519,8 @@
           </a:fontRef>
         </p:style>
       </p:cxnSp>
-      <mc:AlternateContent xmlns:mc="http://schemas.openxmlformats.org/markup-compatibility/2006">
-        <mc:Choice xmlns:a14="http://schemas.microsoft.com/office/drawing/2010/main" Requires="a14">
+      <mc:AlternateContent xmlns:mc="http://schemas.openxmlformats.org/markup-compatibility/2006" xmlns:a14="http://schemas.microsoft.com/office/drawing/2010/main">
+        <mc:Choice Requires="a14">
           <p:sp>
             <p:nvSpPr>
               <p:cNvPr id="14" name="TextBox 13">
@@ -5575,7 +5577,7 @@
             </p:txBody>
           </p:sp>
         </mc:Choice>
-        <mc:Fallback>
+        <mc:Fallback xmlns="">
           <p:sp>
             <p:nvSpPr>
               <p:cNvPr id="14" name="TextBox 13">
@@ -5620,8 +5622,8 @@
           </p:sp>
         </mc:Fallback>
       </mc:AlternateContent>
-      <mc:AlternateContent xmlns:mc="http://schemas.openxmlformats.org/markup-compatibility/2006">
-        <mc:Choice xmlns:a14="http://schemas.microsoft.com/office/drawing/2010/main" Requires="a14">
+      <mc:AlternateContent xmlns:mc="http://schemas.openxmlformats.org/markup-compatibility/2006" xmlns:a14="http://schemas.microsoft.com/office/drawing/2010/main">
+        <mc:Choice Requires="a14">
           <p:sp>
             <p:nvSpPr>
               <p:cNvPr id="15" name="TextBox 14">
@@ -5678,7 +5680,7 @@
             </p:txBody>
           </p:sp>
         </mc:Choice>
-        <mc:Fallback>
+        <mc:Fallback xmlns="">
           <p:sp>
             <p:nvSpPr>
               <p:cNvPr id="15" name="TextBox 14">
@@ -5723,8 +5725,8 @@
           </p:sp>
         </mc:Fallback>
       </mc:AlternateContent>
-      <mc:AlternateContent xmlns:mc="http://schemas.openxmlformats.org/markup-compatibility/2006">
-        <mc:Choice xmlns:a14="http://schemas.microsoft.com/office/drawing/2010/main" Requires="a14">
+      <mc:AlternateContent xmlns:mc="http://schemas.openxmlformats.org/markup-compatibility/2006" xmlns:a14="http://schemas.microsoft.com/office/drawing/2010/main">
+        <mc:Choice Requires="a14">
           <p:sp>
             <p:nvSpPr>
               <p:cNvPr id="19" name="TextBox 18">
@@ -5836,7 +5838,7 @@
             </p:txBody>
           </p:sp>
         </mc:Choice>
-        <mc:Fallback>
+        <mc:Fallback xmlns="">
           <p:sp>
             <p:nvSpPr>
               <p:cNvPr id="19" name="TextBox 18">
@@ -5884,8 +5886,8 @@
           </p:sp>
         </mc:Fallback>
       </mc:AlternateContent>
-      <mc:AlternateContent xmlns:mc="http://schemas.openxmlformats.org/markup-compatibility/2006">
-        <mc:Choice xmlns:a14="http://schemas.microsoft.com/office/drawing/2010/main" Requires="a14">
+      <mc:AlternateContent xmlns:mc="http://schemas.openxmlformats.org/markup-compatibility/2006" xmlns:a14="http://schemas.microsoft.com/office/drawing/2010/main">
+        <mc:Choice Requires="a14">
           <p:sp>
             <p:nvSpPr>
               <p:cNvPr id="20" name="TextBox 19">
@@ -5997,7 +5999,7 @@
             </p:txBody>
           </p:sp>
         </mc:Choice>
-        <mc:Fallback>
+        <mc:Fallback xmlns="">
           <p:sp>
             <p:nvSpPr>
               <p:cNvPr id="20" name="TextBox 19">
@@ -6970,8 +6972,8 @@
           </a:p>
         </p:txBody>
       </p:sp>
-      <mc:AlternateContent xmlns:mc="http://schemas.openxmlformats.org/markup-compatibility/2006">
-        <mc:Choice xmlns:a14="http://schemas.microsoft.com/office/drawing/2010/main" Requires="a14">
+      <mc:AlternateContent xmlns:mc="http://schemas.openxmlformats.org/markup-compatibility/2006" xmlns:a14="http://schemas.microsoft.com/office/drawing/2010/main">
+        <mc:Choice Requires="a14">
           <p:sp>
             <p:nvSpPr>
               <p:cNvPr id="49" name="TextBox 48">
@@ -7000,6 +7002,7 @@
               </a:bodyPr>
               <a:lstStyle/>
               <a:p>
+                <a:pPr/>
                 <a14:m>
                   <m:oMathPara xmlns:m="http://schemas.openxmlformats.org/officeDocument/2006/math">
                     <m:oMathParaPr>
@@ -7020,7 +7023,7 @@
             </p:txBody>
           </p:sp>
         </mc:Choice>
-        <mc:Fallback>
+        <mc:Fallback xmlns="">
           <p:sp>
             <p:nvSpPr>
               <p:cNvPr id="49" name="TextBox 48">
@@ -7079,6 +7082,1894 @@
 </file>
 
 <file path=ppt/slides/slide3.xml><?xml version="1.0" encoding="utf-8"?>
+<p:sld xmlns:a="http://schemas.openxmlformats.org/drawingml/2006/main" xmlns:r="http://schemas.openxmlformats.org/officeDocument/2006/relationships" xmlns:p="http://schemas.openxmlformats.org/presentationml/2006/main">
+  <p:cSld>
+    <p:spTree>
+      <p:nvGrpSpPr>
+        <p:cNvPr id="1" name=""/>
+        <p:cNvGrpSpPr/>
+        <p:nvPr/>
+      </p:nvGrpSpPr>
+      <p:grpSpPr>
+        <a:xfrm>
+          <a:off x="0" y="0"/>
+          <a:ext cx="0" cy="0"/>
+          <a:chOff x="0" y="0"/>
+          <a:chExt cx="0" cy="0"/>
+        </a:xfrm>
+      </p:grpSpPr>
+      <p:grpSp>
+        <p:nvGrpSpPr>
+          <p:cNvPr id="43" name="그룹 42">
+            <a:extLst>
+              <a:ext uri="{FF2B5EF4-FFF2-40B4-BE49-F238E27FC236}">
+                <a16:creationId xmlns:a16="http://schemas.microsoft.com/office/drawing/2014/main" id="{CCA80E37-32B9-4E24-9DFF-020CE8202B5F}"/>
+              </a:ext>
+            </a:extLst>
+          </p:cNvPr>
+          <p:cNvGrpSpPr/>
+          <p:nvPr/>
+        </p:nvGrpSpPr>
+        <p:grpSpPr>
+          <a:xfrm rot="1190863">
+            <a:off x="3821160" y="4067275"/>
+            <a:ext cx="943816" cy="331650"/>
+            <a:chOff x="7238176" y="4030248"/>
+            <a:chExt cx="1276134" cy="385793"/>
+          </a:xfrm>
+        </p:grpSpPr>
+        <p:sp>
+          <p:nvSpPr>
+            <p:cNvPr id="44" name="원호 43">
+              <a:extLst>
+                <a:ext uri="{FF2B5EF4-FFF2-40B4-BE49-F238E27FC236}">
+                  <a16:creationId xmlns:a16="http://schemas.microsoft.com/office/drawing/2014/main" id="{E0BF964F-BA10-4C99-9053-B99495BE6E89}"/>
+                </a:ext>
+              </a:extLst>
+            </p:cNvPr>
+            <p:cNvSpPr/>
+            <p:nvPr/>
+          </p:nvSpPr>
+          <p:spPr>
+            <a:xfrm rot="9350251" flipH="1">
+              <a:off x="7366808" y="4030248"/>
+              <a:ext cx="1147502" cy="342672"/>
+            </a:xfrm>
+            <a:prstGeom prst="arc">
+              <a:avLst>
+                <a:gd name="adj1" fmla="val 18316844"/>
+                <a:gd name="adj2" fmla="val 0"/>
+              </a:avLst>
+            </a:prstGeom>
+            <a:ln w="12700">
+              <a:solidFill>
+                <a:schemeClr val="tx1">
+                  <a:lumMod val="50000"/>
+                  <a:lumOff val="50000"/>
+                </a:schemeClr>
+              </a:solidFill>
+              <a:prstDash val="dash"/>
+            </a:ln>
+          </p:spPr>
+          <p:style>
+            <a:lnRef idx="1">
+              <a:schemeClr val="accent1"/>
+            </a:lnRef>
+            <a:fillRef idx="0">
+              <a:schemeClr val="accent1"/>
+            </a:fillRef>
+            <a:effectRef idx="0">
+              <a:schemeClr val="accent1"/>
+            </a:effectRef>
+            <a:fontRef idx="minor">
+              <a:schemeClr val="tx1"/>
+            </a:fontRef>
+          </p:style>
+          <p:txBody>
+            <a:bodyPr rtlCol="0" anchor="ctr"/>
+            <a:lstStyle/>
+            <a:p>
+              <a:pPr algn="ctr"/>
+              <a:endParaRPr lang="ko-KR" altLang="en-US"/>
+            </a:p>
+          </p:txBody>
+        </p:sp>
+        <p:sp>
+          <p:nvSpPr>
+            <p:cNvPr id="45" name="원호 44">
+              <a:extLst>
+                <a:ext uri="{FF2B5EF4-FFF2-40B4-BE49-F238E27FC236}">
+                  <a16:creationId xmlns:a16="http://schemas.microsoft.com/office/drawing/2014/main" id="{F005F517-7576-451D-8BA8-13C31EA2B012}"/>
+                </a:ext>
+              </a:extLst>
+            </p:cNvPr>
+            <p:cNvSpPr/>
+            <p:nvPr/>
+          </p:nvSpPr>
+          <p:spPr>
+            <a:xfrm rot="9888162">
+              <a:off x="7238176" y="4080649"/>
+              <a:ext cx="1147502" cy="335392"/>
+            </a:xfrm>
+            <a:prstGeom prst="arc">
+              <a:avLst>
+                <a:gd name="adj1" fmla="val 18316844"/>
+                <a:gd name="adj2" fmla="val 0"/>
+              </a:avLst>
+            </a:prstGeom>
+            <a:ln w="12700">
+              <a:solidFill>
+                <a:schemeClr val="tx1">
+                  <a:lumMod val="50000"/>
+                  <a:lumOff val="50000"/>
+                </a:schemeClr>
+              </a:solidFill>
+              <a:prstDash val="dash"/>
+            </a:ln>
+          </p:spPr>
+          <p:style>
+            <a:lnRef idx="1">
+              <a:schemeClr val="accent1"/>
+            </a:lnRef>
+            <a:fillRef idx="0">
+              <a:schemeClr val="accent1"/>
+            </a:fillRef>
+            <a:effectRef idx="0">
+              <a:schemeClr val="accent1"/>
+            </a:effectRef>
+            <a:fontRef idx="minor">
+              <a:schemeClr val="tx1"/>
+            </a:fontRef>
+          </p:style>
+          <p:txBody>
+            <a:bodyPr rtlCol="0" anchor="ctr"/>
+            <a:lstStyle/>
+            <a:p>
+              <a:pPr algn="ctr"/>
+              <a:endParaRPr lang="ko-KR" altLang="en-US"/>
+            </a:p>
+          </p:txBody>
+        </p:sp>
+      </p:grpSp>
+      <p:sp>
+        <p:nvSpPr>
+          <p:cNvPr id="8" name="TextBox 7">
+            <a:extLst>
+              <a:ext uri="{FF2B5EF4-FFF2-40B4-BE49-F238E27FC236}">
+                <a16:creationId xmlns:a16="http://schemas.microsoft.com/office/drawing/2014/main" id="{B3B385F5-B798-4736-94C5-E60D8BD9C4FB}"/>
+              </a:ext>
+            </a:extLst>
+          </p:cNvPr>
+          <p:cNvSpPr txBox="1"/>
+          <p:nvPr/>
+        </p:nvSpPr>
+        <p:spPr>
+          <a:xfrm>
+            <a:off x="3003863" y="1910373"/>
+            <a:ext cx="2680477" cy="369332"/>
+          </a:xfrm>
+          <a:prstGeom prst="rect">
+            <a:avLst/>
+          </a:prstGeom>
+          <a:noFill/>
+        </p:spPr>
+        <p:txBody>
+          <a:bodyPr wrap="none" rtlCol="0">
+            <a:spAutoFit/>
+          </a:bodyPr>
+          <a:lstStyle/>
+          <a:p>
+            <a:r>
+              <a:rPr lang="en-US" altLang="ko-KR" dirty="0"/>
+              <a:t>&lt;Input(domain)</a:t>
+            </a:r>
+            <a:r>
+              <a:rPr lang="ko-KR" altLang="en-US" dirty="0"/>
+              <a:t> </a:t>
+            </a:r>
+            <a:r>
+              <a:rPr lang="en-US" altLang="ko-KR" dirty="0"/>
+              <a:t>Space&gt;</a:t>
+            </a:r>
+            <a:endParaRPr lang="ko-KR" altLang="en-US" dirty="0"/>
+          </a:p>
+        </p:txBody>
+      </p:sp>
+      <p:sp>
+        <p:nvSpPr>
+          <p:cNvPr id="9" name="TextBox 8">
+            <a:extLst>
+              <a:ext uri="{FF2B5EF4-FFF2-40B4-BE49-F238E27FC236}">
+                <a16:creationId xmlns:a16="http://schemas.microsoft.com/office/drawing/2014/main" id="{A0C736FA-8692-464B-85BB-C9AA6A10C7A5}"/>
+              </a:ext>
+            </a:extLst>
+          </p:cNvPr>
+          <p:cNvSpPr txBox="1"/>
+          <p:nvPr/>
+        </p:nvSpPr>
+        <p:spPr>
+          <a:xfrm>
+            <a:off x="6699196" y="1910372"/>
+            <a:ext cx="2683683" cy="369332"/>
+          </a:xfrm>
+          <a:prstGeom prst="rect">
+            <a:avLst/>
+          </a:prstGeom>
+          <a:noFill/>
+        </p:spPr>
+        <p:txBody>
+          <a:bodyPr wrap="none" rtlCol="0">
+            <a:spAutoFit/>
+          </a:bodyPr>
+          <a:lstStyle/>
+          <a:p>
+            <a:r>
+              <a:rPr lang="en-US" altLang="ko-KR" dirty="0"/>
+              <a:t>&lt;Output(range)</a:t>
+            </a:r>
+            <a:r>
+              <a:rPr lang="ko-KR" altLang="en-US" dirty="0"/>
+              <a:t> </a:t>
+            </a:r>
+            <a:r>
+              <a:rPr lang="en-US" altLang="ko-KR" dirty="0"/>
+              <a:t>Space&gt;</a:t>
+            </a:r>
+            <a:endParaRPr lang="ko-KR" altLang="en-US" dirty="0"/>
+          </a:p>
+        </p:txBody>
+      </p:sp>
+      <p:cxnSp>
+        <p:nvCxnSpPr>
+          <p:cNvPr id="11" name="직선 화살표 연결선 10">
+            <a:extLst>
+              <a:ext uri="{FF2B5EF4-FFF2-40B4-BE49-F238E27FC236}">
+                <a16:creationId xmlns:a16="http://schemas.microsoft.com/office/drawing/2014/main" id="{644666CB-0197-44A9-9D59-888E8AE763A8}"/>
+              </a:ext>
+            </a:extLst>
+          </p:cNvPr>
+          <p:cNvCxnSpPr>
+            <a:cxnSpLocks/>
+          </p:cNvCxnSpPr>
+          <p:nvPr/>
+        </p:nvCxnSpPr>
+        <p:spPr>
+          <a:xfrm flipV="1">
+            <a:off x="3742052" y="3044631"/>
+            <a:ext cx="0" cy="1159658"/>
+          </a:xfrm>
+          <a:prstGeom prst="straightConnector1">
+            <a:avLst/>
+          </a:prstGeom>
+          <a:ln w="19050">
+            <a:solidFill>
+              <a:srgbClr val="4D94CF"/>
+            </a:solidFill>
+            <a:tailEnd type="triangle"/>
+          </a:ln>
+        </p:spPr>
+        <p:style>
+          <a:lnRef idx="1">
+            <a:schemeClr val="accent1"/>
+          </a:lnRef>
+          <a:fillRef idx="0">
+            <a:schemeClr val="accent1"/>
+          </a:fillRef>
+          <a:effectRef idx="0">
+            <a:schemeClr val="accent1"/>
+          </a:effectRef>
+          <a:fontRef idx="minor">
+            <a:schemeClr val="tx1"/>
+          </a:fontRef>
+        </p:style>
+      </p:cxnSp>
+      <p:cxnSp>
+        <p:nvCxnSpPr>
+          <p:cNvPr id="13" name="직선 화살표 연결선 12">
+            <a:extLst>
+              <a:ext uri="{FF2B5EF4-FFF2-40B4-BE49-F238E27FC236}">
+                <a16:creationId xmlns:a16="http://schemas.microsoft.com/office/drawing/2014/main" id="{50687F49-E02E-4D35-AD32-391A0DE8457B}"/>
+              </a:ext>
+            </a:extLst>
+          </p:cNvPr>
+          <p:cNvCxnSpPr>
+            <a:cxnSpLocks/>
+          </p:cNvCxnSpPr>
+          <p:nvPr/>
+        </p:nvCxnSpPr>
+        <p:spPr>
+          <a:xfrm>
+            <a:off x="3742052" y="4158474"/>
+            <a:ext cx="1114938" cy="0"/>
+          </a:xfrm>
+          <a:prstGeom prst="straightConnector1">
+            <a:avLst/>
+          </a:prstGeom>
+          <a:ln w="19050">
+            <a:solidFill>
+              <a:srgbClr val="EF5454"/>
+            </a:solidFill>
+            <a:tailEnd type="triangle"/>
+          </a:ln>
+        </p:spPr>
+        <p:style>
+          <a:lnRef idx="1">
+            <a:schemeClr val="accent1"/>
+          </a:lnRef>
+          <a:fillRef idx="0">
+            <a:schemeClr val="accent1"/>
+          </a:fillRef>
+          <a:effectRef idx="0">
+            <a:schemeClr val="accent1"/>
+          </a:effectRef>
+          <a:fontRef idx="minor">
+            <a:schemeClr val="tx1"/>
+          </a:fontRef>
+        </p:style>
+      </p:cxnSp>
+      <mc:AlternateContent xmlns:mc="http://schemas.openxmlformats.org/markup-compatibility/2006" xmlns:a14="http://schemas.microsoft.com/office/drawing/2010/main">
+        <mc:Choice Requires="a14">
+          <p:sp>
+            <p:nvSpPr>
+              <p:cNvPr id="14" name="TextBox 13">
+                <a:extLst>
+                  <a:ext uri="{FF2B5EF4-FFF2-40B4-BE49-F238E27FC236}">
+                    <a16:creationId xmlns:a16="http://schemas.microsoft.com/office/drawing/2014/main" id="{579976FA-5649-4795-BC5F-1C736CD3C519}"/>
+                  </a:ext>
+                </a:extLst>
+              </p:cNvPr>
+              <p:cNvSpPr txBox="1"/>
+              <p:nvPr/>
+            </p:nvSpPr>
+            <p:spPr>
+              <a:xfrm>
+                <a:off x="3111808" y="3389846"/>
+                <a:ext cx="593432" cy="400110"/>
+              </a:xfrm>
+              <a:prstGeom prst="rect">
+                <a:avLst/>
+              </a:prstGeom>
+              <a:noFill/>
+            </p:spPr>
+            <p:txBody>
+              <a:bodyPr wrap="none" rtlCol="0">
+                <a:spAutoFit/>
+              </a:bodyPr>
+              <a:lstStyle/>
+              <a:p>
+                <a:pPr/>
+                <a14:m>
+                  <m:oMathPara xmlns:m="http://schemas.openxmlformats.org/officeDocument/2006/math">
+                    <m:oMathParaPr>
+                      <m:jc m:val="centerGroup"/>
+                    </m:oMathParaPr>
+                    <m:oMath xmlns:m="http://schemas.openxmlformats.org/officeDocument/2006/math">
+                      <m:r>
+                        <a:rPr lang="en-US" altLang="ko-KR" sz="2000" b="1" i="1" smtClean="0">
+                          <a:solidFill>
+                            <a:srgbClr val="4D94CF"/>
+                          </a:solidFill>
+                          <a:latin typeface="Cambria Math" panose="02040503050406030204" pitchFamily="18" charset="0"/>
+                        </a:rPr>
+                        <m:t>𝒅𝒗</m:t>
+                      </m:r>
+                    </m:oMath>
+                  </m:oMathPara>
+                </a14:m>
+                <a:endParaRPr lang="ko-KR" altLang="en-US" sz="2000" b="1" dirty="0">
+                  <a:solidFill>
+                    <a:srgbClr val="4D94CF"/>
+                  </a:solidFill>
+                </a:endParaRPr>
+              </a:p>
+            </p:txBody>
+          </p:sp>
+        </mc:Choice>
+        <mc:Fallback xmlns="">
+          <p:sp>
+            <p:nvSpPr>
+              <p:cNvPr id="14" name="TextBox 13">
+                <a:extLst>
+                  <a:ext uri="{FF2B5EF4-FFF2-40B4-BE49-F238E27FC236}">
+                    <a16:creationId xmlns:a16="http://schemas.microsoft.com/office/drawing/2014/main" id="{579976FA-5649-4795-BC5F-1C736CD3C519}"/>
+                  </a:ext>
+                </a:extLst>
+              </p:cNvPr>
+              <p:cNvSpPr txBox="1">
+                <a:spLocks noRot="1" noChangeAspect="1" noMove="1" noResize="1" noEditPoints="1" noAdjustHandles="1" noChangeArrowheads="1" noChangeShapeType="1" noTextEdit="1"/>
+              </p:cNvSpPr>
+              <p:nvPr/>
+            </p:nvSpPr>
+            <p:spPr>
+              <a:xfrm>
+                <a:off x="3111808" y="3389846"/>
+                <a:ext cx="593432" cy="400110"/>
+              </a:xfrm>
+              <a:prstGeom prst="rect">
+                <a:avLst/>
+              </a:prstGeom>
+              <a:blipFill>
+                <a:blip r:embed="rId2"/>
+                <a:stretch>
+                  <a:fillRect/>
+                </a:stretch>
+              </a:blipFill>
+            </p:spPr>
+            <p:txBody>
+              <a:bodyPr/>
+              <a:lstStyle/>
+              <a:p>
+                <a:r>
+                  <a:rPr lang="ko-KR" altLang="en-US">
+                    <a:noFill/>
+                  </a:rPr>
+                  <a:t> </a:t>
+                </a:r>
+              </a:p>
+            </p:txBody>
+          </p:sp>
+        </mc:Fallback>
+      </mc:AlternateContent>
+      <mc:AlternateContent xmlns:mc="http://schemas.openxmlformats.org/markup-compatibility/2006" xmlns:a14="http://schemas.microsoft.com/office/drawing/2010/main">
+        <mc:Choice Requires="a14">
+          <p:sp>
+            <p:nvSpPr>
+              <p:cNvPr id="15" name="TextBox 14">
+                <a:extLst>
+                  <a:ext uri="{FF2B5EF4-FFF2-40B4-BE49-F238E27FC236}">
+                    <a16:creationId xmlns:a16="http://schemas.microsoft.com/office/drawing/2014/main" id="{3D98AFC8-2F37-4D41-AA9C-C101AC566FC7}"/>
+                  </a:ext>
+                </a:extLst>
+              </p:cNvPr>
+              <p:cNvSpPr txBox="1"/>
+              <p:nvPr/>
+            </p:nvSpPr>
+            <p:spPr>
+              <a:xfrm>
+                <a:off x="3980101" y="4191696"/>
+                <a:ext cx="604653" cy="400110"/>
+              </a:xfrm>
+              <a:prstGeom prst="rect">
+                <a:avLst/>
+              </a:prstGeom>
+              <a:noFill/>
+            </p:spPr>
+            <p:txBody>
+              <a:bodyPr wrap="none" rtlCol="0">
+                <a:spAutoFit/>
+              </a:bodyPr>
+              <a:lstStyle/>
+              <a:p>
+                <a:pPr/>
+                <a14:m>
+                  <m:oMathPara xmlns:m="http://schemas.openxmlformats.org/officeDocument/2006/math">
+                    <m:oMathParaPr>
+                      <m:jc m:val="centerGroup"/>
+                    </m:oMathParaPr>
+                    <m:oMath xmlns:m="http://schemas.openxmlformats.org/officeDocument/2006/math">
+                      <m:r>
+                        <a:rPr lang="en-US" altLang="ko-KR" sz="2000" b="1" i="1" smtClean="0">
+                          <a:solidFill>
+                            <a:srgbClr val="EF5454"/>
+                          </a:solidFill>
+                          <a:latin typeface="Cambria Math" panose="02040503050406030204" pitchFamily="18" charset="0"/>
+                        </a:rPr>
+                        <m:t>𝒅𝒖</m:t>
+                      </m:r>
+                    </m:oMath>
+                  </m:oMathPara>
+                </a14:m>
+                <a:endParaRPr lang="ko-KR" altLang="en-US" sz="2000" b="1" dirty="0">
+                  <a:solidFill>
+                    <a:srgbClr val="EF5454"/>
+                  </a:solidFill>
+                </a:endParaRPr>
+              </a:p>
+            </p:txBody>
+          </p:sp>
+        </mc:Choice>
+        <mc:Fallback xmlns="">
+          <p:sp>
+            <p:nvSpPr>
+              <p:cNvPr id="15" name="TextBox 14">
+                <a:extLst>
+                  <a:ext uri="{FF2B5EF4-FFF2-40B4-BE49-F238E27FC236}">
+                    <a16:creationId xmlns:a16="http://schemas.microsoft.com/office/drawing/2014/main" id="{3D98AFC8-2F37-4D41-AA9C-C101AC566FC7}"/>
+                  </a:ext>
+                </a:extLst>
+              </p:cNvPr>
+              <p:cNvSpPr txBox="1">
+                <a:spLocks noRot="1" noChangeAspect="1" noMove="1" noResize="1" noEditPoints="1" noAdjustHandles="1" noChangeArrowheads="1" noChangeShapeType="1" noTextEdit="1"/>
+              </p:cNvSpPr>
+              <p:nvPr/>
+            </p:nvSpPr>
+            <p:spPr>
+              <a:xfrm>
+                <a:off x="3980101" y="4191696"/>
+                <a:ext cx="604653" cy="400110"/>
+              </a:xfrm>
+              <a:prstGeom prst="rect">
+                <a:avLst/>
+              </a:prstGeom>
+              <a:blipFill>
+                <a:blip r:embed="rId3"/>
+                <a:stretch>
+                  <a:fillRect/>
+                </a:stretch>
+              </a:blipFill>
+            </p:spPr>
+            <p:txBody>
+              <a:bodyPr/>
+              <a:lstStyle/>
+              <a:p>
+                <a:r>
+                  <a:rPr lang="ko-KR" altLang="en-US">
+                    <a:noFill/>
+                  </a:rPr>
+                  <a:t> </a:t>
+                </a:r>
+              </a:p>
+            </p:txBody>
+          </p:sp>
+        </mc:Fallback>
+      </mc:AlternateContent>
+      <mc:AlternateContent xmlns:mc="http://schemas.openxmlformats.org/markup-compatibility/2006" xmlns:a14="http://schemas.microsoft.com/office/drawing/2010/main">
+        <mc:Choice Requires="a14">
+          <p:sp>
+            <p:nvSpPr>
+              <p:cNvPr id="19" name="TextBox 18">
+                <a:extLst>
+                  <a:ext uri="{FF2B5EF4-FFF2-40B4-BE49-F238E27FC236}">
+                    <a16:creationId xmlns:a16="http://schemas.microsoft.com/office/drawing/2014/main" id="{A7FFF7C5-D8D4-4509-8093-C09A479FCEBF}"/>
+                  </a:ext>
+                </a:extLst>
+              </p:cNvPr>
+              <p:cNvSpPr txBox="1"/>
+              <p:nvPr/>
+            </p:nvSpPr>
+            <p:spPr>
+              <a:xfrm>
+                <a:off x="7711722" y="4270070"/>
+                <a:ext cx="968022" cy="677558"/>
+              </a:xfrm>
+              <a:prstGeom prst="rect">
+                <a:avLst/>
+              </a:prstGeom>
+              <a:noFill/>
+              <a:ln>
+                <a:noFill/>
+              </a:ln>
+            </p:spPr>
+            <p:txBody>
+              <a:bodyPr wrap="none" rtlCol="0">
+                <a:spAutoFit/>
+              </a:bodyPr>
+              <a:lstStyle/>
+              <a:p>
+                <a:pPr/>
+                <a14:m>
+                  <m:oMathPara xmlns:m="http://schemas.openxmlformats.org/officeDocument/2006/math">
+                    <m:oMathParaPr>
+                      <m:jc m:val="centerGroup"/>
+                    </m:oMathParaPr>
+                    <m:oMath xmlns:m="http://schemas.openxmlformats.org/officeDocument/2006/math">
+                      <m:f>
+                        <m:fPr>
+                          <m:ctrlPr>
+                            <a:rPr lang="en-US" altLang="ko-KR" sz="2000" b="1" i="1" smtClean="0">
+                              <a:solidFill>
+                                <a:srgbClr val="EF5454"/>
+                              </a:solidFill>
+                              <a:latin typeface="Cambria Math" panose="02040503050406030204" pitchFamily="18" charset="0"/>
+                            </a:rPr>
+                          </m:ctrlPr>
+                        </m:fPr>
+                        <m:num>
+                          <m:r>
+                            <a:rPr lang="en-US" altLang="ko-KR" sz="2000" b="1" i="1" smtClean="0">
+                              <a:solidFill>
+                                <a:srgbClr val="EF5454"/>
+                              </a:solidFill>
+                              <a:latin typeface="Cambria Math" panose="02040503050406030204" pitchFamily="18" charset="0"/>
+                            </a:rPr>
+                            <m:t>𝝏</m:t>
+                          </m:r>
+                          <m:r>
+                            <a:rPr lang="en-US" altLang="ko-KR" sz="2000" b="1" i="1" smtClean="0">
+                              <a:solidFill>
+                                <a:srgbClr val="EF5454"/>
+                              </a:solidFill>
+                              <a:latin typeface="Cambria Math" panose="02040503050406030204" pitchFamily="18" charset="0"/>
+                            </a:rPr>
+                            <m:t>𝒓</m:t>
+                          </m:r>
+                        </m:num>
+                        <m:den>
+                          <m:r>
+                            <a:rPr lang="en-US" altLang="ko-KR" sz="2000" b="1" i="1" smtClean="0">
+                              <a:solidFill>
+                                <a:srgbClr val="EF5454"/>
+                              </a:solidFill>
+                              <a:latin typeface="Cambria Math" panose="02040503050406030204" pitchFamily="18" charset="0"/>
+                            </a:rPr>
+                            <m:t>𝝏</m:t>
+                          </m:r>
+                          <m:r>
+                            <a:rPr lang="en-US" altLang="ko-KR" sz="2000" b="1" i="1" smtClean="0">
+                              <a:solidFill>
+                                <a:srgbClr val="EF5454"/>
+                              </a:solidFill>
+                              <a:latin typeface="Cambria Math" panose="02040503050406030204" pitchFamily="18" charset="0"/>
+                            </a:rPr>
+                            <m:t>𝒖</m:t>
+                          </m:r>
+                        </m:den>
+                      </m:f>
+                      <m:r>
+                        <a:rPr lang="en-US" altLang="ko-KR" sz="2000" b="1" i="1" smtClean="0">
+                          <a:solidFill>
+                            <a:srgbClr val="EF5454"/>
+                          </a:solidFill>
+                          <a:latin typeface="Cambria Math" panose="02040503050406030204" pitchFamily="18" charset="0"/>
+                        </a:rPr>
+                        <m:t>𝒅𝒖</m:t>
+                      </m:r>
+                    </m:oMath>
+                  </m:oMathPara>
+                </a14:m>
+                <a:endParaRPr lang="ko-KR" altLang="en-US" sz="2000" b="1" dirty="0">
+                  <a:solidFill>
+                    <a:srgbClr val="EF5454"/>
+                  </a:solidFill>
+                </a:endParaRPr>
+              </a:p>
+            </p:txBody>
+          </p:sp>
+        </mc:Choice>
+        <mc:Fallback xmlns="">
+          <p:sp>
+            <p:nvSpPr>
+              <p:cNvPr id="19" name="TextBox 18">
+                <a:extLst>
+                  <a:ext uri="{FF2B5EF4-FFF2-40B4-BE49-F238E27FC236}">
+                    <a16:creationId xmlns:a16="http://schemas.microsoft.com/office/drawing/2014/main" id="{A7FFF7C5-D8D4-4509-8093-C09A479FCEBF}"/>
+                  </a:ext>
+                </a:extLst>
+              </p:cNvPr>
+              <p:cNvSpPr txBox="1">
+                <a:spLocks noRot="1" noChangeAspect="1" noMove="1" noResize="1" noEditPoints="1" noAdjustHandles="1" noChangeArrowheads="1" noChangeShapeType="1" noTextEdit="1"/>
+              </p:cNvSpPr>
+              <p:nvPr/>
+            </p:nvSpPr>
+            <p:spPr>
+              <a:xfrm>
+                <a:off x="7711722" y="4270070"/>
+                <a:ext cx="968022" cy="677558"/>
+              </a:xfrm>
+              <a:prstGeom prst="rect">
+                <a:avLst/>
+              </a:prstGeom>
+              <a:blipFill>
+                <a:blip r:embed="rId4"/>
+                <a:stretch>
+                  <a:fillRect/>
+                </a:stretch>
+              </a:blipFill>
+              <a:ln>
+                <a:noFill/>
+              </a:ln>
+            </p:spPr>
+            <p:txBody>
+              <a:bodyPr/>
+              <a:lstStyle/>
+              <a:p>
+                <a:r>
+                  <a:rPr lang="ko-KR" altLang="en-US">
+                    <a:noFill/>
+                  </a:rPr>
+                  <a:t> </a:t>
+                </a:r>
+              </a:p>
+            </p:txBody>
+          </p:sp>
+        </mc:Fallback>
+      </mc:AlternateContent>
+      <mc:AlternateContent xmlns:mc="http://schemas.openxmlformats.org/markup-compatibility/2006" xmlns:a14="http://schemas.microsoft.com/office/drawing/2010/main">
+        <mc:Choice Requires="a14">
+          <p:sp>
+            <p:nvSpPr>
+              <p:cNvPr id="20" name="TextBox 19">
+                <a:extLst>
+                  <a:ext uri="{FF2B5EF4-FFF2-40B4-BE49-F238E27FC236}">
+                    <a16:creationId xmlns:a16="http://schemas.microsoft.com/office/drawing/2014/main" id="{F66C828B-FE96-4132-A241-4BEF3A2C9207}"/>
+                  </a:ext>
+                </a:extLst>
+              </p:cNvPr>
+              <p:cNvSpPr txBox="1"/>
+              <p:nvPr/>
+            </p:nvSpPr>
+            <p:spPr>
+              <a:xfrm>
+                <a:off x="6300873" y="3277039"/>
+                <a:ext cx="945579" cy="677558"/>
+              </a:xfrm>
+              <a:prstGeom prst="rect">
+                <a:avLst/>
+              </a:prstGeom>
+              <a:noFill/>
+              <a:ln>
+                <a:noFill/>
+              </a:ln>
+            </p:spPr>
+            <p:txBody>
+              <a:bodyPr wrap="none" rtlCol="0">
+                <a:spAutoFit/>
+              </a:bodyPr>
+              <a:lstStyle/>
+              <a:p>
+                <a:pPr/>
+                <a14:m>
+                  <m:oMathPara xmlns:m="http://schemas.openxmlformats.org/officeDocument/2006/math">
+                    <m:oMathParaPr>
+                      <m:jc m:val="centerGroup"/>
+                    </m:oMathParaPr>
+                    <m:oMath xmlns:m="http://schemas.openxmlformats.org/officeDocument/2006/math">
+                      <m:f>
+                        <m:fPr>
+                          <m:ctrlPr>
+                            <a:rPr lang="en-US" altLang="ko-KR" sz="2000" b="1" i="1" smtClean="0">
+                              <a:solidFill>
+                                <a:srgbClr val="4D94CF"/>
+                              </a:solidFill>
+                              <a:latin typeface="Cambria Math" panose="02040503050406030204" pitchFamily="18" charset="0"/>
+                            </a:rPr>
+                          </m:ctrlPr>
+                        </m:fPr>
+                        <m:num>
+                          <m:r>
+                            <a:rPr lang="en-US" altLang="ko-KR" sz="2000" b="1" i="1" smtClean="0">
+                              <a:solidFill>
+                                <a:srgbClr val="4D94CF"/>
+                              </a:solidFill>
+                              <a:latin typeface="Cambria Math" panose="02040503050406030204" pitchFamily="18" charset="0"/>
+                            </a:rPr>
+                            <m:t>𝝏</m:t>
+                          </m:r>
+                          <m:r>
+                            <a:rPr lang="en-US" altLang="ko-KR" sz="2000" b="1" i="1" smtClean="0">
+                              <a:solidFill>
+                                <a:srgbClr val="4D94CF"/>
+                              </a:solidFill>
+                              <a:latin typeface="Cambria Math" panose="02040503050406030204" pitchFamily="18" charset="0"/>
+                            </a:rPr>
+                            <m:t>𝒓</m:t>
+                          </m:r>
+                        </m:num>
+                        <m:den>
+                          <m:r>
+                            <a:rPr lang="en-US" altLang="ko-KR" sz="2000" b="1" i="1" smtClean="0">
+                              <a:solidFill>
+                                <a:srgbClr val="4D94CF"/>
+                              </a:solidFill>
+                              <a:latin typeface="Cambria Math" panose="02040503050406030204" pitchFamily="18" charset="0"/>
+                            </a:rPr>
+                            <m:t>𝝏</m:t>
+                          </m:r>
+                          <m:r>
+                            <a:rPr lang="en-US" altLang="ko-KR" sz="2000" b="1" i="1" smtClean="0">
+                              <a:solidFill>
+                                <a:srgbClr val="4D94CF"/>
+                              </a:solidFill>
+                              <a:latin typeface="Cambria Math" panose="02040503050406030204" pitchFamily="18" charset="0"/>
+                            </a:rPr>
+                            <m:t>𝒗</m:t>
+                          </m:r>
+                        </m:den>
+                      </m:f>
+                      <m:r>
+                        <a:rPr lang="en-US" altLang="ko-KR" sz="2000" b="1" i="1" smtClean="0">
+                          <a:solidFill>
+                            <a:srgbClr val="4D94CF"/>
+                          </a:solidFill>
+                          <a:latin typeface="Cambria Math" panose="02040503050406030204" pitchFamily="18" charset="0"/>
+                        </a:rPr>
+                        <m:t>𝒅𝒗</m:t>
+                      </m:r>
+                    </m:oMath>
+                  </m:oMathPara>
+                </a14:m>
+                <a:endParaRPr lang="ko-KR" altLang="en-US" sz="2000" b="1" dirty="0">
+                  <a:solidFill>
+                    <a:srgbClr val="4D94CF"/>
+                  </a:solidFill>
+                </a:endParaRPr>
+              </a:p>
+            </p:txBody>
+          </p:sp>
+        </mc:Choice>
+        <mc:Fallback xmlns="">
+          <p:sp>
+            <p:nvSpPr>
+              <p:cNvPr id="20" name="TextBox 19">
+                <a:extLst>
+                  <a:ext uri="{FF2B5EF4-FFF2-40B4-BE49-F238E27FC236}">
+                    <a16:creationId xmlns:a16="http://schemas.microsoft.com/office/drawing/2014/main" id="{F66C828B-FE96-4132-A241-4BEF3A2C9207}"/>
+                  </a:ext>
+                </a:extLst>
+              </p:cNvPr>
+              <p:cNvSpPr txBox="1">
+                <a:spLocks noRot="1" noChangeAspect="1" noMove="1" noResize="1" noEditPoints="1" noAdjustHandles="1" noChangeArrowheads="1" noChangeShapeType="1" noTextEdit="1"/>
+              </p:cNvSpPr>
+              <p:nvPr/>
+            </p:nvSpPr>
+            <p:spPr>
+              <a:xfrm>
+                <a:off x="6300873" y="3277039"/>
+                <a:ext cx="945579" cy="677558"/>
+              </a:xfrm>
+              <a:prstGeom prst="rect">
+                <a:avLst/>
+              </a:prstGeom>
+              <a:blipFill>
+                <a:blip r:embed="rId5"/>
+                <a:stretch>
+                  <a:fillRect/>
+                </a:stretch>
+              </a:blipFill>
+              <a:ln>
+                <a:noFill/>
+              </a:ln>
+            </p:spPr>
+            <p:txBody>
+              <a:bodyPr/>
+              <a:lstStyle/>
+              <a:p>
+                <a:r>
+                  <a:rPr lang="ko-KR" altLang="en-US">
+                    <a:noFill/>
+                  </a:rPr>
+                  <a:t> </a:t>
+                </a:r>
+              </a:p>
+            </p:txBody>
+          </p:sp>
+        </mc:Fallback>
+      </mc:AlternateContent>
+      <p:sp>
+        <p:nvSpPr>
+          <p:cNvPr id="30" name="원호 29">
+            <a:extLst>
+              <a:ext uri="{FF2B5EF4-FFF2-40B4-BE49-F238E27FC236}">
+                <a16:creationId xmlns:a16="http://schemas.microsoft.com/office/drawing/2014/main" id="{D1D10286-2424-4ECE-B0D7-26FB6849F640}"/>
+              </a:ext>
+            </a:extLst>
+          </p:cNvPr>
+          <p:cNvSpPr/>
+          <p:nvPr/>
+        </p:nvSpPr>
+        <p:spPr>
+          <a:xfrm rot="16826299" flipH="1">
+            <a:off x="6771578" y="3620465"/>
+            <a:ext cx="1051980" cy="342672"/>
+          </a:xfrm>
+          <a:prstGeom prst="arc">
+            <a:avLst>
+              <a:gd name="adj1" fmla="val 18316844"/>
+              <a:gd name="adj2" fmla="val 0"/>
+            </a:avLst>
+          </a:prstGeom>
+          <a:ln w="12700">
+            <a:solidFill>
+              <a:schemeClr val="tx1">
+                <a:lumMod val="50000"/>
+                <a:lumOff val="50000"/>
+              </a:schemeClr>
+            </a:solidFill>
+            <a:prstDash val="dash"/>
+          </a:ln>
+        </p:spPr>
+        <p:style>
+          <a:lnRef idx="1">
+            <a:schemeClr val="accent1"/>
+          </a:lnRef>
+          <a:fillRef idx="0">
+            <a:schemeClr val="accent1"/>
+          </a:fillRef>
+          <a:effectRef idx="0">
+            <a:schemeClr val="accent1"/>
+          </a:effectRef>
+          <a:fontRef idx="minor">
+            <a:schemeClr val="tx1"/>
+          </a:fontRef>
+        </p:style>
+        <p:txBody>
+          <a:bodyPr rtlCol="0" anchor="ctr"/>
+          <a:lstStyle/>
+          <a:p>
+            <a:pPr algn="ctr"/>
+            <a:endParaRPr lang="ko-KR" altLang="en-US"/>
+          </a:p>
+        </p:txBody>
+      </p:sp>
+      <p:sp>
+        <p:nvSpPr>
+          <p:cNvPr id="31" name="원호 30">
+            <a:extLst>
+              <a:ext uri="{FF2B5EF4-FFF2-40B4-BE49-F238E27FC236}">
+                <a16:creationId xmlns:a16="http://schemas.microsoft.com/office/drawing/2014/main" id="{4FCAF1B5-FF98-4055-9461-7B43FFCC66FC}"/>
+              </a:ext>
+            </a:extLst>
+          </p:cNvPr>
+          <p:cNvSpPr/>
+          <p:nvPr/>
+        </p:nvSpPr>
+        <p:spPr>
+          <a:xfrm rot="17364210">
+            <a:off x="6802360" y="3502380"/>
+            <a:ext cx="1051980" cy="335392"/>
+          </a:xfrm>
+          <a:prstGeom prst="arc">
+            <a:avLst>
+              <a:gd name="adj1" fmla="val 18316844"/>
+              <a:gd name="adj2" fmla="val 0"/>
+            </a:avLst>
+          </a:prstGeom>
+          <a:ln w="12700">
+            <a:solidFill>
+              <a:schemeClr val="tx1">
+                <a:lumMod val="50000"/>
+                <a:lumOff val="50000"/>
+              </a:schemeClr>
+            </a:solidFill>
+            <a:prstDash val="dash"/>
+          </a:ln>
+        </p:spPr>
+        <p:style>
+          <a:lnRef idx="1">
+            <a:schemeClr val="accent1"/>
+          </a:lnRef>
+          <a:fillRef idx="0">
+            <a:schemeClr val="accent1"/>
+          </a:fillRef>
+          <a:effectRef idx="0">
+            <a:schemeClr val="accent1"/>
+          </a:effectRef>
+          <a:fontRef idx="minor">
+            <a:schemeClr val="tx1"/>
+          </a:fontRef>
+        </p:style>
+        <p:txBody>
+          <a:bodyPr rtlCol="0" anchor="ctr"/>
+          <a:lstStyle/>
+          <a:p>
+            <a:pPr algn="ctr"/>
+            <a:endParaRPr lang="ko-KR" altLang="en-US"/>
+          </a:p>
+        </p:txBody>
+      </p:sp>
+      <p:sp>
+        <p:nvSpPr>
+          <p:cNvPr id="2" name="자유형: 도형 1">
+            <a:extLst>
+              <a:ext uri="{FF2B5EF4-FFF2-40B4-BE49-F238E27FC236}">
+                <a16:creationId xmlns:a16="http://schemas.microsoft.com/office/drawing/2014/main" id="{D2B96191-36DD-4E34-A9AF-8EC0A0A12940}"/>
+              </a:ext>
+            </a:extLst>
+          </p:cNvPr>
+          <p:cNvSpPr/>
+          <p:nvPr/>
+        </p:nvSpPr>
+        <p:spPr>
+          <a:xfrm rot="14400000">
+            <a:off x="7497160" y="2490020"/>
+            <a:ext cx="1087757" cy="2078306"/>
+          </a:xfrm>
+          <a:custGeom>
+            <a:avLst/>
+            <a:gdLst>
+              <a:gd name="connsiteX0" fmla="*/ 1036948 w 2017336"/>
+              <a:gd name="connsiteY0" fmla="*/ 0 h 2149311"/>
+              <a:gd name="connsiteX1" fmla="*/ 0 w 2017336"/>
+              <a:gd name="connsiteY1" fmla="*/ 1564849 h 2149311"/>
+              <a:gd name="connsiteX2" fmla="*/ 980387 w 2017336"/>
+              <a:gd name="connsiteY2" fmla="*/ 2149311 h 2149311"/>
+              <a:gd name="connsiteX3" fmla="*/ 2017336 w 2017336"/>
+              <a:gd name="connsiteY3" fmla="*/ 339365 h 2149311"/>
+              <a:gd name="connsiteX4" fmla="*/ 1036948 w 2017336"/>
+              <a:gd name="connsiteY4" fmla="*/ 0 h 2149311"/>
+              <a:gd name="connsiteX0" fmla="*/ 1036948 w 2017336"/>
+              <a:gd name="connsiteY0" fmla="*/ 0 h 1564849"/>
+              <a:gd name="connsiteX1" fmla="*/ 0 w 2017336"/>
+              <a:gd name="connsiteY1" fmla="*/ 1564849 h 1564849"/>
+              <a:gd name="connsiteX2" fmla="*/ 736547 w 2017336"/>
+              <a:gd name="connsiteY2" fmla="*/ 1368261 h 1564849"/>
+              <a:gd name="connsiteX3" fmla="*/ 2017336 w 2017336"/>
+              <a:gd name="connsiteY3" fmla="*/ 339365 h 1564849"/>
+              <a:gd name="connsiteX4" fmla="*/ 1036948 w 2017336"/>
+              <a:gd name="connsiteY4" fmla="*/ 0 h 1564849"/>
+              <a:gd name="connsiteX0" fmla="*/ 945508 w 1925896"/>
+              <a:gd name="connsiteY0" fmla="*/ 0 h 1368261"/>
+              <a:gd name="connsiteX1" fmla="*/ 0 w 1925896"/>
+              <a:gd name="connsiteY1" fmla="*/ 1115269 h 1368261"/>
+              <a:gd name="connsiteX2" fmla="*/ 645107 w 1925896"/>
+              <a:gd name="connsiteY2" fmla="*/ 1368261 h 1368261"/>
+              <a:gd name="connsiteX3" fmla="*/ 1925896 w 1925896"/>
+              <a:gd name="connsiteY3" fmla="*/ 339365 h 1368261"/>
+              <a:gd name="connsiteX4" fmla="*/ 945508 w 1925896"/>
+              <a:gd name="connsiteY4" fmla="*/ 0 h 1368261"/>
+              <a:gd name="connsiteX0" fmla="*/ 1311268 w 1925896"/>
+              <a:gd name="connsiteY0" fmla="*/ 0 h 1048221"/>
+              <a:gd name="connsiteX1" fmla="*/ 0 w 1925896"/>
+              <a:gd name="connsiteY1" fmla="*/ 795229 h 1048221"/>
+              <a:gd name="connsiteX2" fmla="*/ 645107 w 1925896"/>
+              <a:gd name="connsiteY2" fmla="*/ 1048221 h 1048221"/>
+              <a:gd name="connsiteX3" fmla="*/ 1925896 w 1925896"/>
+              <a:gd name="connsiteY3" fmla="*/ 19325 h 1048221"/>
+              <a:gd name="connsiteX4" fmla="*/ 1311268 w 1925896"/>
+              <a:gd name="connsiteY4" fmla="*/ 0 h 1048221"/>
+              <a:gd name="connsiteX0" fmla="*/ 1311268 w 1834456"/>
+              <a:gd name="connsiteY0" fmla="*/ 0 h 1048221"/>
+              <a:gd name="connsiteX1" fmla="*/ 0 w 1834456"/>
+              <a:gd name="connsiteY1" fmla="*/ 795229 h 1048221"/>
+              <a:gd name="connsiteX2" fmla="*/ 645107 w 1834456"/>
+              <a:gd name="connsiteY2" fmla="*/ 1048221 h 1048221"/>
+              <a:gd name="connsiteX3" fmla="*/ 1834456 w 1834456"/>
+              <a:gd name="connsiteY3" fmla="*/ 30755 h 1048221"/>
+              <a:gd name="connsiteX4" fmla="*/ 1311268 w 1834456"/>
+              <a:gd name="connsiteY4" fmla="*/ 0 h 1048221"/>
+              <a:gd name="connsiteX0" fmla="*/ 1311268 w 1834456"/>
+              <a:gd name="connsiteY0" fmla="*/ 0 h 991071"/>
+              <a:gd name="connsiteX1" fmla="*/ 0 w 1834456"/>
+              <a:gd name="connsiteY1" fmla="*/ 795229 h 991071"/>
+              <a:gd name="connsiteX2" fmla="*/ 789887 w 1834456"/>
+              <a:gd name="connsiteY2" fmla="*/ 991071 h 991071"/>
+              <a:gd name="connsiteX3" fmla="*/ 1834456 w 1834456"/>
+              <a:gd name="connsiteY3" fmla="*/ 30755 h 991071"/>
+              <a:gd name="connsiteX4" fmla="*/ 1311268 w 1834456"/>
+              <a:gd name="connsiteY4" fmla="*/ 0 h 991071"/>
+              <a:gd name="connsiteX0" fmla="*/ 1075048 w 1834456"/>
+              <a:gd name="connsiteY0" fmla="*/ 0 h 1044411"/>
+              <a:gd name="connsiteX1" fmla="*/ 0 w 1834456"/>
+              <a:gd name="connsiteY1" fmla="*/ 848569 h 1044411"/>
+              <a:gd name="connsiteX2" fmla="*/ 789887 w 1834456"/>
+              <a:gd name="connsiteY2" fmla="*/ 1044411 h 1044411"/>
+              <a:gd name="connsiteX3" fmla="*/ 1834456 w 1834456"/>
+              <a:gd name="connsiteY3" fmla="*/ 84095 h 1044411"/>
+              <a:gd name="connsiteX4" fmla="*/ 1075048 w 1834456"/>
+              <a:gd name="connsiteY4" fmla="*/ 0 h 1044411"/>
+              <a:gd name="connsiteX0" fmla="*/ 1139818 w 1834456"/>
+              <a:gd name="connsiteY0" fmla="*/ 0 h 1013931"/>
+              <a:gd name="connsiteX1" fmla="*/ 0 w 1834456"/>
+              <a:gd name="connsiteY1" fmla="*/ 818089 h 1013931"/>
+              <a:gd name="connsiteX2" fmla="*/ 789887 w 1834456"/>
+              <a:gd name="connsiteY2" fmla="*/ 1013931 h 1013931"/>
+              <a:gd name="connsiteX3" fmla="*/ 1834456 w 1834456"/>
+              <a:gd name="connsiteY3" fmla="*/ 53615 h 1013931"/>
+              <a:gd name="connsiteX4" fmla="*/ 1139818 w 1834456"/>
+              <a:gd name="connsiteY4" fmla="*/ 0 h 1013931"/>
+              <a:gd name="connsiteX0" fmla="*/ 1139818 w 1663006"/>
+              <a:gd name="connsiteY0" fmla="*/ 0 h 1013931"/>
+              <a:gd name="connsiteX1" fmla="*/ 0 w 1663006"/>
+              <a:gd name="connsiteY1" fmla="*/ 818089 h 1013931"/>
+              <a:gd name="connsiteX2" fmla="*/ 789887 w 1663006"/>
+              <a:gd name="connsiteY2" fmla="*/ 1013931 h 1013931"/>
+              <a:gd name="connsiteX3" fmla="*/ 1663006 w 1663006"/>
+              <a:gd name="connsiteY3" fmla="*/ 99335 h 1013931"/>
+              <a:gd name="connsiteX4" fmla="*/ 1139818 w 1663006"/>
+              <a:gd name="connsiteY4" fmla="*/ 0 h 1013931"/>
+              <a:gd name="connsiteX0" fmla="*/ 1139818 w 1663006"/>
+              <a:gd name="connsiteY0" fmla="*/ 0 h 1059651"/>
+              <a:gd name="connsiteX1" fmla="*/ 0 w 1663006"/>
+              <a:gd name="connsiteY1" fmla="*/ 818089 h 1059651"/>
+              <a:gd name="connsiteX2" fmla="*/ 801317 w 1663006"/>
+              <a:gd name="connsiteY2" fmla="*/ 1059651 h 1059651"/>
+              <a:gd name="connsiteX3" fmla="*/ 1663006 w 1663006"/>
+              <a:gd name="connsiteY3" fmla="*/ 99335 h 1059651"/>
+              <a:gd name="connsiteX4" fmla="*/ 1139818 w 1663006"/>
+              <a:gd name="connsiteY4" fmla="*/ 0 h 1059651"/>
+              <a:gd name="connsiteX0" fmla="*/ 1139818 w 1777306"/>
+              <a:gd name="connsiteY0" fmla="*/ 0 h 1059651"/>
+              <a:gd name="connsiteX1" fmla="*/ 0 w 1777306"/>
+              <a:gd name="connsiteY1" fmla="*/ 818089 h 1059651"/>
+              <a:gd name="connsiteX2" fmla="*/ 801317 w 1777306"/>
+              <a:gd name="connsiteY2" fmla="*/ 1059651 h 1059651"/>
+              <a:gd name="connsiteX3" fmla="*/ 1777306 w 1777306"/>
+              <a:gd name="connsiteY3" fmla="*/ 198395 h 1059651"/>
+              <a:gd name="connsiteX4" fmla="*/ 1139818 w 1777306"/>
+              <a:gd name="connsiteY4" fmla="*/ 0 h 1059651"/>
+              <a:gd name="connsiteX0" fmla="*/ 1155058 w 1777306"/>
+              <a:gd name="connsiteY0" fmla="*/ 0 h 1074891"/>
+              <a:gd name="connsiteX1" fmla="*/ 0 w 1777306"/>
+              <a:gd name="connsiteY1" fmla="*/ 833329 h 1074891"/>
+              <a:gd name="connsiteX2" fmla="*/ 801317 w 1777306"/>
+              <a:gd name="connsiteY2" fmla="*/ 1074891 h 1074891"/>
+              <a:gd name="connsiteX3" fmla="*/ 1777306 w 1777306"/>
+              <a:gd name="connsiteY3" fmla="*/ 213635 h 1074891"/>
+              <a:gd name="connsiteX4" fmla="*/ 1155058 w 1777306"/>
+              <a:gd name="connsiteY4" fmla="*/ 0 h 1074891"/>
+              <a:gd name="connsiteX0" fmla="*/ 522598 w 1144846"/>
+              <a:gd name="connsiteY0" fmla="*/ 0 h 1074891"/>
+              <a:gd name="connsiteX1" fmla="*/ 0 w 1144846"/>
+              <a:gd name="connsiteY1" fmla="*/ 467569 h 1074891"/>
+              <a:gd name="connsiteX2" fmla="*/ 168857 w 1144846"/>
+              <a:gd name="connsiteY2" fmla="*/ 1074891 h 1074891"/>
+              <a:gd name="connsiteX3" fmla="*/ 1144846 w 1144846"/>
+              <a:gd name="connsiteY3" fmla="*/ 213635 h 1074891"/>
+              <a:gd name="connsiteX4" fmla="*/ 522598 w 1144846"/>
+              <a:gd name="connsiteY4" fmla="*/ 0 h 1074891"/>
+              <a:gd name="connsiteX0" fmla="*/ 522598 w 1144846"/>
+              <a:gd name="connsiteY0" fmla="*/ 0 h 709131"/>
+              <a:gd name="connsiteX1" fmla="*/ 0 w 1144846"/>
+              <a:gd name="connsiteY1" fmla="*/ 467569 h 709131"/>
+              <a:gd name="connsiteX2" fmla="*/ 652727 w 1144846"/>
+              <a:gd name="connsiteY2" fmla="*/ 709131 h 709131"/>
+              <a:gd name="connsiteX3" fmla="*/ 1144846 w 1144846"/>
+              <a:gd name="connsiteY3" fmla="*/ 213635 h 709131"/>
+              <a:gd name="connsiteX4" fmla="*/ 522598 w 1144846"/>
+              <a:gd name="connsiteY4" fmla="*/ 0 h 709131"/>
+              <a:gd name="connsiteX0" fmla="*/ 506953 w 1129201"/>
+              <a:gd name="connsiteY0" fmla="*/ 0 h 709131"/>
+              <a:gd name="connsiteX1" fmla="*/ 0 w 1129201"/>
+              <a:gd name="connsiteY1" fmla="*/ 470176 h 709131"/>
+              <a:gd name="connsiteX2" fmla="*/ 637082 w 1129201"/>
+              <a:gd name="connsiteY2" fmla="*/ 709131 h 709131"/>
+              <a:gd name="connsiteX3" fmla="*/ 1129201 w 1129201"/>
+              <a:gd name="connsiteY3" fmla="*/ 213635 h 709131"/>
+              <a:gd name="connsiteX4" fmla="*/ 506953 w 1129201"/>
+              <a:gd name="connsiteY4" fmla="*/ 0 h 709131"/>
+              <a:gd name="connsiteX0" fmla="*/ 497826 w 1129201"/>
+              <a:gd name="connsiteY0" fmla="*/ 0 h 705220"/>
+              <a:gd name="connsiteX1" fmla="*/ 0 w 1129201"/>
+              <a:gd name="connsiteY1" fmla="*/ 466265 h 705220"/>
+              <a:gd name="connsiteX2" fmla="*/ 637082 w 1129201"/>
+              <a:gd name="connsiteY2" fmla="*/ 705220 h 705220"/>
+              <a:gd name="connsiteX3" fmla="*/ 1129201 w 1129201"/>
+              <a:gd name="connsiteY3" fmla="*/ 209724 h 705220"/>
+              <a:gd name="connsiteX4" fmla="*/ 497826 w 1129201"/>
+              <a:gd name="connsiteY4" fmla="*/ 0 h 705220"/>
+              <a:gd name="connsiteX0" fmla="*/ 497826 w 1113556"/>
+              <a:gd name="connsiteY0" fmla="*/ 0 h 705220"/>
+              <a:gd name="connsiteX1" fmla="*/ 0 w 1113556"/>
+              <a:gd name="connsiteY1" fmla="*/ 466265 h 705220"/>
+              <a:gd name="connsiteX2" fmla="*/ 637082 w 1113556"/>
+              <a:gd name="connsiteY2" fmla="*/ 705220 h 705220"/>
+              <a:gd name="connsiteX3" fmla="*/ 1113556 w 1113556"/>
+              <a:gd name="connsiteY3" fmla="*/ 211027 h 705220"/>
+              <a:gd name="connsiteX4" fmla="*/ 497826 w 1113556"/>
+              <a:gd name="connsiteY4" fmla="*/ 0 h 705220"/>
+              <a:gd name="connsiteX0" fmla="*/ 497826 w 1113556"/>
+              <a:gd name="connsiteY0" fmla="*/ 0 h 664803"/>
+              <a:gd name="connsiteX1" fmla="*/ 0 w 1113556"/>
+              <a:gd name="connsiteY1" fmla="*/ 466265 h 664803"/>
+              <a:gd name="connsiteX2" fmla="*/ 660550 w 1113556"/>
+              <a:gd name="connsiteY2" fmla="*/ 664803 h 664803"/>
+              <a:gd name="connsiteX3" fmla="*/ 1113556 w 1113556"/>
+              <a:gd name="connsiteY3" fmla="*/ 211027 h 664803"/>
+              <a:gd name="connsiteX4" fmla="*/ 497826 w 1113556"/>
+              <a:gd name="connsiteY4" fmla="*/ 0 h 664803"/>
+              <a:gd name="connsiteX0" fmla="*/ 497826 w 1113556"/>
+              <a:gd name="connsiteY0" fmla="*/ 0 h 696093"/>
+              <a:gd name="connsiteX1" fmla="*/ 0 w 1113556"/>
+              <a:gd name="connsiteY1" fmla="*/ 466265 h 696093"/>
+              <a:gd name="connsiteX2" fmla="*/ 637082 w 1113556"/>
+              <a:gd name="connsiteY2" fmla="*/ 696093 h 696093"/>
+              <a:gd name="connsiteX3" fmla="*/ 1113556 w 1113556"/>
+              <a:gd name="connsiteY3" fmla="*/ 211027 h 696093"/>
+              <a:gd name="connsiteX4" fmla="*/ 497826 w 1113556"/>
+              <a:gd name="connsiteY4" fmla="*/ 0 h 696093"/>
+              <a:gd name="connsiteX0" fmla="*/ 497826 w 1113556"/>
+              <a:gd name="connsiteY0" fmla="*/ 0 h 721125"/>
+              <a:gd name="connsiteX1" fmla="*/ 0 w 1113556"/>
+              <a:gd name="connsiteY1" fmla="*/ 466265 h 721125"/>
+              <a:gd name="connsiteX2" fmla="*/ 695491 w 1113556"/>
+              <a:gd name="connsiteY2" fmla="*/ 721125 h 721125"/>
+              <a:gd name="connsiteX3" fmla="*/ 1113556 w 1113556"/>
+              <a:gd name="connsiteY3" fmla="*/ 211027 h 721125"/>
+              <a:gd name="connsiteX4" fmla="*/ 497826 w 1113556"/>
+              <a:gd name="connsiteY4" fmla="*/ 0 h 721125"/>
+              <a:gd name="connsiteX0" fmla="*/ 497826 w 1113556"/>
+              <a:gd name="connsiteY0" fmla="*/ 0 h 728948"/>
+              <a:gd name="connsiteX1" fmla="*/ 0 w 1113556"/>
+              <a:gd name="connsiteY1" fmla="*/ 466265 h 728948"/>
+              <a:gd name="connsiteX2" fmla="*/ 617265 w 1113556"/>
+              <a:gd name="connsiteY2" fmla="*/ 728948 h 728948"/>
+              <a:gd name="connsiteX3" fmla="*/ 1113556 w 1113556"/>
+              <a:gd name="connsiteY3" fmla="*/ 211027 h 728948"/>
+              <a:gd name="connsiteX4" fmla="*/ 497826 w 1113556"/>
+              <a:gd name="connsiteY4" fmla="*/ 0 h 728948"/>
+              <a:gd name="connsiteX0" fmla="*/ 124846 w 1113556"/>
+              <a:gd name="connsiteY0" fmla="*/ 0 h 1028593"/>
+              <a:gd name="connsiteX1" fmla="*/ 0 w 1113556"/>
+              <a:gd name="connsiteY1" fmla="*/ 765910 h 1028593"/>
+              <a:gd name="connsiteX2" fmla="*/ 617265 w 1113556"/>
+              <a:gd name="connsiteY2" fmla="*/ 1028593 h 1028593"/>
+              <a:gd name="connsiteX3" fmla="*/ 1113556 w 1113556"/>
+              <a:gd name="connsiteY3" fmla="*/ 510672 h 1028593"/>
+              <a:gd name="connsiteX4" fmla="*/ 124846 w 1113556"/>
+              <a:gd name="connsiteY4" fmla="*/ 0 h 1028593"/>
+              <a:gd name="connsiteX0" fmla="*/ 169827 w 1158537"/>
+              <a:gd name="connsiteY0" fmla="*/ 0 h 1028593"/>
+              <a:gd name="connsiteX1" fmla="*/ 0 w 1158537"/>
+              <a:gd name="connsiteY1" fmla="*/ 892494 h 1028593"/>
+              <a:gd name="connsiteX2" fmla="*/ 662246 w 1158537"/>
+              <a:gd name="connsiteY2" fmla="*/ 1028593 h 1028593"/>
+              <a:gd name="connsiteX3" fmla="*/ 1158537 w 1158537"/>
+              <a:gd name="connsiteY3" fmla="*/ 510672 h 1028593"/>
+              <a:gd name="connsiteX4" fmla="*/ 169827 w 1158537"/>
+              <a:gd name="connsiteY4" fmla="*/ 0 h 1028593"/>
+              <a:gd name="connsiteX0" fmla="*/ 169827 w 744452"/>
+              <a:gd name="connsiteY0" fmla="*/ 0 h 1028593"/>
+              <a:gd name="connsiteX1" fmla="*/ 0 w 744452"/>
+              <a:gd name="connsiteY1" fmla="*/ 892494 h 1028593"/>
+              <a:gd name="connsiteX2" fmla="*/ 662246 w 744452"/>
+              <a:gd name="connsiteY2" fmla="*/ 1028593 h 1028593"/>
+              <a:gd name="connsiteX3" fmla="*/ 744452 w 744452"/>
+              <a:gd name="connsiteY3" fmla="*/ 532546 h 1028593"/>
+              <a:gd name="connsiteX4" fmla="*/ 169827 w 744452"/>
+              <a:gd name="connsiteY4" fmla="*/ 0 h 1028593"/>
+              <a:gd name="connsiteX0" fmla="*/ 169827 w 744452"/>
+              <a:gd name="connsiteY0" fmla="*/ 0 h 1654374"/>
+              <a:gd name="connsiteX1" fmla="*/ 0 w 744452"/>
+              <a:gd name="connsiteY1" fmla="*/ 892494 h 1654374"/>
+              <a:gd name="connsiteX2" fmla="*/ 577957 w 744452"/>
+              <a:gd name="connsiteY2" fmla="*/ 1654374 h 1654374"/>
+              <a:gd name="connsiteX3" fmla="*/ 744452 w 744452"/>
+              <a:gd name="connsiteY3" fmla="*/ 532546 h 1654374"/>
+              <a:gd name="connsiteX4" fmla="*/ 169827 w 744452"/>
+              <a:gd name="connsiteY4" fmla="*/ 0 h 1654374"/>
+              <a:gd name="connsiteX0" fmla="*/ 169827 w 744452"/>
+              <a:gd name="connsiteY0" fmla="*/ 0 h 1422375"/>
+              <a:gd name="connsiteX1" fmla="*/ 0 w 744452"/>
+              <a:gd name="connsiteY1" fmla="*/ 892494 h 1422375"/>
+              <a:gd name="connsiteX2" fmla="*/ 579422 w 744452"/>
+              <a:gd name="connsiteY2" fmla="*/ 1422375 h 1422375"/>
+              <a:gd name="connsiteX3" fmla="*/ 744452 w 744452"/>
+              <a:gd name="connsiteY3" fmla="*/ 532546 h 1422375"/>
+              <a:gd name="connsiteX4" fmla="*/ 169827 w 744452"/>
+              <a:gd name="connsiteY4" fmla="*/ 0 h 1422375"/>
+            </a:gdLst>
+            <a:ahLst/>
+            <a:cxnLst>
+              <a:cxn ang="0">
+                <a:pos x="connsiteX0" y="connsiteY0"/>
+              </a:cxn>
+              <a:cxn ang="0">
+                <a:pos x="connsiteX1" y="connsiteY1"/>
+              </a:cxn>
+              <a:cxn ang="0">
+                <a:pos x="connsiteX2" y="connsiteY2"/>
+              </a:cxn>
+              <a:cxn ang="0">
+                <a:pos x="connsiteX3" y="connsiteY3"/>
+              </a:cxn>
+              <a:cxn ang="0">
+                <a:pos x="connsiteX4" y="connsiteY4"/>
+              </a:cxn>
+            </a:cxnLst>
+            <a:rect l="l" t="t" r="r" b="b"/>
+            <a:pathLst>
+              <a:path w="744452" h="1422375">
+                <a:moveTo>
+                  <a:pt x="169827" y="0"/>
+                </a:moveTo>
+                <a:lnTo>
+                  <a:pt x="0" y="892494"/>
+                </a:lnTo>
+                <a:lnTo>
+                  <a:pt x="579422" y="1422375"/>
+                </a:lnTo>
+                <a:lnTo>
+                  <a:pt x="744452" y="532546"/>
+                </a:lnTo>
+                <a:lnTo>
+                  <a:pt x="169827" y="0"/>
+                </a:lnTo>
+                <a:close/>
+              </a:path>
+            </a:pathLst>
+          </a:custGeom>
+          <a:solidFill>
+            <a:schemeClr val="accent4">
+              <a:alpha val="38000"/>
+            </a:schemeClr>
+          </a:solidFill>
+          <a:ln>
+            <a:noFill/>
+          </a:ln>
+        </p:spPr>
+        <p:style>
+          <a:lnRef idx="2">
+            <a:schemeClr val="accent1">
+              <a:shade val="50000"/>
+            </a:schemeClr>
+          </a:lnRef>
+          <a:fillRef idx="1">
+            <a:schemeClr val="accent1"/>
+          </a:fillRef>
+          <a:effectRef idx="0">
+            <a:schemeClr val="accent1"/>
+          </a:effectRef>
+          <a:fontRef idx="minor">
+            <a:schemeClr val="lt1"/>
+          </a:fontRef>
+        </p:style>
+        <p:txBody>
+          <a:bodyPr rtlCol="0" anchor="ctr"/>
+          <a:lstStyle/>
+          <a:p>
+            <a:pPr algn="ctr"/>
+            <a:endParaRPr lang="ko-KR" altLang="en-US"/>
+          </a:p>
+        </p:txBody>
+      </p:sp>
+      <p:cxnSp>
+        <p:nvCxnSpPr>
+          <p:cNvPr id="17" name="직선 화살표 연결선 16">
+            <a:extLst>
+              <a:ext uri="{FF2B5EF4-FFF2-40B4-BE49-F238E27FC236}">
+                <a16:creationId xmlns:a16="http://schemas.microsoft.com/office/drawing/2014/main" id="{32E73DA3-ABCD-490A-9A90-FF2F5074A617}"/>
+              </a:ext>
+            </a:extLst>
+          </p:cNvPr>
+          <p:cNvCxnSpPr>
+            <a:cxnSpLocks/>
+          </p:cNvCxnSpPr>
+          <p:nvPr/>
+        </p:nvCxnSpPr>
+        <p:spPr>
+          <a:xfrm flipV="1">
+            <a:off x="7271818" y="3872624"/>
+            <a:ext cx="1283057" cy="453252"/>
+          </a:xfrm>
+          <a:prstGeom prst="straightConnector1">
+            <a:avLst/>
+          </a:prstGeom>
+          <a:ln w="19050">
+            <a:solidFill>
+              <a:srgbClr val="EF5454"/>
+            </a:solidFill>
+            <a:tailEnd type="triangle"/>
+          </a:ln>
+        </p:spPr>
+        <p:style>
+          <a:lnRef idx="1">
+            <a:schemeClr val="accent1"/>
+          </a:lnRef>
+          <a:fillRef idx="0">
+            <a:schemeClr val="accent1"/>
+          </a:fillRef>
+          <a:effectRef idx="0">
+            <a:schemeClr val="accent1"/>
+          </a:effectRef>
+          <a:fontRef idx="minor">
+            <a:schemeClr val="tx1"/>
+          </a:fontRef>
+        </p:style>
+      </p:cxnSp>
+      <p:cxnSp>
+        <p:nvCxnSpPr>
+          <p:cNvPr id="18" name="직선 화살표 연결선 17">
+            <a:extLst>
+              <a:ext uri="{FF2B5EF4-FFF2-40B4-BE49-F238E27FC236}">
+                <a16:creationId xmlns:a16="http://schemas.microsoft.com/office/drawing/2014/main" id="{5D9A2A11-EA9D-4599-881A-F36285D1C13B}"/>
+              </a:ext>
+            </a:extLst>
+          </p:cNvPr>
+          <p:cNvCxnSpPr>
+            <a:cxnSpLocks/>
+          </p:cNvCxnSpPr>
+          <p:nvPr/>
+        </p:nvCxnSpPr>
+        <p:spPr>
+          <a:xfrm flipV="1">
+            <a:off x="7275654" y="3159699"/>
+            <a:ext cx="264196" cy="1161123"/>
+          </a:xfrm>
+          <a:prstGeom prst="straightConnector1">
+            <a:avLst/>
+          </a:prstGeom>
+          <a:ln w="19050">
+            <a:solidFill>
+              <a:srgbClr val="4D94CF"/>
+            </a:solidFill>
+            <a:tailEnd type="triangle"/>
+          </a:ln>
+        </p:spPr>
+        <p:style>
+          <a:lnRef idx="1">
+            <a:schemeClr val="accent1"/>
+          </a:lnRef>
+          <a:fillRef idx="0">
+            <a:schemeClr val="accent1"/>
+          </a:fillRef>
+          <a:effectRef idx="0">
+            <a:schemeClr val="accent1"/>
+          </a:effectRef>
+          <a:fontRef idx="minor">
+            <a:schemeClr val="tx1"/>
+          </a:fontRef>
+        </p:style>
+      </p:cxnSp>
+      <p:sp>
+        <p:nvSpPr>
+          <p:cNvPr id="16" name="타원 15">
+            <a:extLst>
+              <a:ext uri="{FF2B5EF4-FFF2-40B4-BE49-F238E27FC236}">
+                <a16:creationId xmlns:a16="http://schemas.microsoft.com/office/drawing/2014/main" id="{C327CA3B-2367-4078-91EB-D51B8E900759}"/>
+              </a:ext>
+            </a:extLst>
+          </p:cNvPr>
+          <p:cNvSpPr/>
+          <p:nvPr/>
+        </p:nvSpPr>
+        <p:spPr>
+          <a:xfrm rot="14400000">
+            <a:off x="7204735" y="4250303"/>
+            <a:ext cx="141278" cy="141544"/>
+          </a:xfrm>
+          <a:prstGeom prst="ellipse">
+            <a:avLst/>
+          </a:prstGeom>
+          <a:solidFill>
+            <a:srgbClr val="EF5454"/>
+          </a:solidFill>
+          <a:ln>
+            <a:noFill/>
+          </a:ln>
+        </p:spPr>
+        <p:style>
+          <a:lnRef idx="2">
+            <a:schemeClr val="accent1">
+              <a:shade val="50000"/>
+            </a:schemeClr>
+          </a:lnRef>
+          <a:fillRef idx="1">
+            <a:schemeClr val="accent1"/>
+          </a:fillRef>
+          <a:effectRef idx="0">
+            <a:schemeClr val="accent1"/>
+          </a:effectRef>
+          <a:fontRef idx="minor">
+            <a:schemeClr val="lt1"/>
+          </a:fontRef>
+        </p:style>
+        <p:txBody>
+          <a:bodyPr rtlCol="0" anchor="ctr"/>
+          <a:lstStyle/>
+          <a:p>
+            <a:pPr algn="ctr"/>
+            <a:endParaRPr lang="ko-KR" altLang="en-US"/>
+          </a:p>
+        </p:txBody>
+      </p:sp>
+      <p:grpSp>
+        <p:nvGrpSpPr>
+          <p:cNvPr id="42" name="그룹 41">
+            <a:extLst>
+              <a:ext uri="{FF2B5EF4-FFF2-40B4-BE49-F238E27FC236}">
+                <a16:creationId xmlns:a16="http://schemas.microsoft.com/office/drawing/2014/main" id="{69F2C86C-AA4C-4BE0-85AD-BD5A786CCEE2}"/>
+              </a:ext>
+            </a:extLst>
+          </p:cNvPr>
+          <p:cNvGrpSpPr/>
+          <p:nvPr/>
+        </p:nvGrpSpPr>
+        <p:grpSpPr>
+          <a:xfrm>
+            <a:off x="7313949" y="4030248"/>
+            <a:ext cx="1276134" cy="385793"/>
+            <a:chOff x="7238176" y="4030248"/>
+            <a:chExt cx="1276134" cy="385793"/>
+          </a:xfrm>
+        </p:grpSpPr>
+        <p:sp>
+          <p:nvSpPr>
+            <p:cNvPr id="33" name="원호 32">
+              <a:extLst>
+                <a:ext uri="{FF2B5EF4-FFF2-40B4-BE49-F238E27FC236}">
+                  <a16:creationId xmlns:a16="http://schemas.microsoft.com/office/drawing/2014/main" id="{736562BB-667B-4E05-979F-D2240135F8DC}"/>
+                </a:ext>
+              </a:extLst>
+            </p:cNvPr>
+            <p:cNvSpPr/>
+            <p:nvPr/>
+          </p:nvSpPr>
+          <p:spPr>
+            <a:xfrm rot="9350251" flipH="1">
+              <a:off x="7366808" y="4030248"/>
+              <a:ext cx="1147502" cy="342672"/>
+            </a:xfrm>
+            <a:prstGeom prst="arc">
+              <a:avLst>
+                <a:gd name="adj1" fmla="val 18316844"/>
+                <a:gd name="adj2" fmla="val 0"/>
+              </a:avLst>
+            </a:prstGeom>
+            <a:ln w="12700">
+              <a:solidFill>
+                <a:schemeClr val="tx1">
+                  <a:lumMod val="50000"/>
+                  <a:lumOff val="50000"/>
+                </a:schemeClr>
+              </a:solidFill>
+              <a:prstDash val="dash"/>
+            </a:ln>
+          </p:spPr>
+          <p:style>
+            <a:lnRef idx="1">
+              <a:schemeClr val="accent1"/>
+            </a:lnRef>
+            <a:fillRef idx="0">
+              <a:schemeClr val="accent1"/>
+            </a:fillRef>
+            <a:effectRef idx="0">
+              <a:schemeClr val="accent1"/>
+            </a:effectRef>
+            <a:fontRef idx="minor">
+              <a:schemeClr val="tx1"/>
+            </a:fontRef>
+          </p:style>
+          <p:txBody>
+            <a:bodyPr rtlCol="0" anchor="ctr"/>
+            <a:lstStyle/>
+            <a:p>
+              <a:pPr algn="ctr"/>
+              <a:endParaRPr lang="ko-KR" altLang="en-US"/>
+            </a:p>
+          </p:txBody>
+        </p:sp>
+        <p:sp>
+          <p:nvSpPr>
+            <p:cNvPr id="34" name="원호 33">
+              <a:extLst>
+                <a:ext uri="{FF2B5EF4-FFF2-40B4-BE49-F238E27FC236}">
+                  <a16:creationId xmlns:a16="http://schemas.microsoft.com/office/drawing/2014/main" id="{7FFF9A3B-9D55-4120-96C1-743428A86D2F}"/>
+                </a:ext>
+              </a:extLst>
+            </p:cNvPr>
+            <p:cNvSpPr/>
+            <p:nvPr/>
+          </p:nvSpPr>
+          <p:spPr>
+            <a:xfrm rot="9888162">
+              <a:off x="7238176" y="4080649"/>
+              <a:ext cx="1147502" cy="335392"/>
+            </a:xfrm>
+            <a:prstGeom prst="arc">
+              <a:avLst>
+                <a:gd name="adj1" fmla="val 18316844"/>
+                <a:gd name="adj2" fmla="val 0"/>
+              </a:avLst>
+            </a:prstGeom>
+            <a:ln w="12700">
+              <a:solidFill>
+                <a:schemeClr val="tx1">
+                  <a:lumMod val="50000"/>
+                  <a:lumOff val="50000"/>
+                </a:schemeClr>
+              </a:solidFill>
+              <a:prstDash val="dash"/>
+            </a:ln>
+          </p:spPr>
+          <p:style>
+            <a:lnRef idx="1">
+              <a:schemeClr val="accent1"/>
+            </a:lnRef>
+            <a:fillRef idx="0">
+              <a:schemeClr val="accent1"/>
+            </a:fillRef>
+            <a:effectRef idx="0">
+              <a:schemeClr val="accent1"/>
+            </a:effectRef>
+            <a:fontRef idx="minor">
+              <a:schemeClr val="tx1"/>
+            </a:fontRef>
+          </p:style>
+          <p:txBody>
+            <a:bodyPr rtlCol="0" anchor="ctr"/>
+            <a:lstStyle/>
+            <a:p>
+              <a:pPr algn="ctr"/>
+              <a:endParaRPr lang="ko-KR" altLang="en-US"/>
+            </a:p>
+          </p:txBody>
+        </p:sp>
+      </p:grpSp>
+      <p:grpSp>
+        <p:nvGrpSpPr>
+          <p:cNvPr id="46" name="그룹 45">
+            <a:extLst>
+              <a:ext uri="{FF2B5EF4-FFF2-40B4-BE49-F238E27FC236}">
+                <a16:creationId xmlns:a16="http://schemas.microsoft.com/office/drawing/2014/main" id="{E8A8ADBC-97EB-4249-A315-37E9691B3502}"/>
+              </a:ext>
+            </a:extLst>
+          </p:cNvPr>
+          <p:cNvGrpSpPr/>
+          <p:nvPr/>
+        </p:nvGrpSpPr>
+        <p:grpSpPr>
+          <a:xfrm rot="6597656">
+            <a:off x="3184073" y="3439578"/>
+            <a:ext cx="943816" cy="331650"/>
+            <a:chOff x="7238176" y="4030248"/>
+            <a:chExt cx="1276134" cy="385793"/>
+          </a:xfrm>
+        </p:grpSpPr>
+        <p:sp>
+          <p:nvSpPr>
+            <p:cNvPr id="47" name="원호 46">
+              <a:extLst>
+                <a:ext uri="{FF2B5EF4-FFF2-40B4-BE49-F238E27FC236}">
+                  <a16:creationId xmlns:a16="http://schemas.microsoft.com/office/drawing/2014/main" id="{CEE7BBD6-B91D-4C3B-8A78-E1577F289B5B}"/>
+                </a:ext>
+              </a:extLst>
+            </p:cNvPr>
+            <p:cNvSpPr/>
+            <p:nvPr/>
+          </p:nvSpPr>
+          <p:spPr>
+            <a:xfrm rot="9350251" flipH="1">
+              <a:off x="7366808" y="4030248"/>
+              <a:ext cx="1147502" cy="342672"/>
+            </a:xfrm>
+            <a:prstGeom prst="arc">
+              <a:avLst>
+                <a:gd name="adj1" fmla="val 18316844"/>
+                <a:gd name="adj2" fmla="val 0"/>
+              </a:avLst>
+            </a:prstGeom>
+            <a:ln w="12700">
+              <a:solidFill>
+                <a:schemeClr val="tx1">
+                  <a:lumMod val="50000"/>
+                  <a:lumOff val="50000"/>
+                </a:schemeClr>
+              </a:solidFill>
+              <a:prstDash val="dash"/>
+            </a:ln>
+          </p:spPr>
+          <p:style>
+            <a:lnRef idx="1">
+              <a:schemeClr val="accent1"/>
+            </a:lnRef>
+            <a:fillRef idx="0">
+              <a:schemeClr val="accent1"/>
+            </a:fillRef>
+            <a:effectRef idx="0">
+              <a:schemeClr val="accent1"/>
+            </a:effectRef>
+            <a:fontRef idx="minor">
+              <a:schemeClr val="tx1"/>
+            </a:fontRef>
+          </p:style>
+          <p:txBody>
+            <a:bodyPr rtlCol="0" anchor="ctr"/>
+            <a:lstStyle/>
+            <a:p>
+              <a:pPr algn="ctr"/>
+              <a:endParaRPr lang="ko-KR" altLang="en-US"/>
+            </a:p>
+          </p:txBody>
+        </p:sp>
+        <p:sp>
+          <p:nvSpPr>
+            <p:cNvPr id="48" name="원호 47">
+              <a:extLst>
+                <a:ext uri="{FF2B5EF4-FFF2-40B4-BE49-F238E27FC236}">
+                  <a16:creationId xmlns:a16="http://schemas.microsoft.com/office/drawing/2014/main" id="{CB7E7AAC-DCD2-42F7-961F-A2F53AB9A21D}"/>
+                </a:ext>
+              </a:extLst>
+            </p:cNvPr>
+            <p:cNvSpPr/>
+            <p:nvPr/>
+          </p:nvSpPr>
+          <p:spPr>
+            <a:xfrm rot="9888162">
+              <a:off x="7238176" y="4080649"/>
+              <a:ext cx="1147502" cy="335392"/>
+            </a:xfrm>
+            <a:prstGeom prst="arc">
+              <a:avLst>
+                <a:gd name="adj1" fmla="val 18316844"/>
+                <a:gd name="adj2" fmla="val 0"/>
+              </a:avLst>
+            </a:prstGeom>
+            <a:ln w="12700">
+              <a:solidFill>
+                <a:schemeClr val="tx1">
+                  <a:lumMod val="50000"/>
+                  <a:lumOff val="50000"/>
+                </a:schemeClr>
+              </a:solidFill>
+              <a:prstDash val="dash"/>
+            </a:ln>
+          </p:spPr>
+          <p:style>
+            <a:lnRef idx="1">
+              <a:schemeClr val="accent1"/>
+            </a:lnRef>
+            <a:fillRef idx="0">
+              <a:schemeClr val="accent1"/>
+            </a:fillRef>
+            <a:effectRef idx="0">
+              <a:schemeClr val="accent1"/>
+            </a:effectRef>
+            <a:fontRef idx="minor">
+              <a:schemeClr val="tx1"/>
+            </a:fontRef>
+          </p:style>
+          <p:txBody>
+            <a:bodyPr rtlCol="0" anchor="ctr"/>
+            <a:lstStyle/>
+            <a:p>
+              <a:pPr algn="ctr"/>
+              <a:endParaRPr lang="ko-KR" altLang="en-US"/>
+            </a:p>
+          </p:txBody>
+        </p:sp>
+      </p:grpSp>
+      <p:sp>
+        <p:nvSpPr>
+          <p:cNvPr id="10" name="타원 9">
+            <a:extLst>
+              <a:ext uri="{FF2B5EF4-FFF2-40B4-BE49-F238E27FC236}">
+                <a16:creationId xmlns:a16="http://schemas.microsoft.com/office/drawing/2014/main" id="{FA4F0841-64BA-4078-A5C7-275F18B0CC2F}"/>
+              </a:ext>
+            </a:extLst>
+          </p:cNvPr>
+          <p:cNvSpPr/>
+          <p:nvPr/>
+        </p:nvSpPr>
+        <p:spPr>
+          <a:xfrm>
+            <a:off x="3671742" y="4059236"/>
+            <a:ext cx="144000" cy="144000"/>
+          </a:xfrm>
+          <a:prstGeom prst="ellipse">
+            <a:avLst/>
+          </a:prstGeom>
+          <a:solidFill>
+            <a:srgbClr val="EF5454"/>
+          </a:solidFill>
+          <a:ln>
+            <a:noFill/>
+          </a:ln>
+        </p:spPr>
+        <p:style>
+          <a:lnRef idx="2">
+            <a:schemeClr val="accent1">
+              <a:shade val="50000"/>
+            </a:schemeClr>
+          </a:lnRef>
+          <a:fillRef idx="1">
+            <a:schemeClr val="accent1"/>
+          </a:fillRef>
+          <a:effectRef idx="0">
+            <a:schemeClr val="accent1"/>
+          </a:effectRef>
+          <a:fontRef idx="minor">
+            <a:schemeClr val="lt1"/>
+          </a:fontRef>
+        </p:style>
+        <p:txBody>
+          <a:bodyPr rtlCol="0" anchor="ctr"/>
+          <a:lstStyle/>
+          <a:p>
+            <a:pPr algn="ctr"/>
+            <a:endParaRPr lang="ko-KR" altLang="en-US"/>
+          </a:p>
+        </p:txBody>
+      </p:sp>
+      <mc:AlternateContent xmlns:mc="http://schemas.openxmlformats.org/markup-compatibility/2006" xmlns:a14="http://schemas.microsoft.com/office/drawing/2010/main">
+        <mc:Choice Requires="a14">
+          <p:sp>
+            <p:nvSpPr>
+              <p:cNvPr id="49" name="TextBox 48">
+                <a:extLst>
+                  <a:ext uri="{FF2B5EF4-FFF2-40B4-BE49-F238E27FC236}">
+                    <a16:creationId xmlns:a16="http://schemas.microsoft.com/office/drawing/2014/main" id="{77CA1291-3360-46E8-B7CE-00AEE9E4DA39}"/>
+                  </a:ext>
+                </a:extLst>
+              </p:cNvPr>
+              <p:cNvSpPr txBox="1"/>
+              <p:nvPr/>
+            </p:nvSpPr>
+            <p:spPr>
+              <a:xfrm>
+                <a:off x="7753439" y="3400257"/>
+                <a:ext cx="525785" cy="369332"/>
+              </a:xfrm>
+              <a:prstGeom prst="rect">
+                <a:avLst/>
+              </a:prstGeom>
+              <a:noFill/>
+            </p:spPr>
+            <p:txBody>
+              <a:bodyPr wrap="none" rtlCol="0">
+                <a:spAutoFit/>
+              </a:bodyPr>
+              <a:lstStyle/>
+              <a:p>
+                <a:pPr/>
+                <a14:m>
+                  <m:oMathPara xmlns:m="http://schemas.openxmlformats.org/officeDocument/2006/math">
+                    <m:oMathParaPr>
+                      <m:jc m:val="centerGroup"/>
+                    </m:oMathParaPr>
+                    <m:oMath xmlns:m="http://schemas.openxmlformats.org/officeDocument/2006/math">
+                      <m:r>
+                        <a:rPr lang="en-US" altLang="ko-KR" b="0" i="1" smtClean="0">
+                          <a:latin typeface="Cambria Math" panose="02040503050406030204" pitchFamily="18" charset="0"/>
+                        </a:rPr>
+                        <m:t>𝑑𝑆</m:t>
+                      </m:r>
+                    </m:oMath>
+                  </m:oMathPara>
+                </a14:m>
+                <a:endParaRPr lang="ko-KR" altLang="en-US" dirty="0"/>
+              </a:p>
+            </p:txBody>
+          </p:sp>
+        </mc:Choice>
+        <mc:Fallback xmlns="">
+          <p:sp>
+            <p:nvSpPr>
+              <p:cNvPr id="49" name="TextBox 48">
+                <a:extLst>
+                  <a:ext uri="{FF2B5EF4-FFF2-40B4-BE49-F238E27FC236}">
+                    <a16:creationId xmlns:a16="http://schemas.microsoft.com/office/drawing/2014/main" id="{77CA1291-3360-46E8-B7CE-00AEE9E4DA39}"/>
+                  </a:ext>
+                </a:extLst>
+              </p:cNvPr>
+              <p:cNvSpPr txBox="1">
+                <a:spLocks noRot="1" noChangeAspect="1" noMove="1" noResize="1" noEditPoints="1" noAdjustHandles="1" noChangeArrowheads="1" noChangeShapeType="1" noTextEdit="1"/>
+              </p:cNvSpPr>
+              <p:nvPr/>
+            </p:nvSpPr>
+            <p:spPr>
+              <a:xfrm>
+                <a:off x="7753439" y="3400257"/>
+                <a:ext cx="525785" cy="369332"/>
+              </a:xfrm>
+              <a:prstGeom prst="rect">
+                <a:avLst/>
+              </a:prstGeom>
+              <a:blipFill>
+                <a:blip r:embed="rId6"/>
+                <a:stretch>
+                  <a:fillRect/>
+                </a:stretch>
+              </a:blipFill>
+            </p:spPr>
+            <p:txBody>
+              <a:bodyPr/>
+              <a:lstStyle/>
+              <a:p>
+                <a:r>
+                  <a:rPr lang="ko-KR" altLang="en-US">
+                    <a:noFill/>
+                  </a:rPr>
+                  <a:t> </a:t>
+                </a:r>
+              </a:p>
+            </p:txBody>
+          </p:sp>
+        </mc:Fallback>
+      </mc:AlternateContent>
+    </p:spTree>
+    <p:extLst>
+      <p:ext uri="{BB962C8B-B14F-4D97-AF65-F5344CB8AC3E}">
+        <p14:creationId xmlns:p14="http://schemas.microsoft.com/office/powerpoint/2010/main" val="4038126234"/>
+      </p:ext>
+    </p:extLst>
+  </p:cSld>
+  <p:clrMapOvr>
+    <a:masterClrMapping/>
+  </p:clrMapOvr>
+</p:sld>
+</file>
+
+<file path=ppt/slides/slide4.xml><?xml version="1.0" encoding="utf-8"?>
 <p:sld xmlns:a="http://schemas.openxmlformats.org/drawingml/2006/main" xmlns:r="http://schemas.openxmlformats.org/officeDocument/2006/relationships" xmlns:p="http://schemas.openxmlformats.org/presentationml/2006/main">
   <p:cSld>
     <p:spTree>
@@ -7497,8 +9388,8 @@
           </a:p>
         </p:txBody>
       </p:sp>
-      <mc:AlternateContent xmlns:mc="http://schemas.openxmlformats.org/markup-compatibility/2006">
-        <mc:Choice xmlns:a14="http://schemas.microsoft.com/office/drawing/2010/main" Requires="a14">
+      <mc:AlternateContent xmlns:mc="http://schemas.openxmlformats.org/markup-compatibility/2006" xmlns:a14="http://schemas.microsoft.com/office/drawing/2010/main">
+        <mc:Choice Requires="a14">
           <p:sp>
             <p:nvSpPr>
               <p:cNvPr id="10" name="TextBox 9">
@@ -7538,13 +9429,7 @@
                         <a:rPr lang="en-US" altLang="ko-KR" sz="1600" b="0" i="1" smtClean="0">
                           <a:latin typeface="Cambria Math" panose="02040503050406030204" pitchFamily="18" charset="0"/>
                         </a:rPr>
-                        <m:t>𝑑</m:t>
-                      </m:r>
-                      <m:r>
-                        <a:rPr lang="en-US" altLang="ko-KR" sz="1600" b="0" i="1" smtClean="0">
-                          <a:latin typeface="Cambria Math" panose="02040503050406030204" pitchFamily="18" charset="0"/>
-                        </a:rPr>
-                        <m:t>𝑠</m:t>
+                        <m:t>𝑑𝑠</m:t>
                       </m:r>
                     </m:oMath>
                   </m:oMathPara>
@@ -7554,7 +9439,7 @@
             </p:txBody>
           </p:sp>
         </mc:Choice>
-        <mc:Fallback>
+        <mc:Fallback xmlns="">
           <p:sp>
             <p:nvSpPr>
               <p:cNvPr id="10" name="TextBox 9">
@@ -7599,8 +9484,8 @@
           </p:sp>
         </mc:Fallback>
       </mc:AlternateContent>
-      <mc:AlternateContent xmlns:mc="http://schemas.openxmlformats.org/markup-compatibility/2006">
-        <mc:Choice xmlns:a14="http://schemas.microsoft.com/office/drawing/2010/main" Requires="a14">
+      <mc:AlternateContent xmlns:mc="http://schemas.openxmlformats.org/markup-compatibility/2006" xmlns:a14="http://schemas.microsoft.com/office/drawing/2010/main">
+        <mc:Choice Requires="a14">
           <p:sp>
             <p:nvSpPr>
               <p:cNvPr id="11" name="TextBox 10">
@@ -7693,7 +9578,7 @@
             </p:txBody>
           </p:sp>
         </mc:Choice>
-        <mc:Fallback>
+        <mc:Fallback xmlns="">
           <p:sp>
             <p:nvSpPr>
               <p:cNvPr id="11" name="TextBox 10">
@@ -7919,8 +9804,8 @@
           </a:fontRef>
         </p:style>
       </p:cxnSp>
-      <mc:AlternateContent xmlns:mc="http://schemas.openxmlformats.org/markup-compatibility/2006">
-        <mc:Choice xmlns:a14="http://schemas.microsoft.com/office/drawing/2010/main" Requires="a14">
+      <mc:AlternateContent xmlns:mc="http://schemas.openxmlformats.org/markup-compatibility/2006" xmlns:a14="http://schemas.microsoft.com/office/drawing/2010/main">
+        <mc:Choice Requires="a14">
           <p:sp>
             <p:nvSpPr>
               <p:cNvPr id="16" name="TextBox 15">
@@ -8022,7 +9907,7 @@
             </p:txBody>
           </p:sp>
         </mc:Choice>
-        <mc:Fallback>
+        <mc:Fallback xmlns="">
           <p:sp>
             <p:nvSpPr>
               <p:cNvPr id="16" name="TextBox 15">
@@ -8067,8 +9952,8 @@
           </p:sp>
         </mc:Fallback>
       </mc:AlternateContent>
-      <mc:AlternateContent xmlns:mc="http://schemas.openxmlformats.org/markup-compatibility/2006">
-        <mc:Choice xmlns:a14="http://schemas.microsoft.com/office/drawing/2010/main" Requires="a14">
+      <mc:AlternateContent xmlns:mc="http://schemas.openxmlformats.org/markup-compatibility/2006" xmlns:a14="http://schemas.microsoft.com/office/drawing/2010/main">
+        <mc:Choice Requires="a14">
           <p:sp>
             <p:nvSpPr>
               <p:cNvPr id="17" name="TextBox 16">
@@ -8170,7 +10055,7 @@
             </p:txBody>
           </p:sp>
         </mc:Choice>
-        <mc:Fallback>
+        <mc:Fallback xmlns="">
           <p:sp>
             <p:nvSpPr>
               <p:cNvPr id="17" name="TextBox 16">
@@ -8304,8 +10189,8 @@
           </a:fontRef>
         </p:style>
       </p:cxnSp>
-      <mc:AlternateContent xmlns:mc="http://schemas.openxmlformats.org/markup-compatibility/2006">
-        <mc:Choice xmlns:a14="http://schemas.microsoft.com/office/drawing/2010/main" Requires="a14">
+      <mc:AlternateContent xmlns:mc="http://schemas.openxmlformats.org/markup-compatibility/2006" xmlns:a14="http://schemas.microsoft.com/office/drawing/2010/main">
+        <mc:Choice Requires="a14">
           <p:sp>
             <p:nvSpPr>
               <p:cNvPr id="66" name="TextBox 65">
@@ -8398,7 +10283,7 @@
             </p:txBody>
           </p:sp>
         </mc:Choice>
-        <mc:Fallback>
+        <mc:Fallback xmlns="">
           <p:sp>
             <p:nvSpPr>
               <p:cNvPr id="66" name="TextBox 65">
@@ -9022,8 +10907,8 @@
           </a:p>
         </p:txBody>
       </p:sp>
-      <mc:AlternateContent xmlns:mc="http://schemas.openxmlformats.org/markup-compatibility/2006">
-        <mc:Choice xmlns:a14="http://schemas.microsoft.com/office/drawing/2010/main" Requires="a14">
+      <mc:AlternateContent xmlns:mc="http://schemas.openxmlformats.org/markup-compatibility/2006" xmlns:a14="http://schemas.microsoft.com/office/drawing/2010/main">
+        <mc:Choice Requires="a14">
           <p:sp>
             <p:nvSpPr>
               <p:cNvPr id="20" name="직사각형 19">
@@ -9085,7 +10970,7 @@
             </p:txBody>
           </p:sp>
         </mc:Choice>
-        <mc:Fallback>
+        <mc:Fallback xmlns="">
           <p:sp>
             <p:nvSpPr>
               <p:cNvPr id="20" name="직사각형 19">
@@ -9356,8 +11241,8 @@
           </a:fontRef>
         </p:style>
       </p:cxnSp>
-      <mc:AlternateContent xmlns:mc="http://schemas.openxmlformats.org/markup-compatibility/2006">
-        <mc:Choice xmlns:a14="http://schemas.microsoft.com/office/drawing/2010/main" Requires="a14">
+      <mc:AlternateContent xmlns:mc="http://schemas.openxmlformats.org/markup-compatibility/2006" xmlns:a14="http://schemas.microsoft.com/office/drawing/2010/main">
+        <mc:Choice Requires="a14">
           <p:sp>
             <p:nvSpPr>
               <p:cNvPr id="61" name="TextBox 60">
@@ -9448,7 +11333,7 @@
             </p:txBody>
           </p:sp>
         </mc:Choice>
-        <mc:Fallback>
+        <mc:Fallback xmlns="">
           <p:sp>
             <p:nvSpPr>
               <p:cNvPr id="61" name="TextBox 60">
@@ -9616,8 +11501,8 @@
           </a:p>
         </p:txBody>
       </p:sp>
-      <mc:AlternateContent xmlns:mc="http://schemas.openxmlformats.org/markup-compatibility/2006">
-        <mc:Choice xmlns:a14="http://schemas.microsoft.com/office/drawing/2010/main" Requires="a14">
+      <mc:AlternateContent xmlns:mc="http://schemas.openxmlformats.org/markup-compatibility/2006" xmlns:a14="http://schemas.microsoft.com/office/drawing/2010/main">
+        <mc:Choice Requires="a14">
           <p:sp>
             <p:nvSpPr>
               <p:cNvPr id="1024" name="직사각형 1023">
@@ -9645,6 +11530,7 @@
               </a:bodyPr>
               <a:lstStyle/>
               <a:p>
+                <a:pPr/>
                 <a14:m>
                   <m:oMathPara xmlns:m="http://schemas.openxmlformats.org/officeDocument/2006/math">
                     <m:oMathParaPr>
@@ -9683,7 +11569,7 @@
             </p:txBody>
           </p:sp>
         </mc:Choice>
-        <mc:Fallback>
+        <mc:Fallback xmlns="">
           <p:sp>
             <p:nvSpPr>
               <p:cNvPr id="1024" name="직사각형 1023">
@@ -9821,6 +11707,2724 @@
     <p:extLst>
       <p:ext uri="{BB962C8B-B14F-4D97-AF65-F5344CB8AC3E}">
         <p14:creationId xmlns:p14="http://schemas.microsoft.com/office/powerpoint/2010/main" val="334735936"/>
+      </p:ext>
+    </p:extLst>
+  </p:cSld>
+  <p:clrMapOvr>
+    <a:masterClrMapping/>
+  </p:clrMapOvr>
+</p:sld>
+</file>
+
+<file path=ppt/slides/slide5.xml><?xml version="1.0" encoding="utf-8"?>
+<p:sld xmlns:a="http://schemas.openxmlformats.org/drawingml/2006/main" xmlns:r="http://schemas.openxmlformats.org/officeDocument/2006/relationships" xmlns:p="http://schemas.openxmlformats.org/presentationml/2006/main">
+  <p:cSld>
+    <p:spTree>
+      <p:nvGrpSpPr>
+        <p:cNvPr id="1" name=""/>
+        <p:cNvGrpSpPr/>
+        <p:nvPr/>
+      </p:nvGrpSpPr>
+      <p:grpSpPr>
+        <a:xfrm>
+          <a:off x="0" y="0"/>
+          <a:ext cx="0" cy="0"/>
+          <a:chOff x="0" y="0"/>
+          <a:chExt cx="0" cy="0"/>
+        </a:xfrm>
+      </p:grpSpPr>
+      <p:sp>
+        <p:nvSpPr>
+          <p:cNvPr id="4" name="자유형: 도형 3">
+            <a:extLst>
+              <a:ext uri="{FF2B5EF4-FFF2-40B4-BE49-F238E27FC236}">
+                <a16:creationId xmlns:a16="http://schemas.microsoft.com/office/drawing/2014/main" id="{027CF484-4C92-4F92-A054-8E9397B7B90E}"/>
+              </a:ext>
+            </a:extLst>
+          </p:cNvPr>
+          <p:cNvSpPr/>
+          <p:nvPr/>
+        </p:nvSpPr>
+        <p:spPr>
+          <a:xfrm>
+            <a:off x="1337406" y="2352146"/>
+            <a:ext cx="2151978" cy="2703426"/>
+          </a:xfrm>
+          <a:custGeom>
+            <a:avLst/>
+            <a:gdLst>
+              <a:gd name="connsiteX0" fmla="*/ 0 w 2529840"/>
+              <a:gd name="connsiteY0" fmla="*/ 0 h 3151632"/>
+              <a:gd name="connsiteX1" fmla="*/ 1548384 w 2529840"/>
+              <a:gd name="connsiteY1" fmla="*/ 3151632 h 3151632"/>
+              <a:gd name="connsiteX2" fmla="*/ 2529840 w 2529840"/>
+              <a:gd name="connsiteY2" fmla="*/ 3151632 h 3151632"/>
+              <a:gd name="connsiteX3" fmla="*/ 981456 w 2529840"/>
+              <a:gd name="connsiteY3" fmla="*/ 6096 h 3151632"/>
+            </a:gdLst>
+            <a:ahLst/>
+            <a:cxnLst>
+              <a:cxn ang="0">
+                <a:pos x="connsiteX0" y="connsiteY0"/>
+              </a:cxn>
+              <a:cxn ang="0">
+                <a:pos x="connsiteX1" y="connsiteY1"/>
+              </a:cxn>
+              <a:cxn ang="0">
+                <a:pos x="connsiteX2" y="connsiteY2"/>
+              </a:cxn>
+              <a:cxn ang="0">
+                <a:pos x="connsiteX3" y="connsiteY3"/>
+              </a:cxn>
+            </a:cxnLst>
+            <a:rect l="l" t="t" r="r" b="b"/>
+            <a:pathLst>
+              <a:path w="2529840" h="3151632">
+                <a:moveTo>
+                  <a:pt x="0" y="0"/>
+                </a:moveTo>
+                <a:lnTo>
+                  <a:pt x="1548384" y="3151632"/>
+                </a:lnTo>
+                <a:lnTo>
+                  <a:pt x="2529840" y="3151632"/>
+                </a:lnTo>
+                <a:lnTo>
+                  <a:pt x="981456" y="6096"/>
+                </a:lnTo>
+              </a:path>
+            </a:pathLst>
+          </a:custGeom>
+          <a:pattFill prst="ltHorz">
+            <a:fgClr>
+              <a:schemeClr val="accent1"/>
+            </a:fgClr>
+            <a:bgClr>
+              <a:schemeClr val="bg1"/>
+            </a:bgClr>
+          </a:pattFill>
+          <a:ln>
+            <a:noFill/>
+          </a:ln>
+        </p:spPr>
+        <p:style>
+          <a:lnRef idx="2">
+            <a:schemeClr val="accent1">
+              <a:shade val="50000"/>
+            </a:schemeClr>
+          </a:lnRef>
+          <a:fillRef idx="1">
+            <a:schemeClr val="accent1"/>
+          </a:fillRef>
+          <a:effectRef idx="0">
+            <a:schemeClr val="accent1"/>
+          </a:effectRef>
+          <a:fontRef idx="minor">
+            <a:schemeClr val="lt1"/>
+          </a:fontRef>
+        </p:style>
+        <p:txBody>
+          <a:bodyPr rtlCol="0" anchor="ctr"/>
+          <a:lstStyle/>
+          <a:p>
+            <a:pPr algn="ctr"/>
+            <a:endParaRPr lang="ko-KR" altLang="en-US" sz="1600"/>
+          </a:p>
+        </p:txBody>
+      </p:sp>
+      <p:cxnSp>
+        <p:nvCxnSpPr>
+          <p:cNvPr id="5" name="직선 화살표 연결선 4">
+            <a:extLst>
+              <a:ext uri="{FF2B5EF4-FFF2-40B4-BE49-F238E27FC236}">
+                <a16:creationId xmlns:a16="http://schemas.microsoft.com/office/drawing/2014/main" id="{0A5D85A1-2D76-4CD9-81CC-925F3A2C264F}"/>
+              </a:ext>
+            </a:extLst>
+          </p:cNvPr>
+          <p:cNvCxnSpPr/>
+          <p:nvPr/>
+        </p:nvCxnSpPr>
+        <p:spPr>
+          <a:xfrm>
+            <a:off x="1345385" y="2352092"/>
+            <a:ext cx="816704" cy="0"/>
+          </a:xfrm>
+          <a:prstGeom prst="straightConnector1">
+            <a:avLst/>
+          </a:prstGeom>
+          <a:ln w="57150">
+            <a:tailEnd type="triangle"/>
+          </a:ln>
+        </p:spPr>
+        <p:style>
+          <a:lnRef idx="1">
+            <a:schemeClr val="accent1"/>
+          </a:lnRef>
+          <a:fillRef idx="0">
+            <a:schemeClr val="accent1"/>
+          </a:fillRef>
+          <a:effectRef idx="0">
+            <a:schemeClr val="accent1"/>
+          </a:effectRef>
+          <a:fontRef idx="minor">
+            <a:schemeClr val="tx1"/>
+          </a:fontRef>
+        </p:style>
+      </p:cxnSp>
+      <p:cxnSp>
+        <p:nvCxnSpPr>
+          <p:cNvPr id="6" name="직선 화살표 연결선 5">
+            <a:extLst>
+              <a:ext uri="{FF2B5EF4-FFF2-40B4-BE49-F238E27FC236}">
+                <a16:creationId xmlns:a16="http://schemas.microsoft.com/office/drawing/2014/main" id="{CD6D0CA4-BD3D-490B-B7AB-1C135C12CFDC}"/>
+              </a:ext>
+            </a:extLst>
+          </p:cNvPr>
+          <p:cNvCxnSpPr/>
+          <p:nvPr/>
+        </p:nvCxnSpPr>
+        <p:spPr>
+          <a:xfrm>
+            <a:off x="2672680" y="5052876"/>
+            <a:ext cx="816704" cy="0"/>
+          </a:xfrm>
+          <a:prstGeom prst="straightConnector1">
+            <a:avLst/>
+          </a:prstGeom>
+          <a:ln w="57150">
+            <a:tailEnd type="triangle"/>
+          </a:ln>
+        </p:spPr>
+        <p:style>
+          <a:lnRef idx="1">
+            <a:schemeClr val="accent1"/>
+          </a:lnRef>
+          <a:fillRef idx="0">
+            <a:schemeClr val="accent1"/>
+          </a:fillRef>
+          <a:effectRef idx="0">
+            <a:schemeClr val="accent1"/>
+          </a:effectRef>
+          <a:fontRef idx="minor">
+            <a:schemeClr val="tx1"/>
+          </a:fontRef>
+        </p:style>
+      </p:cxnSp>
+      <p:cxnSp>
+        <p:nvCxnSpPr>
+          <p:cNvPr id="7" name="직선 연결선 6">
+            <a:extLst>
+              <a:ext uri="{FF2B5EF4-FFF2-40B4-BE49-F238E27FC236}">
+                <a16:creationId xmlns:a16="http://schemas.microsoft.com/office/drawing/2014/main" id="{99EBFD25-564F-4B65-AD8D-5FB52507A474}"/>
+              </a:ext>
+            </a:extLst>
+          </p:cNvPr>
+          <p:cNvCxnSpPr>
+            <a:cxnSpLocks/>
+          </p:cNvCxnSpPr>
+          <p:nvPr/>
+        </p:nvCxnSpPr>
+        <p:spPr>
+          <a:xfrm>
+            <a:off x="1127224" y="1929441"/>
+            <a:ext cx="1841598" cy="3754366"/>
+          </a:xfrm>
+          <a:prstGeom prst="line">
+            <a:avLst/>
+          </a:prstGeom>
+          <a:ln w="28575">
+            <a:solidFill>
+              <a:schemeClr val="tx1"/>
+            </a:solidFill>
+          </a:ln>
+        </p:spPr>
+        <p:style>
+          <a:lnRef idx="1">
+            <a:schemeClr val="accent1"/>
+          </a:lnRef>
+          <a:fillRef idx="0">
+            <a:schemeClr val="accent1"/>
+          </a:fillRef>
+          <a:effectRef idx="0">
+            <a:schemeClr val="accent1"/>
+          </a:effectRef>
+          <a:fontRef idx="minor">
+            <a:schemeClr val="tx1"/>
+          </a:fontRef>
+        </p:style>
+      </p:cxnSp>
+      <p:sp>
+        <p:nvSpPr>
+          <p:cNvPr id="8" name="자유형: 도형 7">
+            <a:extLst>
+              <a:ext uri="{FF2B5EF4-FFF2-40B4-BE49-F238E27FC236}">
+                <a16:creationId xmlns:a16="http://schemas.microsoft.com/office/drawing/2014/main" id="{B0A0BFC5-A034-46AE-82D0-84DB0B1EECF7}"/>
+              </a:ext>
+            </a:extLst>
+          </p:cNvPr>
+          <p:cNvSpPr/>
+          <p:nvPr/>
+        </p:nvSpPr>
+        <p:spPr>
+          <a:xfrm>
+            <a:off x="1323462" y="2362604"/>
+            <a:ext cx="222191" cy="1323484"/>
+          </a:xfrm>
+          <a:custGeom>
+            <a:avLst/>
+            <a:gdLst>
+              <a:gd name="connsiteX0" fmla="*/ 0 w 538480"/>
+              <a:gd name="connsiteY0" fmla="*/ 0 h 2783840"/>
+              <a:gd name="connsiteX1" fmla="*/ 152400 w 538480"/>
+              <a:gd name="connsiteY1" fmla="*/ 1666240 h 2783840"/>
+              <a:gd name="connsiteX2" fmla="*/ 538480 w 538480"/>
+              <a:gd name="connsiteY2" fmla="*/ 2783840 h 2783840"/>
+            </a:gdLst>
+            <a:ahLst/>
+            <a:cxnLst>
+              <a:cxn ang="0">
+                <a:pos x="connsiteX0" y="connsiteY0"/>
+              </a:cxn>
+              <a:cxn ang="0">
+                <a:pos x="connsiteX1" y="connsiteY1"/>
+              </a:cxn>
+              <a:cxn ang="0">
+                <a:pos x="connsiteX2" y="connsiteY2"/>
+              </a:cxn>
+            </a:cxnLst>
+            <a:rect l="l" t="t" r="r" b="b"/>
+            <a:pathLst>
+              <a:path w="538480" h="2783840">
+                <a:moveTo>
+                  <a:pt x="0" y="0"/>
+                </a:moveTo>
+                <a:cubicBezTo>
+                  <a:pt x="31326" y="601133"/>
+                  <a:pt x="62653" y="1202267"/>
+                  <a:pt x="152400" y="1666240"/>
+                </a:cubicBezTo>
+                <a:cubicBezTo>
+                  <a:pt x="242147" y="2130213"/>
+                  <a:pt x="390313" y="2457026"/>
+                  <a:pt x="538480" y="2783840"/>
+                </a:cubicBezTo>
+              </a:path>
+            </a:pathLst>
+          </a:custGeom>
+          <a:noFill/>
+          <a:ln>
+            <a:solidFill>
+              <a:schemeClr val="tx1"/>
+            </a:solidFill>
+            <a:prstDash val="dash"/>
+          </a:ln>
+        </p:spPr>
+        <p:style>
+          <a:lnRef idx="2">
+            <a:schemeClr val="accent1">
+              <a:shade val="50000"/>
+            </a:schemeClr>
+          </a:lnRef>
+          <a:fillRef idx="1">
+            <a:schemeClr val="accent1"/>
+          </a:fillRef>
+          <a:effectRef idx="0">
+            <a:schemeClr val="accent1"/>
+          </a:effectRef>
+          <a:fontRef idx="minor">
+            <a:schemeClr val="lt1"/>
+          </a:fontRef>
+        </p:style>
+        <p:txBody>
+          <a:bodyPr rtlCol="0" anchor="ctr"/>
+          <a:lstStyle/>
+          <a:p>
+            <a:pPr algn="ctr"/>
+            <a:endParaRPr lang="ko-KR" altLang="en-US" sz="1600"/>
+          </a:p>
+        </p:txBody>
+      </p:sp>
+      <p:sp>
+        <p:nvSpPr>
+          <p:cNvPr id="9" name="자유형: 도형 8">
+            <a:extLst>
+              <a:ext uri="{FF2B5EF4-FFF2-40B4-BE49-F238E27FC236}">
+                <a16:creationId xmlns:a16="http://schemas.microsoft.com/office/drawing/2014/main" id="{F52DED44-1F98-405B-970B-C29251C03BE2}"/>
+              </a:ext>
+            </a:extLst>
+          </p:cNvPr>
+          <p:cNvSpPr/>
+          <p:nvPr/>
+        </p:nvSpPr>
+        <p:spPr>
+          <a:xfrm rot="19509709">
+            <a:off x="2097392" y="3909036"/>
+            <a:ext cx="191334" cy="1326199"/>
+          </a:xfrm>
+          <a:custGeom>
+            <a:avLst/>
+            <a:gdLst>
+              <a:gd name="connsiteX0" fmla="*/ 0 w 538480"/>
+              <a:gd name="connsiteY0" fmla="*/ 0 h 2783840"/>
+              <a:gd name="connsiteX1" fmla="*/ 152400 w 538480"/>
+              <a:gd name="connsiteY1" fmla="*/ 1666240 h 2783840"/>
+              <a:gd name="connsiteX2" fmla="*/ 538480 w 538480"/>
+              <a:gd name="connsiteY2" fmla="*/ 2783840 h 2783840"/>
+            </a:gdLst>
+            <a:ahLst/>
+            <a:cxnLst>
+              <a:cxn ang="0">
+                <a:pos x="connsiteX0" y="connsiteY0"/>
+              </a:cxn>
+              <a:cxn ang="0">
+                <a:pos x="connsiteX1" y="connsiteY1"/>
+              </a:cxn>
+              <a:cxn ang="0">
+                <a:pos x="connsiteX2" y="connsiteY2"/>
+              </a:cxn>
+            </a:cxnLst>
+            <a:rect l="l" t="t" r="r" b="b"/>
+            <a:pathLst>
+              <a:path w="538480" h="2783840">
+                <a:moveTo>
+                  <a:pt x="0" y="0"/>
+                </a:moveTo>
+                <a:cubicBezTo>
+                  <a:pt x="31326" y="601133"/>
+                  <a:pt x="62653" y="1202267"/>
+                  <a:pt x="152400" y="1666240"/>
+                </a:cubicBezTo>
+                <a:cubicBezTo>
+                  <a:pt x="242147" y="2130213"/>
+                  <a:pt x="390313" y="2457026"/>
+                  <a:pt x="538480" y="2783840"/>
+                </a:cubicBezTo>
+              </a:path>
+            </a:pathLst>
+          </a:custGeom>
+          <a:noFill/>
+          <a:ln>
+            <a:solidFill>
+              <a:schemeClr val="tx1"/>
+            </a:solidFill>
+            <a:prstDash val="dash"/>
+          </a:ln>
+        </p:spPr>
+        <p:style>
+          <a:lnRef idx="2">
+            <a:schemeClr val="accent1">
+              <a:shade val="50000"/>
+            </a:schemeClr>
+          </a:lnRef>
+          <a:fillRef idx="1">
+            <a:schemeClr val="accent1"/>
+          </a:fillRef>
+          <a:effectRef idx="0">
+            <a:schemeClr val="accent1"/>
+          </a:effectRef>
+          <a:fontRef idx="minor">
+            <a:schemeClr val="lt1"/>
+          </a:fontRef>
+        </p:style>
+        <p:txBody>
+          <a:bodyPr rtlCol="0" anchor="ctr"/>
+          <a:lstStyle/>
+          <a:p>
+            <a:pPr algn="ctr"/>
+            <a:endParaRPr lang="ko-KR" altLang="en-US" sz="1600"/>
+          </a:p>
+        </p:txBody>
+      </p:sp>
+      <mc:AlternateContent xmlns:mc="http://schemas.openxmlformats.org/markup-compatibility/2006" xmlns:a14="http://schemas.microsoft.com/office/drawing/2010/main">
+        <mc:Choice Requires="a14">
+          <p:sp>
+            <p:nvSpPr>
+              <p:cNvPr id="10" name="TextBox 9">
+                <a:extLst>
+                  <a:ext uri="{FF2B5EF4-FFF2-40B4-BE49-F238E27FC236}">
+                    <a16:creationId xmlns:a16="http://schemas.microsoft.com/office/drawing/2014/main" id="{13AEBB2D-8B1C-4DEF-8A47-AF8EE531EC7A}"/>
+                  </a:ext>
+                </a:extLst>
+              </p:cNvPr>
+              <p:cNvSpPr txBox="1"/>
+              <p:nvPr/>
+            </p:nvSpPr>
+            <p:spPr>
+              <a:xfrm>
+                <a:off x="1439130" y="3686141"/>
+                <a:ext cx="474232" cy="338554"/>
+              </a:xfrm>
+              <a:prstGeom prst="rect">
+                <a:avLst/>
+              </a:prstGeom>
+              <a:noFill/>
+            </p:spPr>
+            <p:txBody>
+              <a:bodyPr wrap="none" rtlCol="0">
+                <a:spAutoFit/>
+              </a:bodyPr>
+              <a:lstStyle/>
+              <a:p>
+                <a:pPr/>
+                <a14:m>
+                  <m:oMathPara xmlns:m="http://schemas.openxmlformats.org/officeDocument/2006/math">
+                    <m:oMathParaPr>
+                      <m:jc m:val="centerGroup"/>
+                    </m:oMathParaPr>
+                    <m:oMath xmlns:m="http://schemas.openxmlformats.org/officeDocument/2006/math">
+                      <m:r>
+                        <a:rPr lang="en-US" altLang="ko-KR" sz="1600" b="0" i="1" smtClean="0">
+                          <a:latin typeface="Cambria Math" panose="02040503050406030204" pitchFamily="18" charset="0"/>
+                        </a:rPr>
+                        <m:t>𝑑𝑠</m:t>
+                      </m:r>
+                    </m:oMath>
+                  </m:oMathPara>
+                </a14:m>
+                <a:endParaRPr lang="ko-KR" altLang="en-US" sz="1600" dirty="0"/>
+              </a:p>
+            </p:txBody>
+          </p:sp>
+        </mc:Choice>
+        <mc:Fallback xmlns="">
+          <p:sp>
+            <p:nvSpPr>
+              <p:cNvPr id="10" name="TextBox 9">
+                <a:extLst>
+                  <a:ext uri="{FF2B5EF4-FFF2-40B4-BE49-F238E27FC236}">
+                    <a16:creationId xmlns:a16="http://schemas.microsoft.com/office/drawing/2014/main" id="{13AEBB2D-8B1C-4DEF-8A47-AF8EE531EC7A}"/>
+                  </a:ext>
+                </a:extLst>
+              </p:cNvPr>
+              <p:cNvSpPr txBox="1">
+                <a:spLocks noRot="1" noChangeAspect="1" noMove="1" noResize="1" noEditPoints="1" noAdjustHandles="1" noChangeArrowheads="1" noChangeShapeType="1" noTextEdit="1"/>
+              </p:cNvSpPr>
+              <p:nvPr/>
+            </p:nvSpPr>
+            <p:spPr>
+              <a:xfrm>
+                <a:off x="1439130" y="3686141"/>
+                <a:ext cx="474232" cy="338554"/>
+              </a:xfrm>
+              <a:prstGeom prst="rect">
+                <a:avLst/>
+              </a:prstGeom>
+              <a:blipFill>
+                <a:blip r:embed="rId2"/>
+                <a:stretch>
+                  <a:fillRect/>
+                </a:stretch>
+              </a:blipFill>
+            </p:spPr>
+            <p:txBody>
+              <a:bodyPr/>
+              <a:lstStyle/>
+              <a:p>
+                <a:r>
+                  <a:rPr lang="ko-KR" altLang="en-US">
+                    <a:noFill/>
+                  </a:rPr>
+                  <a:t> </a:t>
+                </a:r>
+              </a:p>
+            </p:txBody>
+          </p:sp>
+        </mc:Fallback>
+      </mc:AlternateContent>
+      <mc:AlternateContent xmlns:mc="http://schemas.openxmlformats.org/markup-compatibility/2006" xmlns:a14="http://schemas.microsoft.com/office/drawing/2010/main">
+        <mc:Choice Requires="a14">
+          <p:sp>
+            <p:nvSpPr>
+              <p:cNvPr id="11" name="TextBox 10">
+                <a:extLst>
+                  <a:ext uri="{FF2B5EF4-FFF2-40B4-BE49-F238E27FC236}">
+                    <a16:creationId xmlns:a16="http://schemas.microsoft.com/office/drawing/2014/main" id="{20ACC800-4143-4199-BBAD-18F3D52E31F7}"/>
+                  </a:ext>
+                </a:extLst>
+              </p:cNvPr>
+              <p:cNvSpPr txBox="1"/>
+              <p:nvPr/>
+            </p:nvSpPr>
+            <p:spPr>
+              <a:xfrm>
+                <a:off x="1467840" y="2017777"/>
+                <a:ext cx="583621" cy="338554"/>
+              </a:xfrm>
+              <a:prstGeom prst="rect">
+                <a:avLst/>
+              </a:prstGeom>
+              <a:noFill/>
+            </p:spPr>
+            <p:txBody>
+              <a:bodyPr wrap="none" rtlCol="0">
+                <a:spAutoFit/>
+              </a:bodyPr>
+              <a:lstStyle/>
+              <a:p>
+                <a:pPr/>
+                <a14:m>
+                  <m:oMathPara xmlns:m="http://schemas.openxmlformats.org/officeDocument/2006/math">
+                    <m:oMathParaPr>
+                      <m:jc m:val="centerGroup"/>
+                    </m:oMathParaPr>
+                    <m:oMath xmlns:m="http://schemas.openxmlformats.org/officeDocument/2006/math">
+                      <m:acc>
+                        <m:accPr>
+                          <m:chr m:val="⃗"/>
+                          <m:ctrlPr>
+                            <a:rPr lang="en-US" altLang="ko-KR" sz="1600" b="0" i="1" smtClean="0">
+                              <a:solidFill>
+                                <a:schemeClr val="accent1"/>
+                              </a:solidFill>
+                              <a:latin typeface="Cambria Math" panose="02040503050406030204" pitchFamily="18" charset="0"/>
+                            </a:rPr>
+                          </m:ctrlPr>
+                        </m:accPr>
+                        <m:e>
+                          <m:r>
+                            <a:rPr lang="en-US" altLang="ko-KR" sz="1600" b="0" i="1" smtClean="0">
+                              <a:solidFill>
+                                <a:schemeClr val="accent1"/>
+                              </a:solidFill>
+                              <a:latin typeface="Cambria Math" panose="02040503050406030204" pitchFamily="18" charset="0"/>
+                            </a:rPr>
+                            <m:t>𝑣</m:t>
+                          </m:r>
+                        </m:e>
+                      </m:acc>
+                      <m:r>
+                        <m:rPr>
+                          <m:sty m:val="p"/>
+                        </m:rPr>
+                        <a:rPr lang="en-US" altLang="ko-KR" sz="1600" b="0" i="0" smtClean="0">
+                          <a:solidFill>
+                            <a:schemeClr val="accent1"/>
+                          </a:solidFill>
+                          <a:latin typeface="Cambria Math" panose="02040503050406030204" pitchFamily="18" charset="0"/>
+                        </a:rPr>
+                        <m:t>Δ</m:t>
+                      </m:r>
+                      <m:r>
+                        <a:rPr lang="en-US" altLang="ko-KR" sz="1600" b="0" i="1" smtClean="0">
+                          <a:solidFill>
+                            <a:schemeClr val="accent1"/>
+                          </a:solidFill>
+                          <a:latin typeface="Cambria Math" panose="02040503050406030204" pitchFamily="18" charset="0"/>
+                        </a:rPr>
+                        <m:t>𝑡</m:t>
+                      </m:r>
+                    </m:oMath>
+                  </m:oMathPara>
+                </a14:m>
+                <a:endParaRPr lang="ko-KR" altLang="en-US" sz="1600" dirty="0">
+                  <a:solidFill>
+                    <a:schemeClr val="accent1"/>
+                  </a:solidFill>
+                </a:endParaRPr>
+              </a:p>
+            </p:txBody>
+          </p:sp>
+        </mc:Choice>
+        <mc:Fallback xmlns="">
+          <p:sp>
+            <p:nvSpPr>
+              <p:cNvPr id="11" name="TextBox 10">
+                <a:extLst>
+                  <a:ext uri="{FF2B5EF4-FFF2-40B4-BE49-F238E27FC236}">
+                    <a16:creationId xmlns:a16="http://schemas.microsoft.com/office/drawing/2014/main" id="{20ACC800-4143-4199-BBAD-18F3D52E31F7}"/>
+                  </a:ext>
+                </a:extLst>
+              </p:cNvPr>
+              <p:cNvSpPr txBox="1">
+                <a:spLocks noRot="1" noChangeAspect="1" noMove="1" noResize="1" noEditPoints="1" noAdjustHandles="1" noChangeArrowheads="1" noChangeShapeType="1" noTextEdit="1"/>
+              </p:cNvSpPr>
+              <p:nvPr/>
+            </p:nvSpPr>
+            <p:spPr>
+              <a:xfrm>
+                <a:off x="1467840" y="2017777"/>
+                <a:ext cx="583621" cy="338554"/>
+              </a:xfrm>
+              <a:prstGeom prst="rect">
+                <a:avLst/>
+              </a:prstGeom>
+              <a:blipFill>
+                <a:blip r:embed="rId3"/>
+                <a:stretch>
+                  <a:fillRect t="-10714"/>
+                </a:stretch>
+              </a:blipFill>
+            </p:spPr>
+            <p:txBody>
+              <a:bodyPr/>
+              <a:lstStyle/>
+              <a:p>
+                <a:r>
+                  <a:rPr lang="ko-KR" altLang="en-US">
+                    <a:noFill/>
+                  </a:rPr>
+                  <a:t> </a:t>
+                </a:r>
+              </a:p>
+            </p:txBody>
+          </p:sp>
+        </mc:Fallback>
+      </mc:AlternateContent>
+      <p:sp>
+        <p:nvSpPr>
+          <p:cNvPr id="12" name="TextBox 11">
+            <a:extLst>
+              <a:ext uri="{FF2B5EF4-FFF2-40B4-BE49-F238E27FC236}">
+                <a16:creationId xmlns:a16="http://schemas.microsoft.com/office/drawing/2014/main" id="{584EAD6E-95DA-427A-8AF6-50D039BBACDD}"/>
+              </a:ext>
+            </a:extLst>
+          </p:cNvPr>
+          <p:cNvSpPr txBox="1"/>
+          <p:nvPr/>
+        </p:nvSpPr>
+        <p:spPr>
+          <a:xfrm>
+            <a:off x="2681292" y="3156157"/>
+            <a:ext cx="2736711" cy="584775"/>
+          </a:xfrm>
+          <a:prstGeom prst="rect">
+            <a:avLst/>
+          </a:prstGeom>
+          <a:noFill/>
+        </p:spPr>
+        <p:txBody>
+          <a:bodyPr wrap="none" rtlCol="0">
+            <a:spAutoFit/>
+          </a:bodyPr>
+          <a:lstStyle/>
+          <a:p>
+            <a:pPr algn="r"/>
+            <a:r>
+              <a:rPr lang="en-US" altLang="ko-KR" sz="1600" dirty="0"/>
+              <a:t>Flux into infinitesimal path</a:t>
+            </a:r>
+          </a:p>
+          <a:p>
+            <a:pPr algn="r"/>
+            <a:r>
+              <a:rPr lang="en-US" altLang="ko-KR" sz="1600" dirty="0"/>
+              <a:t>= Area of parallelogram</a:t>
+            </a:r>
+          </a:p>
+        </p:txBody>
+      </p:sp>
+      <p:sp>
+        <p:nvSpPr>
+          <p:cNvPr id="13" name="TextBox 12">
+            <a:extLst>
+              <a:ext uri="{FF2B5EF4-FFF2-40B4-BE49-F238E27FC236}">
+                <a16:creationId xmlns:a16="http://schemas.microsoft.com/office/drawing/2014/main" id="{75ECF9A5-5524-4921-A118-68645F664EF4}"/>
+              </a:ext>
+            </a:extLst>
+          </p:cNvPr>
+          <p:cNvSpPr txBox="1"/>
+          <p:nvPr/>
+        </p:nvSpPr>
+        <p:spPr>
+          <a:xfrm>
+            <a:off x="1312459" y="1174194"/>
+            <a:ext cx="3408754" cy="400110"/>
+          </a:xfrm>
+          <a:prstGeom prst="rect">
+            <a:avLst/>
+          </a:prstGeom>
+          <a:noFill/>
+        </p:spPr>
+        <p:txBody>
+          <a:bodyPr wrap="none" rtlCol="0">
+            <a:spAutoFit/>
+          </a:bodyPr>
+          <a:lstStyle/>
+          <a:p>
+            <a:r>
+              <a:rPr lang="en-US" altLang="ko-KR" sz="2000" dirty="0"/>
+              <a:t>&lt;Flux of infinitesimal path&gt;</a:t>
+            </a:r>
+            <a:endParaRPr lang="ko-KR" altLang="en-US" sz="2000" dirty="0"/>
+          </a:p>
+        </p:txBody>
+      </p:sp>
+      <p:cxnSp>
+        <p:nvCxnSpPr>
+          <p:cNvPr id="14" name="직선 연결선 13">
+            <a:extLst>
+              <a:ext uri="{FF2B5EF4-FFF2-40B4-BE49-F238E27FC236}">
+                <a16:creationId xmlns:a16="http://schemas.microsoft.com/office/drawing/2014/main" id="{D783362A-9B85-4545-A0D1-D966E9A7A2CC}"/>
+              </a:ext>
+            </a:extLst>
+          </p:cNvPr>
+          <p:cNvCxnSpPr>
+            <a:cxnSpLocks/>
+          </p:cNvCxnSpPr>
+          <p:nvPr/>
+        </p:nvCxnSpPr>
+        <p:spPr>
+          <a:xfrm flipV="1">
+            <a:off x="1525913" y="2187971"/>
+            <a:ext cx="1073447" cy="526549"/>
+          </a:xfrm>
+          <a:prstGeom prst="line">
+            <a:avLst/>
+          </a:prstGeom>
+          <a:ln w="57150">
+            <a:solidFill>
+              <a:srgbClr val="FF0000"/>
+            </a:solidFill>
+            <a:headEnd type="none" w="med" len="med"/>
+            <a:tailEnd type="arrow" w="med" len="med"/>
+          </a:ln>
+        </p:spPr>
+        <p:style>
+          <a:lnRef idx="1">
+            <a:schemeClr val="accent1"/>
+          </a:lnRef>
+          <a:fillRef idx="0">
+            <a:schemeClr val="accent1"/>
+          </a:fillRef>
+          <a:effectRef idx="0">
+            <a:schemeClr val="accent1"/>
+          </a:effectRef>
+          <a:fontRef idx="minor">
+            <a:schemeClr val="tx1"/>
+          </a:fontRef>
+        </p:style>
+      </p:cxnSp>
+      <p:cxnSp>
+        <p:nvCxnSpPr>
+          <p:cNvPr id="15" name="직선 연결선 14">
+            <a:extLst>
+              <a:ext uri="{FF2B5EF4-FFF2-40B4-BE49-F238E27FC236}">
+                <a16:creationId xmlns:a16="http://schemas.microsoft.com/office/drawing/2014/main" id="{B00E85BD-8B8C-4DEF-99BA-485D64952518}"/>
+              </a:ext>
+            </a:extLst>
+          </p:cNvPr>
+          <p:cNvCxnSpPr>
+            <a:cxnSpLocks/>
+          </p:cNvCxnSpPr>
+          <p:nvPr/>
+        </p:nvCxnSpPr>
+        <p:spPr>
+          <a:xfrm flipV="1">
+            <a:off x="2848677" y="4882136"/>
+            <a:ext cx="1073447" cy="526549"/>
+          </a:xfrm>
+          <a:prstGeom prst="line">
+            <a:avLst/>
+          </a:prstGeom>
+          <a:ln w="57150">
+            <a:solidFill>
+              <a:srgbClr val="FF0000"/>
+            </a:solidFill>
+            <a:headEnd type="none" w="med" len="med"/>
+            <a:tailEnd type="arrow" w="med" len="med"/>
+          </a:ln>
+        </p:spPr>
+        <p:style>
+          <a:lnRef idx="1">
+            <a:schemeClr val="accent1"/>
+          </a:lnRef>
+          <a:fillRef idx="0">
+            <a:schemeClr val="accent1"/>
+          </a:fillRef>
+          <a:effectRef idx="0">
+            <a:schemeClr val="accent1"/>
+          </a:effectRef>
+          <a:fontRef idx="minor">
+            <a:schemeClr val="tx1"/>
+          </a:fontRef>
+        </p:style>
+      </p:cxnSp>
+      <mc:AlternateContent xmlns:mc="http://schemas.openxmlformats.org/markup-compatibility/2006">
+        <mc:Choice xmlns:a14="http://schemas.microsoft.com/office/drawing/2010/main" Requires="a14">
+          <p:sp>
+            <p:nvSpPr>
+              <p:cNvPr id="16" name="TextBox 15">
+                <a:extLst>
+                  <a:ext uri="{FF2B5EF4-FFF2-40B4-BE49-F238E27FC236}">
+                    <a16:creationId xmlns:a16="http://schemas.microsoft.com/office/drawing/2014/main" id="{7672DF21-C67F-4E9B-BBE7-DB41BB8F31B5}"/>
+                  </a:ext>
+                </a:extLst>
+              </p:cNvPr>
+              <p:cNvSpPr txBox="1"/>
+              <p:nvPr/>
+            </p:nvSpPr>
+            <p:spPr>
+              <a:xfrm>
+                <a:off x="2315791" y="1860059"/>
+                <a:ext cx="2267993" cy="338554"/>
+              </a:xfrm>
+              <a:prstGeom prst="rect">
+                <a:avLst/>
+              </a:prstGeom>
+              <a:noFill/>
+            </p:spPr>
+            <p:txBody>
+              <a:bodyPr wrap="none" rtlCol="0">
+                <a:spAutoFit/>
+              </a:bodyPr>
+              <a:lstStyle/>
+              <a:p>
+                <a14:m>
+                  <m:oMath xmlns:m="http://schemas.openxmlformats.org/officeDocument/2006/math">
+                    <m:acc>
+                      <m:accPr>
+                        <m:chr m:val="̂"/>
+                        <m:ctrlPr>
+                          <a:rPr lang="en-US" altLang="ko-KR" sz="1600" b="0" i="1" smtClean="0">
+                            <a:solidFill>
+                              <a:srgbClr val="FF0000"/>
+                            </a:solidFill>
+                            <a:latin typeface="Cambria Math" panose="02040503050406030204" pitchFamily="18" charset="0"/>
+                          </a:rPr>
+                        </m:ctrlPr>
+                      </m:accPr>
+                      <m:e>
+                        <m:r>
+                          <a:rPr lang="en-US" altLang="ko-KR" sz="1600" b="0" i="1" smtClean="0">
+                            <a:solidFill>
+                              <a:srgbClr val="FF0000"/>
+                            </a:solidFill>
+                            <a:latin typeface="Cambria Math" panose="02040503050406030204" pitchFamily="18" charset="0"/>
+                          </a:rPr>
+                          <m:t>𝑛</m:t>
+                        </m:r>
+                      </m:e>
+                    </m:acc>
+                  </m:oMath>
+                </a14:m>
+                <a:r>
+                  <a:rPr lang="en-US" altLang="ko-KR" sz="1600" dirty="0">
+                    <a:solidFill>
+                      <a:srgbClr val="FF0000"/>
+                    </a:solidFill>
+                  </a:rPr>
+                  <a:t>: normal vector to </a:t>
+                </a:r>
+                <a14:m>
+                  <m:oMath xmlns:m="http://schemas.openxmlformats.org/officeDocument/2006/math">
+                    <m:r>
+                      <m:rPr>
+                        <m:sty m:val="p"/>
+                      </m:rPr>
+                      <a:rPr lang="en-US" altLang="ko-KR" sz="1600" b="0" i="0" smtClean="0">
+                        <a:solidFill>
+                          <a:srgbClr val="FF0000"/>
+                        </a:solidFill>
+                        <a:latin typeface="Cambria Math" panose="02040503050406030204" pitchFamily="18" charset="0"/>
+                      </a:rPr>
+                      <m:t>d</m:t>
+                    </m:r>
+                    <m:r>
+                      <a:rPr lang="en-US" altLang="ko-KR" sz="1600" b="0" i="1" smtClean="0">
+                        <a:solidFill>
+                          <a:srgbClr val="FF0000"/>
+                        </a:solidFill>
+                        <a:latin typeface="Cambria Math" panose="02040503050406030204" pitchFamily="18" charset="0"/>
+                      </a:rPr>
+                      <m:t>𝑠</m:t>
+                    </m:r>
+                  </m:oMath>
+                </a14:m>
+                <a:endParaRPr lang="ko-KR" altLang="en-US" sz="1600" dirty="0">
+                  <a:solidFill>
+                    <a:srgbClr val="FF0000"/>
+                  </a:solidFill>
+                </a:endParaRPr>
+              </a:p>
+            </p:txBody>
+          </p:sp>
+        </mc:Choice>
+        <mc:Fallback>
+          <p:sp>
+            <p:nvSpPr>
+              <p:cNvPr id="16" name="TextBox 15">
+                <a:extLst>
+                  <a:ext uri="{FF2B5EF4-FFF2-40B4-BE49-F238E27FC236}">
+                    <a16:creationId xmlns:a16="http://schemas.microsoft.com/office/drawing/2014/main" id="{7672DF21-C67F-4E9B-BBE7-DB41BB8F31B5}"/>
+                  </a:ext>
+                </a:extLst>
+              </p:cNvPr>
+              <p:cNvSpPr txBox="1">
+                <a:spLocks noRot="1" noChangeAspect="1" noMove="1" noResize="1" noEditPoints="1" noAdjustHandles="1" noChangeArrowheads="1" noChangeShapeType="1" noTextEdit="1"/>
+              </p:cNvSpPr>
+              <p:nvPr/>
+            </p:nvSpPr>
+            <p:spPr>
+              <a:xfrm>
+                <a:off x="2315791" y="1860059"/>
+                <a:ext cx="2267993" cy="338554"/>
+              </a:xfrm>
+              <a:prstGeom prst="rect">
+                <a:avLst/>
+              </a:prstGeom>
+              <a:blipFill>
+                <a:blip r:embed="rId4"/>
+                <a:stretch>
+                  <a:fillRect t="-5357" b="-21429"/>
+                </a:stretch>
+              </a:blipFill>
+            </p:spPr>
+            <p:txBody>
+              <a:bodyPr/>
+              <a:lstStyle/>
+              <a:p>
+                <a:r>
+                  <a:rPr lang="en-US">
+                    <a:noFill/>
+                  </a:rPr>
+                  <a:t> </a:t>
+                </a:r>
+              </a:p>
+            </p:txBody>
+          </p:sp>
+        </mc:Fallback>
+      </mc:AlternateContent>
+      <mc:AlternateContent xmlns:mc="http://schemas.openxmlformats.org/markup-compatibility/2006">
+        <mc:Choice xmlns:a14="http://schemas.microsoft.com/office/drawing/2010/main" Requires="a14">
+          <p:sp>
+            <p:nvSpPr>
+              <p:cNvPr id="17" name="TextBox 16">
+                <a:extLst>
+                  <a:ext uri="{FF2B5EF4-FFF2-40B4-BE49-F238E27FC236}">
+                    <a16:creationId xmlns:a16="http://schemas.microsoft.com/office/drawing/2014/main" id="{D8038EAC-E0C5-47D9-9618-8672E90D8C5A}"/>
+                  </a:ext>
+                </a:extLst>
+              </p:cNvPr>
+              <p:cNvSpPr txBox="1"/>
+              <p:nvPr/>
+            </p:nvSpPr>
+            <p:spPr>
+              <a:xfrm>
+                <a:off x="3503329" y="4531456"/>
+                <a:ext cx="2295565" cy="338554"/>
+              </a:xfrm>
+              <a:prstGeom prst="rect">
+                <a:avLst/>
+              </a:prstGeom>
+              <a:noFill/>
+            </p:spPr>
+            <p:txBody>
+              <a:bodyPr wrap="none" rtlCol="0">
+                <a:spAutoFit/>
+              </a:bodyPr>
+              <a:lstStyle/>
+              <a:p>
+                <a14:m>
+                  <m:oMath xmlns:m="http://schemas.openxmlformats.org/officeDocument/2006/math">
+                    <m:acc>
+                      <m:accPr>
+                        <m:chr m:val="̂"/>
+                        <m:ctrlPr>
+                          <a:rPr lang="en-US" altLang="ko-KR" sz="1600" i="1">
+                            <a:solidFill>
+                              <a:srgbClr val="FF0000"/>
+                            </a:solidFill>
+                            <a:latin typeface="Cambria Math" panose="02040503050406030204" pitchFamily="18" charset="0"/>
+                          </a:rPr>
+                        </m:ctrlPr>
+                      </m:accPr>
+                      <m:e>
+                        <m:r>
+                          <a:rPr lang="en-US" altLang="ko-KR" sz="1600" i="1">
+                            <a:solidFill>
+                              <a:srgbClr val="FF0000"/>
+                            </a:solidFill>
+                            <a:latin typeface="Cambria Math" panose="02040503050406030204" pitchFamily="18" charset="0"/>
+                          </a:rPr>
+                          <m:t>𝑛</m:t>
+                        </m:r>
+                      </m:e>
+                    </m:acc>
+                  </m:oMath>
+                </a14:m>
+                <a:r>
+                  <a:rPr lang="en-US" altLang="ko-KR" sz="1600" dirty="0">
+                    <a:solidFill>
+                      <a:srgbClr val="FF0000"/>
+                    </a:solidFill>
+                  </a:rPr>
+                  <a:t>: normal vector to </a:t>
+                </a:r>
+                <a14:m>
+                  <m:oMath xmlns:m="http://schemas.openxmlformats.org/officeDocument/2006/math">
+                    <m:r>
+                      <m:rPr>
+                        <m:sty m:val="p"/>
+                      </m:rPr>
+                      <a:rPr lang="en-US" altLang="ko-KR" sz="1600">
+                        <a:solidFill>
+                          <a:srgbClr val="FF0000"/>
+                        </a:solidFill>
+                        <a:latin typeface="Cambria Math" panose="02040503050406030204" pitchFamily="18" charset="0"/>
+                      </a:rPr>
+                      <m:t>d</m:t>
+                    </m:r>
+                    <m:r>
+                      <a:rPr lang="en-US" altLang="ko-KR" sz="1600" i="1">
+                        <a:solidFill>
+                          <a:srgbClr val="FF0000"/>
+                        </a:solidFill>
+                        <a:latin typeface="Cambria Math" panose="02040503050406030204" pitchFamily="18" charset="0"/>
+                      </a:rPr>
+                      <m:t>𝑠</m:t>
+                    </m:r>
+                  </m:oMath>
+                </a14:m>
+                <a:endParaRPr lang="ko-KR" altLang="en-US" sz="1600" dirty="0">
+                  <a:solidFill>
+                    <a:srgbClr val="FF0000"/>
+                  </a:solidFill>
+                </a:endParaRPr>
+              </a:p>
+            </p:txBody>
+          </p:sp>
+        </mc:Choice>
+        <mc:Fallback>
+          <p:sp>
+            <p:nvSpPr>
+              <p:cNvPr id="17" name="TextBox 16">
+                <a:extLst>
+                  <a:ext uri="{FF2B5EF4-FFF2-40B4-BE49-F238E27FC236}">
+                    <a16:creationId xmlns:a16="http://schemas.microsoft.com/office/drawing/2014/main" id="{D8038EAC-E0C5-47D9-9618-8672E90D8C5A}"/>
+                  </a:ext>
+                </a:extLst>
+              </p:cNvPr>
+              <p:cNvSpPr txBox="1">
+                <a:spLocks noRot="1" noChangeAspect="1" noMove="1" noResize="1" noEditPoints="1" noAdjustHandles="1" noChangeArrowheads="1" noChangeShapeType="1" noTextEdit="1"/>
+              </p:cNvSpPr>
+              <p:nvPr/>
+            </p:nvSpPr>
+            <p:spPr>
+              <a:xfrm>
+                <a:off x="3503329" y="4531456"/>
+                <a:ext cx="2295565" cy="338554"/>
+              </a:xfrm>
+              <a:prstGeom prst="rect">
+                <a:avLst/>
+              </a:prstGeom>
+              <a:blipFill>
+                <a:blip r:embed="rId5"/>
+                <a:stretch>
+                  <a:fillRect t="-5357" b="-21429"/>
+                </a:stretch>
+              </a:blipFill>
+            </p:spPr>
+            <p:txBody>
+              <a:bodyPr/>
+              <a:lstStyle/>
+              <a:p>
+                <a:r>
+                  <a:rPr lang="en-US">
+                    <a:noFill/>
+                  </a:rPr>
+                  <a:t> </a:t>
+                </a:r>
+              </a:p>
+            </p:txBody>
+          </p:sp>
+        </mc:Fallback>
+      </mc:AlternateContent>
+      <p:cxnSp>
+        <p:nvCxnSpPr>
+          <p:cNvPr id="48" name="직선 화살표 연결선 47">
+            <a:extLst>
+              <a:ext uri="{FF2B5EF4-FFF2-40B4-BE49-F238E27FC236}">
+                <a16:creationId xmlns:a16="http://schemas.microsoft.com/office/drawing/2014/main" id="{F7038F0C-A26E-4A38-A3D4-08DBC68014F4}"/>
+              </a:ext>
+            </a:extLst>
+          </p:cNvPr>
+          <p:cNvCxnSpPr>
+            <a:cxnSpLocks/>
+          </p:cNvCxnSpPr>
+          <p:nvPr/>
+        </p:nvCxnSpPr>
+        <p:spPr>
+          <a:xfrm flipV="1">
+            <a:off x="9922620" y="2918620"/>
+            <a:ext cx="778217" cy="1857363"/>
+          </a:xfrm>
+          <a:prstGeom prst="straightConnector1">
+            <a:avLst/>
+          </a:prstGeom>
+          <a:ln w="57150">
+            <a:solidFill>
+              <a:schemeClr val="accent1"/>
+            </a:solidFill>
+            <a:tailEnd type="triangle"/>
+          </a:ln>
+        </p:spPr>
+        <p:style>
+          <a:lnRef idx="1">
+            <a:schemeClr val="accent1"/>
+          </a:lnRef>
+          <a:fillRef idx="0">
+            <a:schemeClr val="accent1"/>
+          </a:fillRef>
+          <a:effectRef idx="0">
+            <a:schemeClr val="accent1"/>
+          </a:effectRef>
+          <a:fontRef idx="minor">
+            <a:schemeClr val="tx1"/>
+          </a:fontRef>
+        </p:style>
+      </p:cxnSp>
+      <p:cxnSp>
+        <p:nvCxnSpPr>
+          <p:cNvPr id="49" name="직선 화살표 연결선 48">
+            <a:extLst>
+              <a:ext uri="{FF2B5EF4-FFF2-40B4-BE49-F238E27FC236}">
+                <a16:creationId xmlns:a16="http://schemas.microsoft.com/office/drawing/2014/main" id="{815C3E79-ADE4-466B-8A35-DC9015FF2DA5}"/>
+              </a:ext>
+            </a:extLst>
+          </p:cNvPr>
+          <p:cNvCxnSpPr>
+            <a:cxnSpLocks/>
+          </p:cNvCxnSpPr>
+          <p:nvPr/>
+        </p:nvCxnSpPr>
+        <p:spPr>
+          <a:xfrm flipV="1">
+            <a:off x="7748630" y="2918620"/>
+            <a:ext cx="778217" cy="1857363"/>
+          </a:xfrm>
+          <a:prstGeom prst="straightConnector1">
+            <a:avLst/>
+          </a:prstGeom>
+          <a:ln w="57150">
+            <a:solidFill>
+              <a:schemeClr val="accent1"/>
+            </a:solidFill>
+            <a:prstDash val="dash"/>
+            <a:tailEnd type="triangle"/>
+          </a:ln>
+        </p:spPr>
+        <p:style>
+          <a:lnRef idx="1">
+            <a:schemeClr val="accent1"/>
+          </a:lnRef>
+          <a:fillRef idx="0">
+            <a:schemeClr val="accent1"/>
+          </a:fillRef>
+          <a:effectRef idx="0">
+            <a:schemeClr val="accent1"/>
+          </a:effectRef>
+          <a:fontRef idx="minor">
+            <a:schemeClr val="tx1"/>
+          </a:fontRef>
+        </p:style>
+      </p:cxnSp>
+      <mc:AlternateContent xmlns:mc="http://schemas.openxmlformats.org/markup-compatibility/2006" xmlns:a14="http://schemas.microsoft.com/office/drawing/2010/main">
+        <mc:Choice Requires="a14">
+          <p:sp>
+            <p:nvSpPr>
+              <p:cNvPr id="66" name="TextBox 65">
+                <a:extLst>
+                  <a:ext uri="{FF2B5EF4-FFF2-40B4-BE49-F238E27FC236}">
+                    <a16:creationId xmlns:a16="http://schemas.microsoft.com/office/drawing/2014/main" id="{33366BBC-17E3-4CD1-AC7A-9FAB3B3C243D}"/>
+                  </a:ext>
+                </a:extLst>
+              </p:cNvPr>
+              <p:cNvSpPr txBox="1"/>
+              <p:nvPr/>
+            </p:nvSpPr>
+            <p:spPr>
+              <a:xfrm>
+                <a:off x="10259428" y="3672243"/>
+                <a:ext cx="805349" cy="506421"/>
+              </a:xfrm>
+              <a:prstGeom prst="rect">
+                <a:avLst/>
+              </a:prstGeom>
+              <a:noFill/>
+            </p:spPr>
+            <p:txBody>
+              <a:bodyPr wrap="none" rtlCol="0">
+                <a:spAutoFit/>
+              </a:bodyPr>
+              <a:lstStyle/>
+              <a:p>
+                <a:pPr/>
+                <a14:m>
+                  <m:oMathPara xmlns:m="http://schemas.openxmlformats.org/officeDocument/2006/math">
+                    <m:oMathParaPr>
+                      <m:jc m:val="centerGroup"/>
+                    </m:oMathParaPr>
+                    <m:oMath xmlns:m="http://schemas.openxmlformats.org/officeDocument/2006/math">
+                      <m:acc>
+                        <m:accPr>
+                          <m:chr m:val="⃗"/>
+                          <m:ctrlPr>
+                            <a:rPr lang="en-US" altLang="ko-KR" sz="2400" b="0" i="1" smtClean="0">
+                              <a:solidFill>
+                                <a:schemeClr val="accent1"/>
+                              </a:solidFill>
+                              <a:latin typeface="Cambria Math" panose="02040503050406030204" pitchFamily="18" charset="0"/>
+                            </a:rPr>
+                          </m:ctrlPr>
+                        </m:accPr>
+                        <m:e>
+                          <m:r>
+                            <a:rPr lang="en-US" altLang="ko-KR" sz="2400" b="0" i="1" smtClean="0">
+                              <a:solidFill>
+                                <a:schemeClr val="accent1"/>
+                              </a:solidFill>
+                              <a:latin typeface="Cambria Math" panose="02040503050406030204" pitchFamily="18" charset="0"/>
+                            </a:rPr>
+                            <m:t>𝐹</m:t>
+                          </m:r>
+                        </m:e>
+                      </m:acc>
+                      <m:r>
+                        <m:rPr>
+                          <m:sty m:val="p"/>
+                        </m:rPr>
+                        <a:rPr lang="en-US" altLang="ko-KR" sz="2400" b="0" i="0" smtClean="0">
+                          <a:solidFill>
+                            <a:schemeClr val="accent1"/>
+                          </a:solidFill>
+                          <a:latin typeface="Cambria Math" panose="02040503050406030204" pitchFamily="18" charset="0"/>
+                        </a:rPr>
+                        <m:t>Δ</m:t>
+                      </m:r>
+                      <m:r>
+                        <a:rPr lang="en-US" altLang="ko-KR" sz="2400" b="0" i="1" smtClean="0">
+                          <a:solidFill>
+                            <a:schemeClr val="accent1"/>
+                          </a:solidFill>
+                          <a:latin typeface="Cambria Math" panose="02040503050406030204" pitchFamily="18" charset="0"/>
+                        </a:rPr>
+                        <m:t>𝑡</m:t>
+                      </m:r>
+                    </m:oMath>
+                  </m:oMathPara>
+                </a14:m>
+                <a:endParaRPr lang="ko-KR" altLang="en-US" sz="2400" dirty="0">
+                  <a:solidFill>
+                    <a:schemeClr val="accent1"/>
+                  </a:solidFill>
+                </a:endParaRPr>
+              </a:p>
+            </p:txBody>
+          </p:sp>
+        </mc:Choice>
+        <mc:Fallback xmlns="">
+          <p:sp>
+            <p:nvSpPr>
+              <p:cNvPr id="66" name="TextBox 65">
+                <a:extLst>
+                  <a:ext uri="{FF2B5EF4-FFF2-40B4-BE49-F238E27FC236}">
+                    <a16:creationId xmlns:a16="http://schemas.microsoft.com/office/drawing/2014/main" id="{33366BBC-17E3-4CD1-AC7A-9FAB3B3C243D}"/>
+                  </a:ext>
+                </a:extLst>
+              </p:cNvPr>
+              <p:cNvSpPr txBox="1">
+                <a:spLocks noRot="1" noChangeAspect="1" noMove="1" noResize="1" noEditPoints="1" noAdjustHandles="1" noChangeArrowheads="1" noChangeShapeType="1" noTextEdit="1"/>
+              </p:cNvSpPr>
+              <p:nvPr/>
+            </p:nvSpPr>
+            <p:spPr>
+              <a:xfrm>
+                <a:off x="10259428" y="3672243"/>
+                <a:ext cx="805349" cy="506421"/>
+              </a:xfrm>
+              <a:prstGeom prst="rect">
+                <a:avLst/>
+              </a:prstGeom>
+              <a:blipFill>
+                <a:blip r:embed="rId6"/>
+                <a:stretch>
+                  <a:fillRect/>
+                </a:stretch>
+              </a:blipFill>
+            </p:spPr>
+            <p:txBody>
+              <a:bodyPr/>
+              <a:lstStyle/>
+              <a:p>
+                <a:r>
+                  <a:rPr lang="ko-KR" altLang="en-US">
+                    <a:noFill/>
+                  </a:rPr>
+                  <a:t> </a:t>
+                </a:r>
+              </a:p>
+            </p:txBody>
+          </p:sp>
+        </mc:Fallback>
+      </mc:AlternateContent>
+      <p:sp>
+        <p:nvSpPr>
+          <p:cNvPr id="18" name="직사각형 17">
+            <a:extLst>
+              <a:ext uri="{FF2B5EF4-FFF2-40B4-BE49-F238E27FC236}">
+                <a16:creationId xmlns:a16="http://schemas.microsoft.com/office/drawing/2014/main" id="{3F283EE8-3791-4197-A013-EEE57A5F23B9}"/>
+              </a:ext>
+            </a:extLst>
+          </p:cNvPr>
+          <p:cNvSpPr/>
+          <p:nvPr/>
+        </p:nvSpPr>
+        <p:spPr>
+          <a:xfrm>
+            <a:off x="6948093" y="4769056"/>
+            <a:ext cx="2983065" cy="482454"/>
+          </a:xfrm>
+          <a:custGeom>
+            <a:avLst/>
+            <a:gdLst>
+              <a:gd name="connsiteX0" fmla="*/ 0 w 3661492"/>
+              <a:gd name="connsiteY0" fmla="*/ 0 h 1467397"/>
+              <a:gd name="connsiteX1" fmla="*/ 3661492 w 3661492"/>
+              <a:gd name="connsiteY1" fmla="*/ 0 h 1467397"/>
+              <a:gd name="connsiteX2" fmla="*/ 3661492 w 3661492"/>
+              <a:gd name="connsiteY2" fmla="*/ 1467397 h 1467397"/>
+              <a:gd name="connsiteX3" fmla="*/ 0 w 3661492"/>
+              <a:gd name="connsiteY3" fmla="*/ 1467397 h 1467397"/>
+              <a:gd name="connsiteX4" fmla="*/ 0 w 3661492"/>
+              <a:gd name="connsiteY4" fmla="*/ 0 h 1467397"/>
+              <a:gd name="connsiteX0" fmla="*/ 729575 w 3661492"/>
+              <a:gd name="connsiteY0" fmla="*/ 19455 h 1467397"/>
+              <a:gd name="connsiteX1" fmla="*/ 3661492 w 3661492"/>
+              <a:gd name="connsiteY1" fmla="*/ 0 h 1467397"/>
+              <a:gd name="connsiteX2" fmla="*/ 3661492 w 3661492"/>
+              <a:gd name="connsiteY2" fmla="*/ 1467397 h 1467397"/>
+              <a:gd name="connsiteX3" fmla="*/ 0 w 3661492"/>
+              <a:gd name="connsiteY3" fmla="*/ 1467397 h 1467397"/>
+              <a:gd name="connsiteX4" fmla="*/ 729575 w 3661492"/>
+              <a:gd name="connsiteY4" fmla="*/ 19455 h 1467397"/>
+              <a:gd name="connsiteX0" fmla="*/ 729575 w 4284062"/>
+              <a:gd name="connsiteY0" fmla="*/ 0 h 1447942"/>
+              <a:gd name="connsiteX1" fmla="*/ 4284062 w 4284062"/>
+              <a:gd name="connsiteY1" fmla="*/ 1 h 1447942"/>
+              <a:gd name="connsiteX2" fmla="*/ 3661492 w 4284062"/>
+              <a:gd name="connsiteY2" fmla="*/ 1447942 h 1447942"/>
+              <a:gd name="connsiteX3" fmla="*/ 0 w 4284062"/>
+              <a:gd name="connsiteY3" fmla="*/ 1447942 h 1447942"/>
+              <a:gd name="connsiteX4" fmla="*/ 729575 w 4284062"/>
+              <a:gd name="connsiteY4" fmla="*/ 0 h 1447942"/>
+              <a:gd name="connsiteX0" fmla="*/ 1176272 w 4284062"/>
+              <a:gd name="connsiteY0" fmla="*/ 12072 h 1447941"/>
+              <a:gd name="connsiteX1" fmla="*/ 4284062 w 4284062"/>
+              <a:gd name="connsiteY1" fmla="*/ 0 h 1447941"/>
+              <a:gd name="connsiteX2" fmla="*/ 3661492 w 4284062"/>
+              <a:gd name="connsiteY2" fmla="*/ 1447941 h 1447941"/>
+              <a:gd name="connsiteX3" fmla="*/ 0 w 4284062"/>
+              <a:gd name="connsiteY3" fmla="*/ 1447941 h 1447941"/>
+              <a:gd name="connsiteX4" fmla="*/ 1176272 w 4284062"/>
+              <a:gd name="connsiteY4" fmla="*/ 12072 h 1447941"/>
+              <a:gd name="connsiteX0" fmla="*/ 1176272 w 4416865"/>
+              <a:gd name="connsiteY0" fmla="*/ 0 h 1435869"/>
+              <a:gd name="connsiteX1" fmla="*/ 4416865 w 4416865"/>
+              <a:gd name="connsiteY1" fmla="*/ 1 h 1435869"/>
+              <a:gd name="connsiteX2" fmla="*/ 3661492 w 4416865"/>
+              <a:gd name="connsiteY2" fmla="*/ 1435869 h 1435869"/>
+              <a:gd name="connsiteX3" fmla="*/ 0 w 4416865"/>
+              <a:gd name="connsiteY3" fmla="*/ 1435869 h 1435869"/>
+              <a:gd name="connsiteX4" fmla="*/ 1176272 w 4416865"/>
+              <a:gd name="connsiteY4" fmla="*/ 0 h 1435869"/>
+              <a:gd name="connsiteX0" fmla="*/ 1176272 w 4634178"/>
+              <a:gd name="connsiteY0" fmla="*/ 0 h 1435869"/>
+              <a:gd name="connsiteX1" fmla="*/ 4634178 w 4634178"/>
+              <a:gd name="connsiteY1" fmla="*/ 12075 h 1435869"/>
+              <a:gd name="connsiteX2" fmla="*/ 3661492 w 4634178"/>
+              <a:gd name="connsiteY2" fmla="*/ 1435869 h 1435869"/>
+              <a:gd name="connsiteX3" fmla="*/ 0 w 4634178"/>
+              <a:gd name="connsiteY3" fmla="*/ 1435869 h 1435869"/>
+              <a:gd name="connsiteX4" fmla="*/ 1176272 w 4634178"/>
+              <a:gd name="connsiteY4" fmla="*/ 0 h 1435869"/>
+              <a:gd name="connsiteX0" fmla="*/ 1176272 w 4268503"/>
+              <a:gd name="connsiteY0" fmla="*/ 0 h 1435869"/>
+              <a:gd name="connsiteX1" fmla="*/ 4268503 w 4268503"/>
+              <a:gd name="connsiteY1" fmla="*/ 12075 h 1435869"/>
+              <a:gd name="connsiteX2" fmla="*/ 3661492 w 4268503"/>
+              <a:gd name="connsiteY2" fmla="*/ 1435869 h 1435869"/>
+              <a:gd name="connsiteX3" fmla="*/ 0 w 4268503"/>
+              <a:gd name="connsiteY3" fmla="*/ 1435869 h 1435869"/>
+              <a:gd name="connsiteX4" fmla="*/ 1176272 w 4268503"/>
+              <a:gd name="connsiteY4" fmla="*/ 0 h 1435869"/>
+              <a:gd name="connsiteX0" fmla="*/ 1176272 w 3902828"/>
+              <a:gd name="connsiteY0" fmla="*/ 0 h 1435869"/>
+              <a:gd name="connsiteX1" fmla="*/ 3902828 w 3902828"/>
+              <a:gd name="connsiteY1" fmla="*/ 12075 h 1435869"/>
+              <a:gd name="connsiteX2" fmla="*/ 3661492 w 3902828"/>
+              <a:gd name="connsiteY2" fmla="*/ 1435869 h 1435869"/>
+              <a:gd name="connsiteX3" fmla="*/ 0 w 3902828"/>
+              <a:gd name="connsiteY3" fmla="*/ 1435869 h 1435869"/>
+              <a:gd name="connsiteX4" fmla="*/ 1176272 w 3902828"/>
+              <a:gd name="connsiteY4" fmla="*/ 0 h 1435869"/>
+              <a:gd name="connsiteX0" fmla="*/ 1176272 w 3719990"/>
+              <a:gd name="connsiteY0" fmla="*/ 0 h 1435869"/>
+              <a:gd name="connsiteX1" fmla="*/ 3719990 w 3719990"/>
+              <a:gd name="connsiteY1" fmla="*/ 18379 h 1435869"/>
+              <a:gd name="connsiteX2" fmla="*/ 3661492 w 3719990"/>
+              <a:gd name="connsiteY2" fmla="*/ 1435869 h 1435869"/>
+              <a:gd name="connsiteX3" fmla="*/ 0 w 3719990"/>
+              <a:gd name="connsiteY3" fmla="*/ 1435869 h 1435869"/>
+              <a:gd name="connsiteX4" fmla="*/ 1176272 w 3719990"/>
+              <a:gd name="connsiteY4" fmla="*/ 0 h 1435869"/>
+              <a:gd name="connsiteX0" fmla="*/ 1176272 w 3719990"/>
+              <a:gd name="connsiteY0" fmla="*/ 0 h 1435869"/>
+              <a:gd name="connsiteX1" fmla="*/ 3719990 w 3719990"/>
+              <a:gd name="connsiteY1" fmla="*/ 18379 h 1435869"/>
+              <a:gd name="connsiteX2" fmla="*/ 2841875 w 3719990"/>
+              <a:gd name="connsiteY2" fmla="*/ 1435869 h 1435869"/>
+              <a:gd name="connsiteX3" fmla="*/ 0 w 3719990"/>
+              <a:gd name="connsiteY3" fmla="*/ 1435869 h 1435869"/>
+              <a:gd name="connsiteX4" fmla="*/ 1176272 w 3719990"/>
+              <a:gd name="connsiteY4" fmla="*/ 0 h 1435869"/>
+              <a:gd name="connsiteX0" fmla="*/ 1176272 w 3712424"/>
+              <a:gd name="connsiteY0" fmla="*/ 0 h 1435869"/>
+              <a:gd name="connsiteX1" fmla="*/ 3712424 w 3712424"/>
+              <a:gd name="connsiteY1" fmla="*/ 3248 h 1435869"/>
+              <a:gd name="connsiteX2" fmla="*/ 2841875 w 3712424"/>
+              <a:gd name="connsiteY2" fmla="*/ 1435869 h 1435869"/>
+              <a:gd name="connsiteX3" fmla="*/ 0 w 3712424"/>
+              <a:gd name="connsiteY3" fmla="*/ 1435869 h 1435869"/>
+              <a:gd name="connsiteX4" fmla="*/ 1176272 w 3712424"/>
+              <a:gd name="connsiteY4" fmla="*/ 0 h 1435869"/>
+              <a:gd name="connsiteX0" fmla="*/ 1176272 w 3894001"/>
+              <a:gd name="connsiteY0" fmla="*/ 34581 h 1470450"/>
+              <a:gd name="connsiteX1" fmla="*/ 3894001 w 3894001"/>
+              <a:gd name="connsiteY1" fmla="*/ 0 h 1470450"/>
+              <a:gd name="connsiteX2" fmla="*/ 2841875 w 3894001"/>
+              <a:gd name="connsiteY2" fmla="*/ 1470450 h 1470450"/>
+              <a:gd name="connsiteX3" fmla="*/ 0 w 3894001"/>
+              <a:gd name="connsiteY3" fmla="*/ 1470450 h 1470450"/>
+              <a:gd name="connsiteX4" fmla="*/ 1176272 w 3894001"/>
+              <a:gd name="connsiteY4" fmla="*/ 34581 h 1470450"/>
+              <a:gd name="connsiteX0" fmla="*/ 1176272 w 3924264"/>
+              <a:gd name="connsiteY0" fmla="*/ 19450 h 1455319"/>
+              <a:gd name="connsiteX1" fmla="*/ 3924264 w 3924264"/>
+              <a:gd name="connsiteY1" fmla="*/ 0 h 1455319"/>
+              <a:gd name="connsiteX2" fmla="*/ 2841875 w 3924264"/>
+              <a:gd name="connsiteY2" fmla="*/ 1455319 h 1455319"/>
+              <a:gd name="connsiteX3" fmla="*/ 0 w 3924264"/>
+              <a:gd name="connsiteY3" fmla="*/ 1455319 h 1455319"/>
+              <a:gd name="connsiteX4" fmla="*/ 1176272 w 3924264"/>
+              <a:gd name="connsiteY4" fmla="*/ 19450 h 1455319"/>
+              <a:gd name="connsiteX0" fmla="*/ 1176272 w 4022618"/>
+              <a:gd name="connsiteY0" fmla="*/ 4319 h 1440188"/>
+              <a:gd name="connsiteX1" fmla="*/ 4022618 w 4022618"/>
+              <a:gd name="connsiteY1" fmla="*/ 0 h 1440188"/>
+              <a:gd name="connsiteX2" fmla="*/ 2841875 w 4022618"/>
+              <a:gd name="connsiteY2" fmla="*/ 1440188 h 1440188"/>
+              <a:gd name="connsiteX3" fmla="*/ 0 w 4022618"/>
+              <a:gd name="connsiteY3" fmla="*/ 1440188 h 1440188"/>
+              <a:gd name="connsiteX4" fmla="*/ 1176272 w 4022618"/>
+              <a:gd name="connsiteY4" fmla="*/ 4319 h 1440188"/>
+              <a:gd name="connsiteX0" fmla="*/ 542645 w 4022618"/>
+              <a:gd name="connsiteY0" fmla="*/ 1115532 h 1440188"/>
+              <a:gd name="connsiteX1" fmla="*/ 4022618 w 4022618"/>
+              <a:gd name="connsiteY1" fmla="*/ 0 h 1440188"/>
+              <a:gd name="connsiteX2" fmla="*/ 2841875 w 4022618"/>
+              <a:gd name="connsiteY2" fmla="*/ 1440188 h 1440188"/>
+              <a:gd name="connsiteX3" fmla="*/ 0 w 4022618"/>
+              <a:gd name="connsiteY3" fmla="*/ 1440188 h 1440188"/>
+              <a:gd name="connsiteX4" fmla="*/ 542645 w 4022618"/>
+              <a:gd name="connsiteY4" fmla="*/ 1115532 h 1440188"/>
+              <a:gd name="connsiteX0" fmla="*/ 542645 w 2841875"/>
+              <a:gd name="connsiteY0" fmla="*/ 0 h 324656"/>
+              <a:gd name="connsiteX1" fmla="*/ 2036622 w 2841875"/>
+              <a:gd name="connsiteY1" fmla="*/ 409 h 324656"/>
+              <a:gd name="connsiteX2" fmla="*/ 2841875 w 2841875"/>
+              <a:gd name="connsiteY2" fmla="*/ 324656 h 324656"/>
+              <a:gd name="connsiteX3" fmla="*/ 0 w 2841875"/>
+              <a:gd name="connsiteY3" fmla="*/ 324656 h 324656"/>
+              <a:gd name="connsiteX4" fmla="*/ 542645 w 2841875"/>
+              <a:gd name="connsiteY4" fmla="*/ 0 h 324656"/>
+              <a:gd name="connsiteX0" fmla="*/ 542645 w 2036622"/>
+              <a:gd name="connsiteY0" fmla="*/ 0 h 329385"/>
+              <a:gd name="connsiteX1" fmla="*/ 2036622 w 2036622"/>
+              <a:gd name="connsiteY1" fmla="*/ 409 h 329385"/>
+              <a:gd name="connsiteX2" fmla="*/ 1446950 w 2036622"/>
+              <a:gd name="connsiteY2" fmla="*/ 329385 h 329385"/>
+              <a:gd name="connsiteX3" fmla="*/ 0 w 2036622"/>
+              <a:gd name="connsiteY3" fmla="*/ 324656 h 329385"/>
+              <a:gd name="connsiteX4" fmla="*/ 542645 w 2036622"/>
+              <a:gd name="connsiteY4" fmla="*/ 0 h 329385"/>
+            </a:gdLst>
+            <a:ahLst/>
+            <a:cxnLst>
+              <a:cxn ang="0">
+                <a:pos x="connsiteX0" y="connsiteY0"/>
+              </a:cxn>
+              <a:cxn ang="0">
+                <a:pos x="connsiteX1" y="connsiteY1"/>
+              </a:cxn>
+              <a:cxn ang="0">
+                <a:pos x="connsiteX2" y="connsiteY2"/>
+              </a:cxn>
+              <a:cxn ang="0">
+                <a:pos x="connsiteX3" y="connsiteY3"/>
+              </a:cxn>
+              <a:cxn ang="0">
+                <a:pos x="connsiteX4" y="connsiteY4"/>
+              </a:cxn>
+            </a:cxnLst>
+            <a:rect l="l" t="t" r="r" b="b"/>
+            <a:pathLst>
+              <a:path w="2036622" h="329385">
+                <a:moveTo>
+                  <a:pt x="542645" y="0"/>
+                </a:moveTo>
+                <a:lnTo>
+                  <a:pt x="2036622" y="409"/>
+                </a:lnTo>
+                <a:lnTo>
+                  <a:pt x="1446950" y="329385"/>
+                </a:lnTo>
+                <a:lnTo>
+                  <a:pt x="0" y="324656"/>
+                </a:lnTo>
+                <a:lnTo>
+                  <a:pt x="542645" y="0"/>
+                </a:lnTo>
+                <a:close/>
+              </a:path>
+            </a:pathLst>
+          </a:custGeom>
+          <a:solidFill>
+            <a:schemeClr val="bg2"/>
+          </a:solidFill>
+          <a:ln>
+            <a:noFill/>
+          </a:ln>
+        </p:spPr>
+        <p:style>
+          <a:lnRef idx="2">
+            <a:schemeClr val="accent1">
+              <a:shade val="50000"/>
+            </a:schemeClr>
+          </a:lnRef>
+          <a:fillRef idx="1">
+            <a:schemeClr val="accent1"/>
+          </a:fillRef>
+          <a:effectRef idx="0">
+            <a:schemeClr val="accent1"/>
+          </a:effectRef>
+          <a:fontRef idx="minor">
+            <a:schemeClr val="lt1"/>
+          </a:fontRef>
+        </p:style>
+        <p:txBody>
+          <a:bodyPr rtlCol="0" anchor="ctr"/>
+          <a:lstStyle/>
+          <a:p>
+            <a:pPr algn="ctr"/>
+            <a:endParaRPr lang="ko-KR" altLang="en-US" sz="2800" dirty="0">
+              <a:solidFill>
+                <a:schemeClr val="tx1"/>
+              </a:solidFill>
+            </a:endParaRPr>
+          </a:p>
+        </p:txBody>
+      </p:sp>
+      <p:cxnSp>
+        <p:nvCxnSpPr>
+          <p:cNvPr id="47" name="직선 화살표 연결선 46">
+            <a:extLst>
+              <a:ext uri="{FF2B5EF4-FFF2-40B4-BE49-F238E27FC236}">
+                <a16:creationId xmlns:a16="http://schemas.microsoft.com/office/drawing/2014/main" id="{70C76C92-ADCC-4741-90F8-64D607804E1E}"/>
+              </a:ext>
+            </a:extLst>
+          </p:cNvPr>
+          <p:cNvCxnSpPr>
+            <a:cxnSpLocks/>
+          </p:cNvCxnSpPr>
+          <p:nvPr/>
+        </p:nvCxnSpPr>
+        <p:spPr>
+          <a:xfrm flipV="1">
+            <a:off x="9084729" y="3394149"/>
+            <a:ext cx="778217" cy="1857363"/>
+          </a:xfrm>
+          <a:prstGeom prst="straightConnector1">
+            <a:avLst/>
+          </a:prstGeom>
+          <a:ln w="57150">
+            <a:solidFill>
+              <a:schemeClr val="accent1"/>
+            </a:solidFill>
+            <a:tailEnd type="triangle"/>
+          </a:ln>
+        </p:spPr>
+        <p:style>
+          <a:lnRef idx="1">
+            <a:schemeClr val="accent1"/>
+          </a:lnRef>
+          <a:fillRef idx="0">
+            <a:schemeClr val="accent1"/>
+          </a:fillRef>
+          <a:effectRef idx="0">
+            <a:schemeClr val="accent1"/>
+          </a:effectRef>
+          <a:fontRef idx="minor">
+            <a:schemeClr val="tx1"/>
+          </a:fontRef>
+        </p:style>
+      </p:cxnSp>
+      <p:sp>
+        <p:nvSpPr>
+          <p:cNvPr id="44" name="직사각형 17">
+            <a:extLst>
+              <a:ext uri="{FF2B5EF4-FFF2-40B4-BE49-F238E27FC236}">
+                <a16:creationId xmlns:a16="http://schemas.microsoft.com/office/drawing/2014/main" id="{1C448D8A-E6E6-49A6-803D-C5BF1483ED36}"/>
+              </a:ext>
+            </a:extLst>
+          </p:cNvPr>
+          <p:cNvSpPr/>
+          <p:nvPr/>
+        </p:nvSpPr>
+        <p:spPr>
+          <a:xfrm>
+            <a:off x="7726310" y="2918622"/>
+            <a:ext cx="2983065" cy="482454"/>
+          </a:xfrm>
+          <a:custGeom>
+            <a:avLst/>
+            <a:gdLst>
+              <a:gd name="connsiteX0" fmla="*/ 0 w 3661492"/>
+              <a:gd name="connsiteY0" fmla="*/ 0 h 1467397"/>
+              <a:gd name="connsiteX1" fmla="*/ 3661492 w 3661492"/>
+              <a:gd name="connsiteY1" fmla="*/ 0 h 1467397"/>
+              <a:gd name="connsiteX2" fmla="*/ 3661492 w 3661492"/>
+              <a:gd name="connsiteY2" fmla="*/ 1467397 h 1467397"/>
+              <a:gd name="connsiteX3" fmla="*/ 0 w 3661492"/>
+              <a:gd name="connsiteY3" fmla="*/ 1467397 h 1467397"/>
+              <a:gd name="connsiteX4" fmla="*/ 0 w 3661492"/>
+              <a:gd name="connsiteY4" fmla="*/ 0 h 1467397"/>
+              <a:gd name="connsiteX0" fmla="*/ 729575 w 3661492"/>
+              <a:gd name="connsiteY0" fmla="*/ 19455 h 1467397"/>
+              <a:gd name="connsiteX1" fmla="*/ 3661492 w 3661492"/>
+              <a:gd name="connsiteY1" fmla="*/ 0 h 1467397"/>
+              <a:gd name="connsiteX2" fmla="*/ 3661492 w 3661492"/>
+              <a:gd name="connsiteY2" fmla="*/ 1467397 h 1467397"/>
+              <a:gd name="connsiteX3" fmla="*/ 0 w 3661492"/>
+              <a:gd name="connsiteY3" fmla="*/ 1467397 h 1467397"/>
+              <a:gd name="connsiteX4" fmla="*/ 729575 w 3661492"/>
+              <a:gd name="connsiteY4" fmla="*/ 19455 h 1467397"/>
+              <a:gd name="connsiteX0" fmla="*/ 729575 w 4284062"/>
+              <a:gd name="connsiteY0" fmla="*/ 0 h 1447942"/>
+              <a:gd name="connsiteX1" fmla="*/ 4284062 w 4284062"/>
+              <a:gd name="connsiteY1" fmla="*/ 1 h 1447942"/>
+              <a:gd name="connsiteX2" fmla="*/ 3661492 w 4284062"/>
+              <a:gd name="connsiteY2" fmla="*/ 1447942 h 1447942"/>
+              <a:gd name="connsiteX3" fmla="*/ 0 w 4284062"/>
+              <a:gd name="connsiteY3" fmla="*/ 1447942 h 1447942"/>
+              <a:gd name="connsiteX4" fmla="*/ 729575 w 4284062"/>
+              <a:gd name="connsiteY4" fmla="*/ 0 h 1447942"/>
+              <a:gd name="connsiteX0" fmla="*/ 1176272 w 4284062"/>
+              <a:gd name="connsiteY0" fmla="*/ 12072 h 1447941"/>
+              <a:gd name="connsiteX1" fmla="*/ 4284062 w 4284062"/>
+              <a:gd name="connsiteY1" fmla="*/ 0 h 1447941"/>
+              <a:gd name="connsiteX2" fmla="*/ 3661492 w 4284062"/>
+              <a:gd name="connsiteY2" fmla="*/ 1447941 h 1447941"/>
+              <a:gd name="connsiteX3" fmla="*/ 0 w 4284062"/>
+              <a:gd name="connsiteY3" fmla="*/ 1447941 h 1447941"/>
+              <a:gd name="connsiteX4" fmla="*/ 1176272 w 4284062"/>
+              <a:gd name="connsiteY4" fmla="*/ 12072 h 1447941"/>
+              <a:gd name="connsiteX0" fmla="*/ 1176272 w 4416865"/>
+              <a:gd name="connsiteY0" fmla="*/ 0 h 1435869"/>
+              <a:gd name="connsiteX1" fmla="*/ 4416865 w 4416865"/>
+              <a:gd name="connsiteY1" fmla="*/ 1 h 1435869"/>
+              <a:gd name="connsiteX2" fmla="*/ 3661492 w 4416865"/>
+              <a:gd name="connsiteY2" fmla="*/ 1435869 h 1435869"/>
+              <a:gd name="connsiteX3" fmla="*/ 0 w 4416865"/>
+              <a:gd name="connsiteY3" fmla="*/ 1435869 h 1435869"/>
+              <a:gd name="connsiteX4" fmla="*/ 1176272 w 4416865"/>
+              <a:gd name="connsiteY4" fmla="*/ 0 h 1435869"/>
+              <a:gd name="connsiteX0" fmla="*/ 1176272 w 4634178"/>
+              <a:gd name="connsiteY0" fmla="*/ 0 h 1435869"/>
+              <a:gd name="connsiteX1" fmla="*/ 4634178 w 4634178"/>
+              <a:gd name="connsiteY1" fmla="*/ 12075 h 1435869"/>
+              <a:gd name="connsiteX2" fmla="*/ 3661492 w 4634178"/>
+              <a:gd name="connsiteY2" fmla="*/ 1435869 h 1435869"/>
+              <a:gd name="connsiteX3" fmla="*/ 0 w 4634178"/>
+              <a:gd name="connsiteY3" fmla="*/ 1435869 h 1435869"/>
+              <a:gd name="connsiteX4" fmla="*/ 1176272 w 4634178"/>
+              <a:gd name="connsiteY4" fmla="*/ 0 h 1435869"/>
+              <a:gd name="connsiteX0" fmla="*/ 1176272 w 4268503"/>
+              <a:gd name="connsiteY0" fmla="*/ 0 h 1435869"/>
+              <a:gd name="connsiteX1" fmla="*/ 4268503 w 4268503"/>
+              <a:gd name="connsiteY1" fmla="*/ 12075 h 1435869"/>
+              <a:gd name="connsiteX2" fmla="*/ 3661492 w 4268503"/>
+              <a:gd name="connsiteY2" fmla="*/ 1435869 h 1435869"/>
+              <a:gd name="connsiteX3" fmla="*/ 0 w 4268503"/>
+              <a:gd name="connsiteY3" fmla="*/ 1435869 h 1435869"/>
+              <a:gd name="connsiteX4" fmla="*/ 1176272 w 4268503"/>
+              <a:gd name="connsiteY4" fmla="*/ 0 h 1435869"/>
+              <a:gd name="connsiteX0" fmla="*/ 1176272 w 3902828"/>
+              <a:gd name="connsiteY0" fmla="*/ 0 h 1435869"/>
+              <a:gd name="connsiteX1" fmla="*/ 3902828 w 3902828"/>
+              <a:gd name="connsiteY1" fmla="*/ 12075 h 1435869"/>
+              <a:gd name="connsiteX2" fmla="*/ 3661492 w 3902828"/>
+              <a:gd name="connsiteY2" fmla="*/ 1435869 h 1435869"/>
+              <a:gd name="connsiteX3" fmla="*/ 0 w 3902828"/>
+              <a:gd name="connsiteY3" fmla="*/ 1435869 h 1435869"/>
+              <a:gd name="connsiteX4" fmla="*/ 1176272 w 3902828"/>
+              <a:gd name="connsiteY4" fmla="*/ 0 h 1435869"/>
+              <a:gd name="connsiteX0" fmla="*/ 1176272 w 3719990"/>
+              <a:gd name="connsiteY0" fmla="*/ 0 h 1435869"/>
+              <a:gd name="connsiteX1" fmla="*/ 3719990 w 3719990"/>
+              <a:gd name="connsiteY1" fmla="*/ 18379 h 1435869"/>
+              <a:gd name="connsiteX2" fmla="*/ 3661492 w 3719990"/>
+              <a:gd name="connsiteY2" fmla="*/ 1435869 h 1435869"/>
+              <a:gd name="connsiteX3" fmla="*/ 0 w 3719990"/>
+              <a:gd name="connsiteY3" fmla="*/ 1435869 h 1435869"/>
+              <a:gd name="connsiteX4" fmla="*/ 1176272 w 3719990"/>
+              <a:gd name="connsiteY4" fmla="*/ 0 h 1435869"/>
+              <a:gd name="connsiteX0" fmla="*/ 1176272 w 3719990"/>
+              <a:gd name="connsiteY0" fmla="*/ 0 h 1435869"/>
+              <a:gd name="connsiteX1" fmla="*/ 3719990 w 3719990"/>
+              <a:gd name="connsiteY1" fmla="*/ 18379 h 1435869"/>
+              <a:gd name="connsiteX2" fmla="*/ 2841875 w 3719990"/>
+              <a:gd name="connsiteY2" fmla="*/ 1435869 h 1435869"/>
+              <a:gd name="connsiteX3" fmla="*/ 0 w 3719990"/>
+              <a:gd name="connsiteY3" fmla="*/ 1435869 h 1435869"/>
+              <a:gd name="connsiteX4" fmla="*/ 1176272 w 3719990"/>
+              <a:gd name="connsiteY4" fmla="*/ 0 h 1435869"/>
+              <a:gd name="connsiteX0" fmla="*/ 1176272 w 3712424"/>
+              <a:gd name="connsiteY0" fmla="*/ 0 h 1435869"/>
+              <a:gd name="connsiteX1" fmla="*/ 3712424 w 3712424"/>
+              <a:gd name="connsiteY1" fmla="*/ 3248 h 1435869"/>
+              <a:gd name="connsiteX2" fmla="*/ 2841875 w 3712424"/>
+              <a:gd name="connsiteY2" fmla="*/ 1435869 h 1435869"/>
+              <a:gd name="connsiteX3" fmla="*/ 0 w 3712424"/>
+              <a:gd name="connsiteY3" fmla="*/ 1435869 h 1435869"/>
+              <a:gd name="connsiteX4" fmla="*/ 1176272 w 3712424"/>
+              <a:gd name="connsiteY4" fmla="*/ 0 h 1435869"/>
+              <a:gd name="connsiteX0" fmla="*/ 1176272 w 3894001"/>
+              <a:gd name="connsiteY0" fmla="*/ 34581 h 1470450"/>
+              <a:gd name="connsiteX1" fmla="*/ 3894001 w 3894001"/>
+              <a:gd name="connsiteY1" fmla="*/ 0 h 1470450"/>
+              <a:gd name="connsiteX2" fmla="*/ 2841875 w 3894001"/>
+              <a:gd name="connsiteY2" fmla="*/ 1470450 h 1470450"/>
+              <a:gd name="connsiteX3" fmla="*/ 0 w 3894001"/>
+              <a:gd name="connsiteY3" fmla="*/ 1470450 h 1470450"/>
+              <a:gd name="connsiteX4" fmla="*/ 1176272 w 3894001"/>
+              <a:gd name="connsiteY4" fmla="*/ 34581 h 1470450"/>
+              <a:gd name="connsiteX0" fmla="*/ 1176272 w 3924264"/>
+              <a:gd name="connsiteY0" fmla="*/ 19450 h 1455319"/>
+              <a:gd name="connsiteX1" fmla="*/ 3924264 w 3924264"/>
+              <a:gd name="connsiteY1" fmla="*/ 0 h 1455319"/>
+              <a:gd name="connsiteX2" fmla="*/ 2841875 w 3924264"/>
+              <a:gd name="connsiteY2" fmla="*/ 1455319 h 1455319"/>
+              <a:gd name="connsiteX3" fmla="*/ 0 w 3924264"/>
+              <a:gd name="connsiteY3" fmla="*/ 1455319 h 1455319"/>
+              <a:gd name="connsiteX4" fmla="*/ 1176272 w 3924264"/>
+              <a:gd name="connsiteY4" fmla="*/ 19450 h 1455319"/>
+              <a:gd name="connsiteX0" fmla="*/ 1176272 w 4022618"/>
+              <a:gd name="connsiteY0" fmla="*/ 4319 h 1440188"/>
+              <a:gd name="connsiteX1" fmla="*/ 4022618 w 4022618"/>
+              <a:gd name="connsiteY1" fmla="*/ 0 h 1440188"/>
+              <a:gd name="connsiteX2" fmla="*/ 2841875 w 4022618"/>
+              <a:gd name="connsiteY2" fmla="*/ 1440188 h 1440188"/>
+              <a:gd name="connsiteX3" fmla="*/ 0 w 4022618"/>
+              <a:gd name="connsiteY3" fmla="*/ 1440188 h 1440188"/>
+              <a:gd name="connsiteX4" fmla="*/ 1176272 w 4022618"/>
+              <a:gd name="connsiteY4" fmla="*/ 4319 h 1440188"/>
+              <a:gd name="connsiteX0" fmla="*/ 542645 w 4022618"/>
+              <a:gd name="connsiteY0" fmla="*/ 1115532 h 1440188"/>
+              <a:gd name="connsiteX1" fmla="*/ 4022618 w 4022618"/>
+              <a:gd name="connsiteY1" fmla="*/ 0 h 1440188"/>
+              <a:gd name="connsiteX2" fmla="*/ 2841875 w 4022618"/>
+              <a:gd name="connsiteY2" fmla="*/ 1440188 h 1440188"/>
+              <a:gd name="connsiteX3" fmla="*/ 0 w 4022618"/>
+              <a:gd name="connsiteY3" fmla="*/ 1440188 h 1440188"/>
+              <a:gd name="connsiteX4" fmla="*/ 542645 w 4022618"/>
+              <a:gd name="connsiteY4" fmla="*/ 1115532 h 1440188"/>
+              <a:gd name="connsiteX0" fmla="*/ 542645 w 2841875"/>
+              <a:gd name="connsiteY0" fmla="*/ 0 h 324656"/>
+              <a:gd name="connsiteX1" fmla="*/ 2036622 w 2841875"/>
+              <a:gd name="connsiteY1" fmla="*/ 409 h 324656"/>
+              <a:gd name="connsiteX2" fmla="*/ 2841875 w 2841875"/>
+              <a:gd name="connsiteY2" fmla="*/ 324656 h 324656"/>
+              <a:gd name="connsiteX3" fmla="*/ 0 w 2841875"/>
+              <a:gd name="connsiteY3" fmla="*/ 324656 h 324656"/>
+              <a:gd name="connsiteX4" fmla="*/ 542645 w 2841875"/>
+              <a:gd name="connsiteY4" fmla="*/ 0 h 324656"/>
+              <a:gd name="connsiteX0" fmla="*/ 542645 w 2036622"/>
+              <a:gd name="connsiteY0" fmla="*/ 0 h 329385"/>
+              <a:gd name="connsiteX1" fmla="*/ 2036622 w 2036622"/>
+              <a:gd name="connsiteY1" fmla="*/ 409 h 329385"/>
+              <a:gd name="connsiteX2" fmla="*/ 1446950 w 2036622"/>
+              <a:gd name="connsiteY2" fmla="*/ 329385 h 329385"/>
+              <a:gd name="connsiteX3" fmla="*/ 0 w 2036622"/>
+              <a:gd name="connsiteY3" fmla="*/ 324656 h 329385"/>
+              <a:gd name="connsiteX4" fmla="*/ 542645 w 2036622"/>
+              <a:gd name="connsiteY4" fmla="*/ 0 h 329385"/>
+            </a:gdLst>
+            <a:ahLst/>
+            <a:cxnLst>
+              <a:cxn ang="0">
+                <a:pos x="connsiteX0" y="connsiteY0"/>
+              </a:cxn>
+              <a:cxn ang="0">
+                <a:pos x="connsiteX1" y="connsiteY1"/>
+              </a:cxn>
+              <a:cxn ang="0">
+                <a:pos x="connsiteX2" y="connsiteY2"/>
+              </a:cxn>
+              <a:cxn ang="0">
+                <a:pos x="connsiteX3" y="connsiteY3"/>
+              </a:cxn>
+              <a:cxn ang="0">
+                <a:pos x="connsiteX4" y="connsiteY4"/>
+              </a:cxn>
+            </a:cxnLst>
+            <a:rect l="l" t="t" r="r" b="b"/>
+            <a:pathLst>
+              <a:path w="2036622" h="329385">
+                <a:moveTo>
+                  <a:pt x="542645" y="0"/>
+                </a:moveTo>
+                <a:lnTo>
+                  <a:pt x="2036622" y="409"/>
+                </a:lnTo>
+                <a:lnTo>
+                  <a:pt x="1446950" y="329385"/>
+                </a:lnTo>
+                <a:lnTo>
+                  <a:pt x="0" y="324656"/>
+                </a:lnTo>
+                <a:lnTo>
+                  <a:pt x="542645" y="0"/>
+                </a:lnTo>
+                <a:close/>
+              </a:path>
+            </a:pathLst>
+          </a:custGeom>
+          <a:noFill/>
+          <a:ln w="19050">
+            <a:solidFill>
+              <a:schemeClr val="tx1"/>
+            </a:solidFill>
+            <a:prstDash val="solid"/>
+          </a:ln>
+        </p:spPr>
+        <p:style>
+          <a:lnRef idx="2">
+            <a:schemeClr val="accent1">
+              <a:shade val="50000"/>
+            </a:schemeClr>
+          </a:lnRef>
+          <a:fillRef idx="1">
+            <a:schemeClr val="accent1"/>
+          </a:fillRef>
+          <a:effectRef idx="0">
+            <a:schemeClr val="accent1"/>
+          </a:effectRef>
+          <a:fontRef idx="minor">
+            <a:schemeClr val="lt1"/>
+          </a:fontRef>
+        </p:style>
+        <p:txBody>
+          <a:bodyPr rtlCol="0" anchor="ctr"/>
+          <a:lstStyle/>
+          <a:p>
+            <a:pPr algn="ctr"/>
+            <a:endParaRPr lang="ko-KR" altLang="en-US" sz="2800" dirty="0">
+              <a:solidFill>
+                <a:schemeClr val="tx1"/>
+              </a:solidFill>
+            </a:endParaRPr>
+          </a:p>
+        </p:txBody>
+      </p:sp>
+      <mc:AlternateContent xmlns:mc="http://schemas.openxmlformats.org/markup-compatibility/2006" xmlns:a14="http://schemas.microsoft.com/office/drawing/2010/main">
+        <mc:Choice Requires="a14">
+          <p:sp>
+            <p:nvSpPr>
+              <p:cNvPr id="20" name="직사각형 19">
+                <a:extLst>
+                  <a:ext uri="{FF2B5EF4-FFF2-40B4-BE49-F238E27FC236}">
+                    <a16:creationId xmlns:a16="http://schemas.microsoft.com/office/drawing/2014/main" id="{43E13334-DC58-414E-B718-6E285E11D7DB}"/>
+                  </a:ext>
+                </a:extLst>
+              </p:cNvPr>
+              <p:cNvSpPr/>
+              <p:nvPr/>
+            </p:nvSpPr>
+            <p:spPr>
+              <a:xfrm>
+                <a:off x="7925110" y="4696312"/>
+                <a:ext cx="923464" cy="523220"/>
+              </a:xfrm>
+              <a:prstGeom prst="rect">
+                <a:avLst/>
+              </a:prstGeom>
+            </p:spPr>
+            <p:txBody>
+              <a:bodyPr wrap="square">
+                <a:spAutoFit/>
+              </a:bodyPr>
+              <a:lstStyle/>
+              <a:p>
+                <a:pPr algn="ctr"/>
+                <a14:m>
+                  <m:oMathPara xmlns:m="http://schemas.openxmlformats.org/officeDocument/2006/math">
+                    <m:oMathParaPr>
+                      <m:jc m:val="center"/>
+                    </m:oMathParaPr>
+                    <m:oMath xmlns:m="http://schemas.openxmlformats.org/officeDocument/2006/math">
+                      <m:r>
+                        <a:rPr lang="en-US" altLang="ko-KR" sz="2800" i="1" dirty="0" smtClean="0">
+                          <a:solidFill>
+                            <a:schemeClr val="tx1">
+                              <a:lumMod val="50000"/>
+                              <a:lumOff val="50000"/>
+                            </a:schemeClr>
+                          </a:solidFill>
+                          <a:latin typeface="Cambria Math" panose="02040503050406030204" pitchFamily="18" charset="0"/>
+                        </a:rPr>
+                        <m:t>𝑑𝑆</m:t>
+                      </m:r>
+                    </m:oMath>
+                  </m:oMathPara>
+                </a14:m>
+                <a:endParaRPr lang="ko-KR" altLang="en-US" sz="2800" dirty="0">
+                  <a:solidFill>
+                    <a:schemeClr val="tx1">
+                      <a:lumMod val="50000"/>
+                      <a:lumOff val="50000"/>
+                    </a:schemeClr>
+                  </a:solidFill>
+                </a:endParaRPr>
+              </a:p>
+            </p:txBody>
+          </p:sp>
+        </mc:Choice>
+        <mc:Fallback xmlns="">
+          <p:sp>
+            <p:nvSpPr>
+              <p:cNvPr id="20" name="직사각형 19">
+                <a:extLst>
+                  <a:ext uri="{FF2B5EF4-FFF2-40B4-BE49-F238E27FC236}">
+                    <a16:creationId xmlns:a16="http://schemas.microsoft.com/office/drawing/2014/main" id="{43E13334-DC58-414E-B718-6E285E11D7DB}"/>
+                  </a:ext>
+                </a:extLst>
+              </p:cNvPr>
+              <p:cNvSpPr>
+                <a:spLocks noRot="1" noChangeAspect="1" noMove="1" noResize="1" noEditPoints="1" noAdjustHandles="1" noChangeArrowheads="1" noChangeShapeType="1" noTextEdit="1"/>
+              </p:cNvSpPr>
+              <p:nvPr/>
+            </p:nvSpPr>
+            <p:spPr>
+              <a:xfrm>
+                <a:off x="7925110" y="4696312"/>
+                <a:ext cx="923464" cy="523220"/>
+              </a:xfrm>
+              <a:prstGeom prst="rect">
+                <a:avLst/>
+              </a:prstGeom>
+              <a:blipFill>
+                <a:blip r:embed="rId7"/>
+                <a:stretch>
+                  <a:fillRect/>
+                </a:stretch>
+              </a:blipFill>
+            </p:spPr>
+            <p:txBody>
+              <a:bodyPr/>
+              <a:lstStyle/>
+              <a:p>
+                <a:r>
+                  <a:rPr lang="ko-KR" altLang="en-US">
+                    <a:noFill/>
+                  </a:rPr>
+                  <a:t> </a:t>
+                </a:r>
+              </a:p>
+            </p:txBody>
+          </p:sp>
+        </mc:Fallback>
+      </mc:AlternateContent>
+      <p:cxnSp>
+        <p:nvCxnSpPr>
+          <p:cNvPr id="51" name="직선 연결선 50">
+            <a:extLst>
+              <a:ext uri="{FF2B5EF4-FFF2-40B4-BE49-F238E27FC236}">
+                <a16:creationId xmlns:a16="http://schemas.microsoft.com/office/drawing/2014/main" id="{3FC469D4-1E06-4CBD-A55B-E8306B78DF1F}"/>
+              </a:ext>
+            </a:extLst>
+          </p:cNvPr>
+          <p:cNvCxnSpPr>
+            <a:cxnSpLocks/>
+            <a:stCxn id="18" idx="3"/>
+            <a:endCxn id="18" idx="0"/>
+          </p:cNvCxnSpPr>
+          <p:nvPr/>
+        </p:nvCxnSpPr>
+        <p:spPr>
+          <a:xfrm flipV="1">
+            <a:off x="6948093" y="4769056"/>
+            <a:ext cx="794819" cy="475527"/>
+          </a:xfrm>
+          <a:prstGeom prst="line">
+            <a:avLst/>
+          </a:prstGeom>
+          <a:ln w="19050">
+            <a:solidFill>
+              <a:schemeClr val="tx1"/>
+            </a:solidFill>
+            <a:prstDash val="dash"/>
+          </a:ln>
+        </p:spPr>
+        <p:style>
+          <a:lnRef idx="1">
+            <a:schemeClr val="accent1"/>
+          </a:lnRef>
+          <a:fillRef idx="0">
+            <a:schemeClr val="accent1"/>
+          </a:fillRef>
+          <a:effectRef idx="0">
+            <a:schemeClr val="accent1"/>
+          </a:effectRef>
+          <a:fontRef idx="minor">
+            <a:schemeClr val="tx1"/>
+          </a:fontRef>
+        </p:style>
+      </p:cxnSp>
+      <p:cxnSp>
+        <p:nvCxnSpPr>
+          <p:cNvPr id="53" name="직선 연결선 52">
+            <a:extLst>
+              <a:ext uri="{FF2B5EF4-FFF2-40B4-BE49-F238E27FC236}">
+                <a16:creationId xmlns:a16="http://schemas.microsoft.com/office/drawing/2014/main" id="{8B663E89-4E62-47AC-900B-0B496734EA8F}"/>
+              </a:ext>
+            </a:extLst>
+          </p:cNvPr>
+          <p:cNvCxnSpPr>
+            <a:cxnSpLocks/>
+            <a:stCxn id="18" idx="3"/>
+            <a:endCxn id="18" idx="2"/>
+          </p:cNvCxnSpPr>
+          <p:nvPr/>
+        </p:nvCxnSpPr>
+        <p:spPr>
+          <a:xfrm>
+            <a:off x="6948093" y="5244584"/>
+            <a:ext cx="2119366" cy="6927"/>
+          </a:xfrm>
+          <a:prstGeom prst="line">
+            <a:avLst/>
+          </a:prstGeom>
+          <a:ln w="19050">
+            <a:solidFill>
+              <a:schemeClr val="tx1"/>
+            </a:solidFill>
+          </a:ln>
+        </p:spPr>
+        <p:style>
+          <a:lnRef idx="1">
+            <a:schemeClr val="accent1"/>
+          </a:lnRef>
+          <a:fillRef idx="0">
+            <a:schemeClr val="accent1"/>
+          </a:fillRef>
+          <a:effectRef idx="0">
+            <a:schemeClr val="accent1"/>
+          </a:effectRef>
+          <a:fontRef idx="minor">
+            <a:schemeClr val="tx1"/>
+          </a:fontRef>
+        </p:style>
+      </p:cxnSp>
+      <p:cxnSp>
+        <p:nvCxnSpPr>
+          <p:cNvPr id="55" name="직선 연결선 54">
+            <a:extLst>
+              <a:ext uri="{FF2B5EF4-FFF2-40B4-BE49-F238E27FC236}">
+                <a16:creationId xmlns:a16="http://schemas.microsoft.com/office/drawing/2014/main" id="{F3CDED1D-5329-44B5-B441-70DBF85F173C}"/>
+              </a:ext>
+            </a:extLst>
+          </p:cNvPr>
+          <p:cNvCxnSpPr>
+            <a:cxnSpLocks/>
+            <a:stCxn id="18" idx="2"/>
+            <a:endCxn id="18" idx="1"/>
+          </p:cNvCxnSpPr>
+          <p:nvPr/>
+        </p:nvCxnSpPr>
+        <p:spPr>
+          <a:xfrm flipV="1">
+            <a:off x="9067459" y="4769655"/>
+            <a:ext cx="863699" cy="481855"/>
+          </a:xfrm>
+          <a:prstGeom prst="line">
+            <a:avLst/>
+          </a:prstGeom>
+          <a:ln w="19050">
+            <a:solidFill>
+              <a:schemeClr val="tx1"/>
+            </a:solidFill>
+          </a:ln>
+        </p:spPr>
+        <p:style>
+          <a:lnRef idx="1">
+            <a:schemeClr val="accent1"/>
+          </a:lnRef>
+          <a:fillRef idx="0">
+            <a:schemeClr val="accent1"/>
+          </a:fillRef>
+          <a:effectRef idx="0">
+            <a:schemeClr val="accent1"/>
+          </a:effectRef>
+          <a:fontRef idx="minor">
+            <a:schemeClr val="tx1"/>
+          </a:fontRef>
+        </p:style>
+      </p:cxnSp>
+      <p:cxnSp>
+        <p:nvCxnSpPr>
+          <p:cNvPr id="57" name="직선 연결선 56">
+            <a:extLst>
+              <a:ext uri="{FF2B5EF4-FFF2-40B4-BE49-F238E27FC236}">
+                <a16:creationId xmlns:a16="http://schemas.microsoft.com/office/drawing/2014/main" id="{D9BA2E99-BDD0-459E-9566-3CE0BF524482}"/>
+              </a:ext>
+            </a:extLst>
+          </p:cNvPr>
+          <p:cNvCxnSpPr>
+            <a:cxnSpLocks/>
+            <a:stCxn id="18" idx="0"/>
+            <a:endCxn id="18" idx="1"/>
+          </p:cNvCxnSpPr>
+          <p:nvPr/>
+        </p:nvCxnSpPr>
+        <p:spPr>
+          <a:xfrm>
+            <a:off x="7742912" y="4769056"/>
+            <a:ext cx="2188246" cy="599"/>
+          </a:xfrm>
+          <a:prstGeom prst="line">
+            <a:avLst/>
+          </a:prstGeom>
+          <a:ln w="19050">
+            <a:solidFill>
+              <a:schemeClr val="tx1"/>
+            </a:solidFill>
+            <a:prstDash val="dash"/>
+          </a:ln>
+        </p:spPr>
+        <p:style>
+          <a:lnRef idx="1">
+            <a:schemeClr val="accent1"/>
+          </a:lnRef>
+          <a:fillRef idx="0">
+            <a:schemeClr val="accent1"/>
+          </a:fillRef>
+          <a:effectRef idx="0">
+            <a:schemeClr val="accent1"/>
+          </a:effectRef>
+          <a:fontRef idx="minor">
+            <a:schemeClr val="tx1"/>
+          </a:fontRef>
+        </p:style>
+      </p:cxnSp>
+      <p:cxnSp>
+        <p:nvCxnSpPr>
+          <p:cNvPr id="59" name="직선 화살표 연결선 58">
+            <a:extLst>
+              <a:ext uri="{FF2B5EF4-FFF2-40B4-BE49-F238E27FC236}">
+                <a16:creationId xmlns:a16="http://schemas.microsoft.com/office/drawing/2014/main" id="{A6F067D2-4637-4E63-952C-798DCC3293E4}"/>
+              </a:ext>
+            </a:extLst>
+          </p:cNvPr>
+          <p:cNvCxnSpPr>
+            <a:stCxn id="18" idx="3"/>
+          </p:cNvCxnSpPr>
+          <p:nvPr/>
+        </p:nvCxnSpPr>
+        <p:spPr>
+          <a:xfrm flipV="1">
+            <a:off x="6948093" y="2305790"/>
+            <a:ext cx="0" cy="2938794"/>
+          </a:xfrm>
+          <a:prstGeom prst="straightConnector1">
+            <a:avLst/>
+          </a:prstGeom>
+          <a:ln w="57150">
+            <a:solidFill>
+              <a:srgbClr val="FF0000"/>
+            </a:solidFill>
+            <a:tailEnd type="triangle"/>
+          </a:ln>
+        </p:spPr>
+        <p:style>
+          <a:lnRef idx="1">
+            <a:schemeClr val="accent1"/>
+          </a:lnRef>
+          <a:fillRef idx="0">
+            <a:schemeClr val="accent1"/>
+          </a:fillRef>
+          <a:effectRef idx="0">
+            <a:schemeClr val="accent1"/>
+          </a:effectRef>
+          <a:fontRef idx="minor">
+            <a:schemeClr val="tx1"/>
+          </a:fontRef>
+        </p:style>
+      </p:cxnSp>
+      <mc:AlternateContent xmlns:mc="http://schemas.openxmlformats.org/markup-compatibility/2006">
+        <mc:Choice xmlns:a14="http://schemas.microsoft.com/office/drawing/2010/main" Requires="a14">
+          <p:sp>
+            <p:nvSpPr>
+              <p:cNvPr id="61" name="TextBox 60">
+                <a:extLst>
+                  <a:ext uri="{FF2B5EF4-FFF2-40B4-BE49-F238E27FC236}">
+                    <a16:creationId xmlns:a16="http://schemas.microsoft.com/office/drawing/2014/main" id="{DA96630D-6EEC-4DFB-92A5-471CF40F4B17}"/>
+                  </a:ext>
+                </a:extLst>
+              </p:cNvPr>
+              <p:cNvSpPr txBox="1"/>
+              <p:nvPr/>
+            </p:nvSpPr>
+            <p:spPr>
+              <a:xfrm>
+                <a:off x="5681482" y="1916134"/>
+                <a:ext cx="2548582" cy="369332"/>
+              </a:xfrm>
+              <a:prstGeom prst="rect">
+                <a:avLst/>
+              </a:prstGeom>
+              <a:noFill/>
+            </p:spPr>
+            <p:txBody>
+              <a:bodyPr wrap="none" rtlCol="0">
+                <a:spAutoFit/>
+              </a:bodyPr>
+              <a:lstStyle/>
+              <a:p>
+                <a:pPr algn="ctr"/>
+                <a14:m>
+                  <m:oMath xmlns:m="http://schemas.openxmlformats.org/officeDocument/2006/math">
+                    <m:acc>
+                      <m:accPr>
+                        <m:chr m:val="̂"/>
+                        <m:ctrlPr>
+                          <a:rPr lang="en-US" altLang="ko-KR" b="0" i="1" smtClean="0">
+                            <a:solidFill>
+                              <a:srgbClr val="FF0000"/>
+                            </a:solidFill>
+                            <a:latin typeface="Cambria Math" panose="02040503050406030204" pitchFamily="18" charset="0"/>
+                          </a:rPr>
+                        </m:ctrlPr>
+                      </m:accPr>
+                      <m:e>
+                        <m:r>
+                          <a:rPr lang="en-US" altLang="ko-KR" b="0" i="1" smtClean="0">
+                            <a:solidFill>
+                              <a:srgbClr val="FF0000"/>
+                            </a:solidFill>
+                            <a:latin typeface="Cambria Math" panose="02040503050406030204" pitchFamily="18" charset="0"/>
+                          </a:rPr>
+                          <m:t>𝑛</m:t>
+                        </m:r>
+                      </m:e>
+                    </m:acc>
+                  </m:oMath>
+                </a14:m>
+                <a:r>
+                  <a:rPr lang="en-US" altLang="ko-KR" dirty="0">
+                    <a:solidFill>
+                      <a:srgbClr val="FF0000"/>
+                    </a:solidFill>
+                  </a:rPr>
+                  <a:t>: normal vector to </a:t>
+                </a:r>
+                <a14:m>
+                  <m:oMath xmlns:m="http://schemas.openxmlformats.org/officeDocument/2006/math">
+                    <m:r>
+                      <a:rPr lang="en-US" altLang="ko-KR" b="0" i="1" smtClean="0">
+                        <a:solidFill>
+                          <a:srgbClr val="FF0000"/>
+                        </a:solidFill>
+                        <a:latin typeface="Cambria Math" panose="02040503050406030204" pitchFamily="18" charset="0"/>
+                      </a:rPr>
+                      <m:t>𝑑𝑆</m:t>
+                    </m:r>
+                  </m:oMath>
+                </a14:m>
+                <a:endParaRPr lang="ko-KR" altLang="en-US" dirty="0">
+                  <a:solidFill>
+                    <a:srgbClr val="FF0000"/>
+                  </a:solidFill>
+                </a:endParaRPr>
+              </a:p>
+            </p:txBody>
+          </p:sp>
+        </mc:Choice>
+        <mc:Fallback>
+          <p:sp>
+            <p:nvSpPr>
+              <p:cNvPr id="61" name="TextBox 60">
+                <a:extLst>
+                  <a:ext uri="{FF2B5EF4-FFF2-40B4-BE49-F238E27FC236}">
+                    <a16:creationId xmlns:a16="http://schemas.microsoft.com/office/drawing/2014/main" id="{DA96630D-6EEC-4DFB-92A5-471CF40F4B17}"/>
+                  </a:ext>
+                </a:extLst>
+              </p:cNvPr>
+              <p:cNvSpPr txBox="1">
+                <a:spLocks noRot="1" noChangeAspect="1" noMove="1" noResize="1" noEditPoints="1" noAdjustHandles="1" noChangeArrowheads="1" noChangeShapeType="1" noTextEdit="1"/>
+              </p:cNvSpPr>
+              <p:nvPr/>
+            </p:nvSpPr>
+            <p:spPr>
+              <a:xfrm>
+                <a:off x="5681482" y="1916134"/>
+                <a:ext cx="2548582" cy="369332"/>
+              </a:xfrm>
+              <a:prstGeom prst="rect">
+                <a:avLst/>
+              </a:prstGeom>
+              <a:blipFill>
+                <a:blip r:embed="rId8"/>
+                <a:stretch>
+                  <a:fillRect t="-8197" b="-24590"/>
+                </a:stretch>
+              </a:blipFill>
+            </p:spPr>
+            <p:txBody>
+              <a:bodyPr/>
+              <a:lstStyle/>
+              <a:p>
+                <a:r>
+                  <a:rPr lang="en-US">
+                    <a:noFill/>
+                  </a:rPr>
+                  <a:t> </a:t>
+                </a:r>
+              </a:p>
+            </p:txBody>
+          </p:sp>
+        </mc:Fallback>
+      </mc:AlternateContent>
+      <p:sp>
+        <p:nvSpPr>
+          <p:cNvPr id="62" name="자유형: 도형 61">
+            <a:extLst>
+              <a:ext uri="{FF2B5EF4-FFF2-40B4-BE49-F238E27FC236}">
+                <a16:creationId xmlns:a16="http://schemas.microsoft.com/office/drawing/2014/main" id="{22F854B9-CAC7-48AB-9894-BBACEC456286}"/>
+              </a:ext>
+            </a:extLst>
+          </p:cNvPr>
+          <p:cNvSpPr/>
+          <p:nvPr/>
+        </p:nvSpPr>
+        <p:spPr>
+          <a:xfrm>
+            <a:off x="6974200" y="2907003"/>
+            <a:ext cx="3759812" cy="2329869"/>
+          </a:xfrm>
+          <a:custGeom>
+            <a:avLst/>
+            <a:gdLst>
+              <a:gd name="connsiteX0" fmla="*/ 847344 w 4151376"/>
+              <a:gd name="connsiteY0" fmla="*/ 530352 h 2572512"/>
+              <a:gd name="connsiteX1" fmla="*/ 0 w 4151376"/>
+              <a:gd name="connsiteY1" fmla="*/ 2572512 h 2572512"/>
+              <a:gd name="connsiteX2" fmla="*/ 2353056 w 4151376"/>
+              <a:gd name="connsiteY2" fmla="*/ 2572512 h 2572512"/>
+              <a:gd name="connsiteX3" fmla="*/ 3285744 w 4151376"/>
+              <a:gd name="connsiteY3" fmla="*/ 2048256 h 2572512"/>
+              <a:gd name="connsiteX4" fmla="*/ 4151376 w 4151376"/>
+              <a:gd name="connsiteY4" fmla="*/ 0 h 2572512"/>
+              <a:gd name="connsiteX5" fmla="*/ 1725168 w 4151376"/>
+              <a:gd name="connsiteY5" fmla="*/ 0 h 2572512"/>
+              <a:gd name="connsiteX6" fmla="*/ 847344 w 4151376"/>
+              <a:gd name="connsiteY6" fmla="*/ 530352 h 2572512"/>
+            </a:gdLst>
+            <a:ahLst/>
+            <a:cxnLst>
+              <a:cxn ang="0">
+                <a:pos x="connsiteX0" y="connsiteY0"/>
+              </a:cxn>
+              <a:cxn ang="0">
+                <a:pos x="connsiteX1" y="connsiteY1"/>
+              </a:cxn>
+              <a:cxn ang="0">
+                <a:pos x="connsiteX2" y="connsiteY2"/>
+              </a:cxn>
+              <a:cxn ang="0">
+                <a:pos x="connsiteX3" y="connsiteY3"/>
+              </a:cxn>
+              <a:cxn ang="0">
+                <a:pos x="connsiteX4" y="connsiteY4"/>
+              </a:cxn>
+              <a:cxn ang="0">
+                <a:pos x="connsiteX5" y="connsiteY5"/>
+              </a:cxn>
+              <a:cxn ang="0">
+                <a:pos x="connsiteX6" y="connsiteY6"/>
+              </a:cxn>
+            </a:cxnLst>
+            <a:rect l="l" t="t" r="r" b="b"/>
+            <a:pathLst>
+              <a:path w="4151376" h="2572512">
+                <a:moveTo>
+                  <a:pt x="847344" y="530352"/>
+                </a:moveTo>
+                <a:lnTo>
+                  <a:pt x="0" y="2572512"/>
+                </a:lnTo>
+                <a:lnTo>
+                  <a:pt x="2353056" y="2572512"/>
+                </a:lnTo>
+                <a:lnTo>
+                  <a:pt x="3285744" y="2048256"/>
+                </a:lnTo>
+                <a:lnTo>
+                  <a:pt x="4151376" y="0"/>
+                </a:lnTo>
+                <a:lnTo>
+                  <a:pt x="1725168" y="0"/>
+                </a:lnTo>
+                <a:lnTo>
+                  <a:pt x="847344" y="530352"/>
+                </a:lnTo>
+                <a:close/>
+              </a:path>
+            </a:pathLst>
+          </a:custGeom>
+          <a:solidFill>
+            <a:schemeClr val="accent1">
+              <a:lumMod val="60000"/>
+              <a:lumOff val="40000"/>
+              <a:alpha val="23000"/>
+            </a:schemeClr>
+          </a:solidFill>
+          <a:ln>
+            <a:noFill/>
+          </a:ln>
+        </p:spPr>
+        <p:style>
+          <a:lnRef idx="2">
+            <a:schemeClr val="accent1">
+              <a:shade val="50000"/>
+            </a:schemeClr>
+          </a:lnRef>
+          <a:fillRef idx="1">
+            <a:schemeClr val="accent1"/>
+          </a:fillRef>
+          <a:effectRef idx="0">
+            <a:schemeClr val="accent1"/>
+          </a:effectRef>
+          <a:fontRef idx="minor">
+            <a:schemeClr val="lt1"/>
+          </a:fontRef>
+        </p:style>
+        <p:txBody>
+          <a:bodyPr rtlCol="0" anchor="ctr"/>
+          <a:lstStyle/>
+          <a:p>
+            <a:pPr algn="ctr"/>
+            <a:endParaRPr lang="ko-KR" altLang="en-US" sz="1400"/>
+          </a:p>
+        </p:txBody>
+      </p:sp>
+      <mc:AlternateContent xmlns:mc="http://schemas.openxmlformats.org/markup-compatibility/2006" xmlns:a14="http://schemas.microsoft.com/office/drawing/2010/main">
+        <mc:Choice Requires="a14">
+          <p:sp>
+            <p:nvSpPr>
+              <p:cNvPr id="1024" name="직사각형 1023">
+                <a:extLst>
+                  <a:ext uri="{FF2B5EF4-FFF2-40B4-BE49-F238E27FC236}">
+                    <a16:creationId xmlns:a16="http://schemas.microsoft.com/office/drawing/2014/main" id="{CD680B31-D025-4135-9BFB-AB4BD082E276}"/>
+                  </a:ext>
+                </a:extLst>
+              </p:cNvPr>
+              <p:cNvSpPr/>
+              <p:nvPr/>
+            </p:nvSpPr>
+            <p:spPr>
+              <a:xfrm>
+                <a:off x="6452159" y="3574469"/>
+                <a:ext cx="500388" cy="523220"/>
+              </a:xfrm>
+              <a:prstGeom prst="rect">
+                <a:avLst/>
+              </a:prstGeom>
+            </p:spPr>
+            <p:txBody>
+              <a:bodyPr wrap="square">
+                <a:spAutoFit/>
+              </a:bodyPr>
+              <a:lstStyle/>
+              <a:p>
+                <a:pPr/>
+                <a14:m>
+                  <m:oMathPara xmlns:m="http://schemas.openxmlformats.org/officeDocument/2006/math">
+                    <m:oMathParaPr>
+                      <m:jc m:val="centerGroup"/>
+                    </m:oMathParaPr>
+                    <m:oMath xmlns:m="http://schemas.openxmlformats.org/officeDocument/2006/math">
+                      <m:acc>
+                        <m:accPr>
+                          <m:chr m:val="̂"/>
+                          <m:ctrlPr>
+                            <a:rPr lang="en-US" altLang="ko-KR" sz="2800" i="1">
+                              <a:solidFill>
+                                <a:srgbClr val="FF0000"/>
+                              </a:solidFill>
+                              <a:latin typeface="Cambria Math" panose="02040503050406030204" pitchFamily="18" charset="0"/>
+                            </a:rPr>
+                          </m:ctrlPr>
+                        </m:accPr>
+                        <m:e>
+                          <m:r>
+                            <a:rPr lang="en-US" altLang="ko-KR" sz="2800" i="1">
+                              <a:solidFill>
+                                <a:srgbClr val="FF0000"/>
+                              </a:solidFill>
+                              <a:latin typeface="Cambria Math" panose="02040503050406030204" pitchFamily="18" charset="0"/>
+                            </a:rPr>
+                            <m:t>𝑛</m:t>
+                          </m:r>
+                        </m:e>
+                      </m:acc>
+                    </m:oMath>
+                  </m:oMathPara>
+                </a14:m>
+                <a:endParaRPr lang="ko-KR" altLang="en-US" sz="2800" dirty="0"/>
+              </a:p>
+            </p:txBody>
+          </p:sp>
+        </mc:Choice>
+        <mc:Fallback xmlns="">
+          <p:sp>
+            <p:nvSpPr>
+              <p:cNvPr id="1024" name="직사각형 1023">
+                <a:extLst>
+                  <a:ext uri="{FF2B5EF4-FFF2-40B4-BE49-F238E27FC236}">
+                    <a16:creationId xmlns:a16="http://schemas.microsoft.com/office/drawing/2014/main" id="{CD680B31-D025-4135-9BFB-AB4BD082E276}"/>
+                  </a:ext>
+                </a:extLst>
+              </p:cNvPr>
+              <p:cNvSpPr>
+                <a:spLocks noRot="1" noChangeAspect="1" noMove="1" noResize="1" noEditPoints="1" noAdjustHandles="1" noChangeArrowheads="1" noChangeShapeType="1" noTextEdit="1"/>
+              </p:cNvSpPr>
+              <p:nvPr/>
+            </p:nvSpPr>
+            <p:spPr>
+              <a:xfrm>
+                <a:off x="6452159" y="3574469"/>
+                <a:ext cx="500388" cy="523220"/>
+              </a:xfrm>
+              <a:prstGeom prst="rect">
+                <a:avLst/>
+              </a:prstGeom>
+              <a:blipFill>
+                <a:blip r:embed="rId9"/>
+                <a:stretch>
+                  <a:fillRect/>
+                </a:stretch>
+              </a:blipFill>
+            </p:spPr>
+            <p:txBody>
+              <a:bodyPr/>
+              <a:lstStyle/>
+              <a:p>
+                <a:r>
+                  <a:rPr lang="ko-KR" altLang="en-US">
+                    <a:noFill/>
+                  </a:rPr>
+                  <a:t> </a:t>
+                </a:r>
+              </a:p>
+            </p:txBody>
+          </p:sp>
+        </mc:Fallback>
+      </mc:AlternateContent>
+      <p:cxnSp>
+        <p:nvCxnSpPr>
+          <p:cNvPr id="34" name="직선 화살표 연결선 33">
+            <a:extLst>
+              <a:ext uri="{FF2B5EF4-FFF2-40B4-BE49-F238E27FC236}">
+                <a16:creationId xmlns:a16="http://schemas.microsoft.com/office/drawing/2014/main" id="{19081227-5262-442F-AC4E-A748A4F9A72B}"/>
+              </a:ext>
+            </a:extLst>
+          </p:cNvPr>
+          <p:cNvCxnSpPr>
+            <a:cxnSpLocks/>
+            <a:endCxn id="44" idx="3"/>
+          </p:cNvCxnSpPr>
+          <p:nvPr/>
+        </p:nvCxnSpPr>
+        <p:spPr>
+          <a:xfrm flipV="1">
+            <a:off x="6948093" y="3394149"/>
+            <a:ext cx="778217" cy="1857363"/>
+          </a:xfrm>
+          <a:prstGeom prst="straightConnector1">
+            <a:avLst/>
+          </a:prstGeom>
+          <a:ln w="57150">
+            <a:solidFill>
+              <a:schemeClr val="accent1"/>
+            </a:solidFill>
+            <a:tailEnd type="triangle"/>
+          </a:ln>
+        </p:spPr>
+        <p:style>
+          <a:lnRef idx="1">
+            <a:schemeClr val="accent1"/>
+          </a:lnRef>
+          <a:fillRef idx="0">
+            <a:schemeClr val="accent1"/>
+          </a:fillRef>
+          <a:effectRef idx="0">
+            <a:schemeClr val="accent1"/>
+          </a:effectRef>
+          <a:fontRef idx="minor">
+            <a:schemeClr val="tx1"/>
+          </a:fontRef>
+        </p:style>
+      </p:cxnSp>
+      <p:sp>
+        <p:nvSpPr>
+          <p:cNvPr id="69" name="TextBox 68">
+            <a:extLst>
+              <a:ext uri="{FF2B5EF4-FFF2-40B4-BE49-F238E27FC236}">
+                <a16:creationId xmlns:a16="http://schemas.microsoft.com/office/drawing/2014/main" id="{2AC63C91-337E-491F-BEB9-AD44AFDBFB9D}"/>
+              </a:ext>
+            </a:extLst>
+          </p:cNvPr>
+          <p:cNvSpPr txBox="1"/>
+          <p:nvPr/>
+        </p:nvSpPr>
+        <p:spPr>
+          <a:xfrm>
+            <a:off x="6907191" y="1174194"/>
+            <a:ext cx="3719031" cy="400110"/>
+          </a:xfrm>
+          <a:prstGeom prst="rect">
+            <a:avLst/>
+          </a:prstGeom>
+          <a:noFill/>
+        </p:spPr>
+        <p:txBody>
+          <a:bodyPr wrap="none" rtlCol="0">
+            <a:spAutoFit/>
+          </a:bodyPr>
+          <a:lstStyle/>
+          <a:p>
+            <a:r>
+              <a:rPr lang="en-US" altLang="ko-KR" sz="2000" dirty="0"/>
+              <a:t>&lt;Flux of infinitesimal surface&gt;</a:t>
+            </a:r>
+            <a:endParaRPr lang="ko-KR" altLang="en-US" sz="2000" dirty="0"/>
+          </a:p>
+        </p:txBody>
+      </p:sp>
+    </p:spTree>
+    <p:extLst>
+      <p:ext uri="{BB962C8B-B14F-4D97-AF65-F5344CB8AC3E}">
+        <p14:creationId xmlns:p14="http://schemas.microsoft.com/office/powerpoint/2010/main" val="716212596"/>
       </p:ext>
     </p:extLst>
   </p:cSld>
